--- a/doc/05.梵音.pptx
+++ b/doc/05.梵音.pptx
@@ -11,8 +11,7 @@
     <p:sldId id="291" r:id="rId5"/>
     <p:sldId id="277" r:id="rId6"/>
     <p:sldId id="283" r:id="rId7"/>
-    <p:sldId id="293" r:id="rId8"/>
-    <p:sldId id="292" r:id="rId9"/>
+    <p:sldId id="292" r:id="rId8"/>
   </p:sldIdLst>
   <p:sldSz cx="12192000" cy="6858000"/>
   <p:notesSz cx="6858000" cy="9144000"/>
@@ -278,7 +277,7 @@
           <a:p>
             <a:fld id="{1B7BBEA4-24BC-4F9A-BA49-26A596A24E96}" type="datetimeFigureOut">
               <a:rPr lang="zh-CN" altLang="en-US" smtClean="0"/>
-              <a:t>2021/4/15</a:t>
+              <a:t>2021/4/17</a:t>
             </a:fld>
             <a:endParaRPr lang="zh-CN" altLang="en-US"/>
           </a:p>
@@ -476,7 +475,7 @@
           <a:p>
             <a:fld id="{1B7BBEA4-24BC-4F9A-BA49-26A596A24E96}" type="datetimeFigureOut">
               <a:rPr lang="zh-CN" altLang="en-US" smtClean="0"/>
-              <a:t>2021/4/15</a:t>
+              <a:t>2021/4/17</a:t>
             </a:fld>
             <a:endParaRPr lang="zh-CN" altLang="en-US"/>
           </a:p>
@@ -684,7 +683,7 @@
           <a:p>
             <a:fld id="{1B7BBEA4-24BC-4F9A-BA49-26A596A24E96}" type="datetimeFigureOut">
               <a:rPr lang="zh-CN" altLang="en-US" smtClean="0"/>
-              <a:t>2021/4/15</a:t>
+              <a:t>2021/4/17</a:t>
             </a:fld>
             <a:endParaRPr lang="zh-CN" altLang="en-US"/>
           </a:p>
@@ -882,7 +881,7 @@
           <a:p>
             <a:fld id="{1B7BBEA4-24BC-4F9A-BA49-26A596A24E96}" type="datetimeFigureOut">
               <a:rPr lang="zh-CN" altLang="en-US" smtClean="0"/>
-              <a:t>2021/4/15</a:t>
+              <a:t>2021/4/17</a:t>
             </a:fld>
             <a:endParaRPr lang="zh-CN" altLang="en-US"/>
           </a:p>
@@ -1157,7 +1156,7 @@
           <a:p>
             <a:fld id="{1B7BBEA4-24BC-4F9A-BA49-26A596A24E96}" type="datetimeFigureOut">
               <a:rPr lang="zh-CN" altLang="en-US" smtClean="0"/>
-              <a:t>2021/4/15</a:t>
+              <a:t>2021/4/17</a:t>
             </a:fld>
             <a:endParaRPr lang="zh-CN" altLang="en-US"/>
           </a:p>
@@ -1422,7 +1421,7 @@
           <a:p>
             <a:fld id="{1B7BBEA4-24BC-4F9A-BA49-26A596A24E96}" type="datetimeFigureOut">
               <a:rPr lang="zh-CN" altLang="en-US" smtClean="0"/>
-              <a:t>2021/4/15</a:t>
+              <a:t>2021/4/17</a:t>
             </a:fld>
             <a:endParaRPr lang="zh-CN" altLang="en-US"/>
           </a:p>
@@ -1834,7 +1833,7 @@
           <a:p>
             <a:fld id="{1B7BBEA4-24BC-4F9A-BA49-26A596A24E96}" type="datetimeFigureOut">
               <a:rPr lang="zh-CN" altLang="en-US" smtClean="0"/>
-              <a:t>2021/4/15</a:t>
+              <a:t>2021/4/17</a:t>
             </a:fld>
             <a:endParaRPr lang="zh-CN" altLang="en-US"/>
           </a:p>
@@ -1975,7 +1974,7 @@
           <a:p>
             <a:fld id="{1B7BBEA4-24BC-4F9A-BA49-26A596A24E96}" type="datetimeFigureOut">
               <a:rPr lang="zh-CN" altLang="en-US" smtClean="0"/>
-              <a:t>2021/4/15</a:t>
+              <a:t>2021/4/17</a:t>
             </a:fld>
             <a:endParaRPr lang="zh-CN" altLang="en-US"/>
           </a:p>
@@ -2088,7 +2087,7 @@
           <a:p>
             <a:fld id="{1B7BBEA4-24BC-4F9A-BA49-26A596A24E96}" type="datetimeFigureOut">
               <a:rPr lang="zh-CN" altLang="en-US" smtClean="0"/>
-              <a:t>2021/4/15</a:t>
+              <a:t>2021/4/17</a:t>
             </a:fld>
             <a:endParaRPr lang="zh-CN" altLang="en-US"/>
           </a:p>
@@ -2399,7 +2398,7 @@
           <a:p>
             <a:fld id="{1B7BBEA4-24BC-4F9A-BA49-26A596A24E96}" type="datetimeFigureOut">
               <a:rPr lang="zh-CN" altLang="en-US" smtClean="0"/>
-              <a:t>2021/4/15</a:t>
+              <a:t>2021/4/17</a:t>
             </a:fld>
             <a:endParaRPr lang="zh-CN" altLang="en-US"/>
           </a:p>
@@ -2687,7 +2686,7 @@
           <a:p>
             <a:fld id="{1B7BBEA4-24BC-4F9A-BA49-26A596A24E96}" type="datetimeFigureOut">
               <a:rPr lang="zh-CN" altLang="en-US" smtClean="0"/>
-              <a:t>2021/4/15</a:t>
+              <a:t>2021/4/17</a:t>
             </a:fld>
             <a:endParaRPr lang="zh-CN" altLang="en-US"/>
           </a:p>
@@ -2928,7 +2927,7 @@
           <a:p>
             <a:fld id="{1B7BBEA4-24BC-4F9A-BA49-26A596A24E96}" type="datetimeFigureOut">
               <a:rPr lang="zh-CN" altLang="en-US" smtClean="0"/>
-              <a:t>2021/4/15</a:t>
+              <a:t>2021/4/17</a:t>
             </a:fld>
             <a:endParaRPr lang="zh-CN" altLang="en-US"/>
           </a:p>
@@ -3761,7 +3760,7 @@
                   <a:ea typeface="微软雅黑" panose="020B0503020204020204" pitchFamily="34" charset="-122"/>
                   <a:hlinkClick r:id="rId2" action="ppaction://hlinksldjump"/>
                 </a:rPr>
-                <a:t>房间</a:t>
+                <a:t>专辑</a:t>
               </a:r>
               <a:endParaRPr lang="zh-CN" altLang="en-US"/>
             </a:p>
@@ -3868,7 +3867,7 @@
                   <a:ea typeface="微软雅黑" panose="020B0503020204020204" pitchFamily="34" charset="-122"/>
                   <a:hlinkClick r:id="rId3" action="ppaction://hlinksldjump"/>
                 </a:rPr>
-                <a:t>供养</a:t>
+                <a:t>音频</a:t>
               </a:r>
               <a:endParaRPr lang="zh-CN" altLang="en-US"/>
             </a:p>
@@ -3975,7 +3974,7 @@
                   <a:ea typeface="微软雅黑" panose="020B0503020204020204" pitchFamily="34" charset="-122"/>
                   <a:hlinkClick r:id="rId4" action="ppaction://hlinksldjump"/>
                 </a:rPr>
-                <a:t>关注</a:t>
+                <a:t>收藏</a:t>
               </a:r>
               <a:endParaRPr lang="zh-CN" altLang="en-US"/>
             </a:p>
@@ -4077,12 +4076,12 @@
             <a:lstStyle/>
             <a:p>
               <a:r>
-                <a:rPr lang="zh-CN" altLang="en-US" sz="1800" b="1">
+                <a:rPr lang="zh-CN" altLang="en-US" b="1">
                   <a:latin typeface="Consolas" panose="020B0609020204030204" pitchFamily="49" charset="0"/>
                   <a:ea typeface="微软雅黑" panose="020B0503020204020204" pitchFamily="34" charset="-122"/>
                   <a:hlinkClick r:id="rId5" action="ppaction://hlinksldjump"/>
                 </a:rPr>
-                <a:t>创建房间</a:t>
+                <a:t>创建音频</a:t>
               </a:r>
               <a:endParaRPr lang="zh-CN" altLang="en-US" sz="1800" b="1">
                 <a:latin typeface="Consolas" panose="020B0609020204030204" pitchFamily="49" charset="0"/>
@@ -4190,14 +4189,9 @@
                 <a:rPr lang="zh-CN" altLang="en-US" sz="1800" b="1">
                   <a:latin typeface="Consolas" panose="020B0609020204030204" pitchFamily="49" charset="0"/>
                   <a:ea typeface="微软雅黑" panose="020B0503020204020204" pitchFamily="34" charset="-122"/>
-                  <a:hlinkClick r:id="rId6" action="ppaction://hlinksldjump"/>
                 </a:rPr>
-                <a:t>供养</a:t>
+                <a:t>创建专辑</a:t>
               </a:r>
-              <a:endParaRPr lang="zh-CN" altLang="en-US" sz="1800" b="1">
-                <a:latin typeface="Consolas" panose="020B0609020204030204" pitchFamily="49" charset="0"/>
-                <a:ea typeface="微软雅黑" panose="020B0503020204020204" pitchFamily="34" charset="-122"/>
-              </a:endParaRPr>
             </a:p>
           </p:txBody>
         </p:sp>
@@ -4300,14 +4294,9 @@
                 <a:rPr lang="zh-CN" altLang="en-US" sz="1800" b="1">
                   <a:latin typeface="Consolas" panose="020B0609020204030204" pitchFamily="49" charset="0"/>
                   <a:ea typeface="微软雅黑" panose="020B0503020204020204" pitchFamily="34" charset="-122"/>
-                  <a:hlinkClick r:id="rId7" action="ppaction://hlinksldjump"/>
                 </a:rPr>
-                <a:t>查看供养</a:t>
+                <a:t>收藏</a:t>
               </a:r>
-              <a:endParaRPr lang="zh-CN" altLang="en-US" sz="1800" b="1">
-                <a:latin typeface="Consolas" panose="020B0609020204030204" pitchFamily="49" charset="0"/>
-                <a:ea typeface="微软雅黑" panose="020B0503020204020204" pitchFamily="34" charset="-122"/>
-              </a:endParaRPr>
             </a:p>
           </p:txBody>
         </p:sp>
@@ -4410,9 +4399,9 @@
                 <a:rPr lang="zh-CN" altLang="en-US" sz="1800" b="1">
                   <a:latin typeface="Consolas" panose="020B0609020204030204" pitchFamily="49" charset="0"/>
                   <a:ea typeface="微软雅黑" panose="020B0503020204020204" pitchFamily="34" charset="-122"/>
-                  <a:hlinkClick r:id="rId8" action="ppaction://hlinksldjump"/>
+                  <a:hlinkClick r:id="rId6" action="ppaction://hlinksldjump"/>
                 </a:rPr>
-                <a:t>关注</a:t>
+                <a:t>收藏</a:t>
               </a:r>
               <a:endParaRPr lang="zh-CN" altLang="en-US" sz="1800" b="1">
                 <a:latin typeface="Consolas" panose="020B0609020204030204" pitchFamily="49" charset="0"/>
@@ -4632,7 +4621,7 @@
                 <a:latin typeface="Consolas" panose="020B0609020204030204" pitchFamily="49" charset="0"/>
                 <a:ea typeface="微软雅黑" panose="020B0503020204020204" pitchFamily="34" charset="-122"/>
               </a:rPr>
-              <a:t>房间</a:t>
+              <a:t>专辑</a:t>
             </a:r>
           </a:p>
         </p:txBody>
@@ -4697,7 +4686,7 @@
                 <a:latin typeface="微软雅黑" panose="020B0503020204020204" pitchFamily="34" charset="-122"/>
                 <a:ea typeface="微软雅黑" panose="020B0503020204020204" pitchFamily="34" charset="-122"/>
               </a:rPr>
-              <a:t>房间表</a:t>
+              <a:t>专辑表</a:t>
             </a:r>
             <a:endParaRPr lang="en-US" altLang="zh-CN" b="1">
               <a:solidFill>
@@ -4717,7 +4706,7 @@
                 <a:latin typeface="微软雅黑" panose="020B0503020204020204" pitchFamily="34" charset="-122"/>
                 <a:ea typeface="微软雅黑" panose="020B0503020204020204" pitchFamily="34" charset="-122"/>
               </a:rPr>
-              <a:t>Room</a:t>
+              <a:t>Album</a:t>
             </a:r>
             <a:endParaRPr lang="zh-CN" altLang="en-US" b="1">
               <a:solidFill>
@@ -4744,7 +4733,7 @@
         <p:spPr>
           <a:xfrm>
             <a:off x="712379" y="2188136"/>
-            <a:ext cx="2124127" cy="1525447"/>
+            <a:ext cx="5604445" cy="2038631"/>
           </a:xfrm>
           <a:prstGeom prst="roundRect">
             <a:avLst>
@@ -4787,7 +4776,7 @@
                 <a:latin typeface="微软雅黑" panose="020B0503020204020204" pitchFamily="34" charset="-122"/>
                 <a:ea typeface="微软雅黑" panose="020B0503020204020204" pitchFamily="34" charset="-122"/>
               </a:rPr>
-              <a:t>房间</a:t>
+              <a:t>专辑</a:t>
             </a:r>
             <a:r>
               <a:rPr lang="en-US" altLang="zh-CN" sz="1400" b="1">
@@ -4809,7 +4798,7 @@
                 <a:latin typeface="微软雅黑" panose="020B0503020204020204" pitchFamily="34" charset="-122"/>
                 <a:ea typeface="微软雅黑" panose="020B0503020204020204" pitchFamily="34" charset="-122"/>
               </a:rPr>
-              <a:t>法师</a:t>
+              <a:t>作者</a:t>
             </a:r>
             <a:r>
               <a:rPr lang="en-US" altLang="zh-CN" sz="1400" b="1">
@@ -4820,6 +4809,56 @@
                 <a:ea typeface="微软雅黑" panose="020B0503020204020204" pitchFamily="34" charset="-122"/>
               </a:rPr>
               <a:t>id</a:t>
+            </a:r>
+          </a:p>
+          <a:p>
+            <a:r>
+              <a:rPr lang="zh-CN" altLang="en-US" sz="1400" b="1">
+                <a:solidFill>
+                  <a:schemeClr val="tx1"/>
+                </a:solidFill>
+                <a:latin typeface="微软雅黑" panose="020B0503020204020204" pitchFamily="34" charset="-122"/>
+                <a:ea typeface="微软雅黑" panose="020B0503020204020204" pitchFamily="34" charset="-122"/>
+              </a:rPr>
+              <a:t>标题</a:t>
+            </a:r>
+            <a:endParaRPr lang="en-US" altLang="zh-CN" sz="1400" b="1">
+              <a:solidFill>
+                <a:schemeClr val="tx1"/>
+              </a:solidFill>
+              <a:latin typeface="微软雅黑" panose="020B0503020204020204" pitchFamily="34" charset="-122"/>
+              <a:ea typeface="微软雅黑" panose="020B0503020204020204" pitchFamily="34" charset="-122"/>
+            </a:endParaRPr>
+          </a:p>
+          <a:p>
+            <a:r>
+              <a:rPr lang="zh-CN" altLang="en-US" sz="1400" b="1">
+                <a:solidFill>
+                  <a:schemeClr val="tx1"/>
+                </a:solidFill>
+                <a:latin typeface="微软雅黑" panose="020B0503020204020204" pitchFamily="34" charset="-122"/>
+                <a:ea typeface="微软雅黑" panose="020B0503020204020204" pitchFamily="34" charset="-122"/>
+              </a:rPr>
+              <a:t>简介</a:t>
+            </a:r>
+            <a:endParaRPr lang="en-US" altLang="zh-CN" sz="1400" b="1">
+              <a:solidFill>
+                <a:schemeClr val="tx1"/>
+              </a:solidFill>
+              <a:latin typeface="微软雅黑" panose="020B0503020204020204" pitchFamily="34" charset="-122"/>
+              <a:ea typeface="微软雅黑" panose="020B0503020204020204" pitchFamily="34" charset="-122"/>
+            </a:endParaRPr>
+          </a:p>
+          <a:p>
+            <a:r>
+              <a:rPr lang="zh-CN" altLang="en-US" sz="1400" b="1">
+                <a:solidFill>
+                  <a:schemeClr val="tx1"/>
+                </a:solidFill>
+                <a:latin typeface="微软雅黑" panose="020B0503020204020204" pitchFamily="34" charset="-122"/>
+                <a:ea typeface="微软雅黑" panose="020B0503020204020204" pitchFamily="34" charset="-122"/>
+              </a:rPr>
+              <a:t>封面哈希</a:t>
             </a:r>
             <a:br>
               <a:rPr lang="en-US" altLang="zh-CN" sz="1400" b="1">
@@ -4838,7 +4877,7 @@
                 <a:latin typeface="微软雅黑" panose="020B0503020204020204" pitchFamily="34" charset="-122"/>
                 <a:ea typeface="微软雅黑" panose="020B0503020204020204" pitchFamily="34" charset="-122"/>
               </a:rPr>
-              <a:t>房间类型 </a:t>
+              <a:t>专辑类型类型 </a:t>
             </a:r>
             <a:r>
               <a:rPr lang="en-US" altLang="zh-CN" sz="1400" b="1">
@@ -4858,7 +4897,7 @@
                 <a:latin typeface="微软雅黑" panose="020B0503020204020204" pitchFamily="34" charset="-122"/>
                 <a:ea typeface="微软雅黑" panose="020B0503020204020204" pitchFamily="34" charset="-122"/>
               </a:rPr>
-              <a:t>直播</a:t>
+              <a:t>佛经念诵</a:t>
             </a:r>
             <a:r>
               <a:rPr lang="en-US" altLang="zh-CN" sz="1400" b="1">
@@ -4878,7 +4917,7 @@
                 <a:latin typeface="微软雅黑" panose="020B0503020204020204" pitchFamily="34" charset="-122"/>
                 <a:ea typeface="微软雅黑" panose="020B0503020204020204" pitchFamily="34" charset="-122"/>
               </a:rPr>
-              <a:t>回放</a:t>
+              <a:t>法师开示</a:t>
             </a:r>
             <a:r>
               <a:rPr lang="en-US" altLang="zh-CN" sz="1400" b="1">
@@ -4888,7 +4927,7 @@
                 <a:latin typeface="微软雅黑" panose="020B0503020204020204" pitchFamily="34" charset="-122"/>
                 <a:ea typeface="微软雅黑" panose="020B0503020204020204" pitchFamily="34" charset="-122"/>
               </a:rPr>
-              <a:t>]</a:t>
+              <a:t>…]</a:t>
             </a:r>
           </a:p>
           <a:p>
@@ -4900,122 +4939,15 @@
                 <a:latin typeface="微软雅黑" panose="020B0503020204020204" pitchFamily="34" charset="-122"/>
                 <a:ea typeface="微软雅黑" panose="020B0503020204020204" pitchFamily="34" charset="-122"/>
               </a:rPr>
-              <a:t>愿力 </a:t>
-            </a:r>
-            <a:r>
-              <a:rPr lang="en-US" altLang="zh-CN" sz="1400" b="1">
-                <a:solidFill>
-                  <a:schemeClr val="tx1"/>
-                </a:solidFill>
-                <a:latin typeface="微软雅黑" panose="020B0503020204020204" pitchFamily="34" charset="-122"/>
-                <a:ea typeface="微软雅黑" panose="020B0503020204020204" pitchFamily="34" charset="-122"/>
-              </a:rPr>
-              <a:t>[</a:t>
-            </a:r>
-            <a:r>
-              <a:rPr lang="zh-CN" altLang="en-US" sz="1400" b="1">
-                <a:solidFill>
-                  <a:schemeClr val="tx1"/>
-                </a:solidFill>
-                <a:latin typeface="微软雅黑" panose="020B0503020204020204" pitchFamily="34" charset="-122"/>
-                <a:ea typeface="微软雅黑" panose="020B0503020204020204" pitchFamily="34" charset="-122"/>
-              </a:rPr>
-              <a:t>打赏总值</a:t>
-            </a:r>
-            <a:r>
-              <a:rPr lang="en-US" altLang="zh-CN" sz="1400" b="1">
-                <a:solidFill>
-                  <a:schemeClr val="tx1"/>
-                </a:solidFill>
-                <a:latin typeface="微软雅黑" panose="020B0503020204020204" pitchFamily="34" charset="-122"/>
-                <a:ea typeface="微软雅黑" panose="020B0503020204020204" pitchFamily="34" charset="-122"/>
-              </a:rPr>
-              <a:t>]</a:t>
-            </a:r>
-          </a:p>
-          <a:p>
-            <a:r>
-              <a:rPr lang="zh-CN" altLang="en-US" sz="1400" b="1">
-                <a:solidFill>
-                  <a:schemeClr val="tx1"/>
-                </a:solidFill>
-                <a:latin typeface="微软雅黑" panose="020B0503020204020204" pitchFamily="34" charset="-122"/>
-                <a:ea typeface="微软雅黑" panose="020B0503020204020204" pitchFamily="34" charset="-122"/>
-              </a:rPr>
-              <a:t>观众数量 </a:t>
-            </a:r>
-            <a:r>
-              <a:rPr lang="en-US" altLang="zh-CN" sz="1400" b="1">
-                <a:solidFill>
-                  <a:schemeClr val="tx1"/>
-                </a:solidFill>
-                <a:latin typeface="微软雅黑" panose="020B0503020204020204" pitchFamily="34" charset="-122"/>
-                <a:ea typeface="微软雅黑" panose="020B0503020204020204" pitchFamily="34" charset="-122"/>
-              </a:rPr>
-              <a:t>[</a:t>
-            </a:r>
-            <a:r>
-              <a:rPr lang="zh-CN" altLang="en-US" sz="1400" b="1">
-                <a:solidFill>
-                  <a:schemeClr val="tx1"/>
-                </a:solidFill>
-                <a:latin typeface="微软雅黑" panose="020B0503020204020204" pitchFamily="34" charset="-122"/>
-                <a:ea typeface="微软雅黑" panose="020B0503020204020204" pitchFamily="34" charset="-122"/>
-              </a:rPr>
-              <a:t>在线</a:t>
-            </a:r>
-            <a:r>
-              <a:rPr lang="en-US" altLang="zh-CN" sz="1400" b="1">
-                <a:solidFill>
-                  <a:schemeClr val="tx1"/>
-                </a:solidFill>
-                <a:latin typeface="微软雅黑" panose="020B0503020204020204" pitchFamily="34" charset="-122"/>
-                <a:ea typeface="微软雅黑" panose="020B0503020204020204" pitchFamily="34" charset="-122"/>
-              </a:rPr>
-              <a:t>]</a:t>
-            </a:r>
-          </a:p>
-          <a:p>
-            <a:r>
-              <a:rPr lang="zh-CN" altLang="en-US" sz="1400" b="1">
-                <a:solidFill>
-                  <a:schemeClr val="tx1"/>
-                </a:solidFill>
-                <a:latin typeface="微软雅黑" panose="020B0503020204020204" pitchFamily="34" charset="-122"/>
-                <a:ea typeface="微软雅黑" panose="020B0503020204020204" pitchFamily="34" charset="-122"/>
-              </a:rPr>
-              <a:t>关注数量 </a:t>
-            </a:r>
-            <a:r>
-              <a:rPr lang="en-US" altLang="zh-CN" sz="1400" b="1">
-                <a:solidFill>
-                  <a:schemeClr val="tx1"/>
-                </a:solidFill>
-                <a:latin typeface="微软雅黑" panose="020B0503020204020204" pitchFamily="34" charset="-122"/>
-                <a:ea typeface="微软雅黑" panose="020B0503020204020204" pitchFamily="34" charset="-122"/>
-              </a:rPr>
-              <a:t>[</a:t>
-            </a:r>
-            <a:r>
-              <a:rPr lang="zh-CN" altLang="en-US" sz="1400" b="1">
-                <a:solidFill>
-                  <a:schemeClr val="tx1"/>
-                </a:solidFill>
-                <a:latin typeface="微软雅黑" panose="020B0503020204020204" pitchFamily="34" charset="-122"/>
-                <a:ea typeface="微软雅黑" panose="020B0503020204020204" pitchFamily="34" charset="-122"/>
-              </a:rPr>
-              <a:t>人气</a:t>
-            </a:r>
-            <a:r>
-              <a:rPr lang="en-US" altLang="zh-CN" sz="1400" b="1">
-                <a:solidFill>
-                  <a:schemeClr val="tx1"/>
-                </a:solidFill>
-                <a:latin typeface="微软雅黑" panose="020B0503020204020204" pitchFamily="34" charset="-122"/>
-                <a:ea typeface="微软雅黑" panose="020B0503020204020204" pitchFamily="34" charset="-122"/>
-              </a:rPr>
-              <a:t>]</a:t>
-            </a:r>
+              <a:t>收藏数</a:t>
+            </a:r>
+            <a:endParaRPr lang="en-US" altLang="zh-CN" sz="1400" b="1">
+              <a:solidFill>
+                <a:schemeClr val="tx1"/>
+              </a:solidFill>
+              <a:latin typeface="微软雅黑" panose="020B0503020204020204" pitchFamily="34" charset="-122"/>
+              <a:ea typeface="微软雅黑" panose="020B0503020204020204" pitchFamily="34" charset="-122"/>
+            </a:endParaRPr>
           </a:p>
         </p:txBody>
       </p:sp>
@@ -5183,7 +5115,7 @@
                 <a:latin typeface="Consolas" panose="020B0609020204030204" pitchFamily="49" charset="0"/>
                 <a:ea typeface="微软雅黑" panose="020B0503020204020204" pitchFamily="34" charset="-122"/>
               </a:rPr>
-              <a:t>供养</a:t>
+              <a:t>音频</a:t>
             </a:r>
           </a:p>
         </p:txBody>
@@ -5248,7 +5180,7 @@
                 <a:latin typeface="微软雅黑" panose="020B0503020204020204" pitchFamily="34" charset="-122"/>
                 <a:ea typeface="微软雅黑" panose="020B0503020204020204" pitchFamily="34" charset="-122"/>
               </a:rPr>
-              <a:t>供养表</a:t>
+              <a:t>音频表</a:t>
             </a:r>
             <a:endParaRPr lang="en-US" altLang="zh-CN" b="1">
               <a:solidFill>
@@ -5268,7 +5200,7 @@
                 <a:latin typeface="微软雅黑" panose="020B0503020204020204" pitchFamily="34" charset="-122"/>
                 <a:ea typeface="微软雅黑" panose="020B0503020204020204" pitchFamily="34" charset="-122"/>
               </a:rPr>
-              <a:t>Fend</a:t>
+              <a:t>Song</a:t>
             </a:r>
             <a:endParaRPr lang="zh-CN" altLang="en-US" b="1">
               <a:solidFill>
@@ -5294,8 +5226,8 @@
         </p:nvSpPr>
         <p:spPr>
           <a:xfrm>
-            <a:off x="712378" y="2197468"/>
-            <a:ext cx="1728001" cy="1058916"/>
+            <a:off x="712378" y="2197467"/>
+            <a:ext cx="1728001" cy="2141257"/>
           </a:xfrm>
           <a:prstGeom prst="roundRect">
             <a:avLst>
@@ -5338,7 +5270,7 @@
                 <a:latin typeface="微软雅黑" panose="020B0503020204020204" pitchFamily="34" charset="-122"/>
                 <a:ea typeface="微软雅黑" panose="020B0503020204020204" pitchFamily="34" charset="-122"/>
               </a:rPr>
-              <a:t>博主</a:t>
+              <a:t>音频</a:t>
             </a:r>
             <a:r>
               <a:rPr lang="en-US" altLang="zh-CN" sz="1400" b="1">
@@ -5360,7 +5292,7 @@
                 <a:latin typeface="微软雅黑" panose="020B0503020204020204" pitchFamily="34" charset="-122"/>
                 <a:ea typeface="微软雅黑" panose="020B0503020204020204" pitchFamily="34" charset="-122"/>
               </a:rPr>
-              <a:t>房间</a:t>
+              <a:t>专辑</a:t>
             </a:r>
             <a:r>
               <a:rPr lang="en-US" altLang="zh-CN" sz="1400" b="1">
@@ -5382,27 +5314,17 @@
                 <a:latin typeface="微软雅黑" panose="020B0503020204020204" pitchFamily="34" charset="-122"/>
                 <a:ea typeface="微软雅黑" panose="020B0503020204020204" pitchFamily="34" charset="-122"/>
               </a:rPr>
-              <a:t>用户</a:t>
-            </a:r>
-            <a:r>
-              <a:rPr lang="en-US" altLang="zh-CN" sz="1400" b="1">
-                <a:solidFill>
-                  <a:schemeClr val="tx1"/>
-                </a:solidFill>
-                <a:latin typeface="微软雅黑" panose="020B0503020204020204" pitchFamily="34" charset="-122"/>
-                <a:ea typeface="微软雅黑" panose="020B0503020204020204" pitchFamily="34" charset="-122"/>
-              </a:rPr>
-              <a:t>id</a:t>
-            </a:r>
-            <a:br>
-              <a:rPr lang="en-US" altLang="zh-CN" sz="1400" b="1">
-                <a:solidFill>
-                  <a:schemeClr val="tx1"/>
-                </a:solidFill>
-                <a:latin typeface="微软雅黑" panose="020B0503020204020204" pitchFamily="34" charset="-122"/>
-                <a:ea typeface="微软雅黑" panose="020B0503020204020204" pitchFamily="34" charset="-122"/>
-              </a:rPr>
-            </a:br>
+              <a:t>音频哈希</a:t>
+            </a:r>
+            <a:endParaRPr lang="en-US" altLang="zh-CN" sz="1400" b="1">
+              <a:solidFill>
+                <a:schemeClr val="tx1"/>
+              </a:solidFill>
+              <a:latin typeface="微软雅黑" panose="020B0503020204020204" pitchFamily="34" charset="-122"/>
+              <a:ea typeface="微软雅黑" panose="020B0503020204020204" pitchFamily="34" charset="-122"/>
+            </a:endParaRPr>
+          </a:p>
+          <a:p>
             <a:r>
               <a:rPr lang="zh-CN" altLang="en-US" sz="1400" b="1">
                 <a:solidFill>
@@ -5411,7 +5333,7 @@
                 <a:latin typeface="微软雅黑" panose="020B0503020204020204" pitchFamily="34" charset="-122"/>
                 <a:ea typeface="微软雅黑" panose="020B0503020204020204" pitchFamily="34" charset="-122"/>
               </a:rPr>
-              <a:t>供养值</a:t>
+              <a:t>歌名</a:t>
             </a:r>
             <a:endParaRPr lang="en-US" altLang="zh-CN" sz="1400" b="1">
               <a:solidFill>
@@ -5421,149 +5343,6 @@
               <a:ea typeface="微软雅黑" panose="020B0503020204020204" pitchFamily="34" charset="-122"/>
             </a:endParaRPr>
           </a:p>
-        </p:txBody>
-      </p:sp>
-      <p:sp>
-        <p:nvSpPr>
-          <p:cNvPr id="13" name="矩形: 圆角 12">
-            <a:extLst>
-              <a:ext uri="{FF2B5EF4-FFF2-40B4-BE49-F238E27FC236}">
-                <a16:creationId xmlns:a16="http://schemas.microsoft.com/office/drawing/2014/main" id="{B6299AA6-DB83-475C-82F1-EEF789561548}"/>
-              </a:ext>
-            </a:extLst>
-          </p:cNvPr>
-          <p:cNvSpPr/>
-          <p:nvPr/>
-        </p:nvSpPr>
-        <p:spPr>
-          <a:xfrm>
-            <a:off x="3934550" y="1549467"/>
-            <a:ext cx="1728000" cy="648000"/>
-          </a:xfrm>
-          <a:prstGeom prst="roundRect">
-            <a:avLst/>
-          </a:prstGeom>
-          <a:solidFill>
-            <a:schemeClr val="bg1">
-              <a:lumMod val="95000"/>
-            </a:schemeClr>
-          </a:solidFill>
-          <a:ln>
-            <a:solidFill>
-              <a:schemeClr val="tx1"/>
-            </a:solidFill>
-          </a:ln>
-        </p:spPr>
-        <p:style>
-          <a:lnRef idx="2">
-            <a:schemeClr val="accent1">
-              <a:shade val="50000"/>
-            </a:schemeClr>
-          </a:lnRef>
-          <a:fillRef idx="1">
-            <a:schemeClr val="accent1"/>
-          </a:fillRef>
-          <a:effectRef idx="0">
-            <a:schemeClr val="accent1"/>
-          </a:effectRef>
-          <a:fontRef idx="minor">
-            <a:schemeClr val="lt1"/>
-          </a:fontRef>
-        </p:style>
-        <p:txBody>
-          <a:bodyPr wrap="none" lIns="36000" tIns="36000" rIns="36000" bIns="36000" rtlCol="0" anchor="ctr" anchorCtr="0"/>
-          <a:lstStyle/>
-          <a:p>
-            <a:pPr algn="ctr"/>
-            <a:r>
-              <a:rPr lang="zh-CN" altLang="en-US" b="1">
-                <a:solidFill>
-                  <a:schemeClr val="tx1"/>
-                </a:solidFill>
-                <a:latin typeface="微软雅黑" panose="020B0503020204020204" pitchFamily="34" charset="-122"/>
-                <a:ea typeface="微软雅黑" panose="020B0503020204020204" pitchFamily="34" charset="-122"/>
-              </a:rPr>
-              <a:t>供养日志表</a:t>
-            </a:r>
-            <a:endParaRPr lang="en-US" altLang="zh-CN" b="1">
-              <a:solidFill>
-                <a:schemeClr val="tx1"/>
-              </a:solidFill>
-              <a:latin typeface="微软雅黑" panose="020B0503020204020204" pitchFamily="34" charset="-122"/>
-              <a:ea typeface="微软雅黑" panose="020B0503020204020204" pitchFamily="34" charset="-122"/>
-            </a:endParaRPr>
-          </a:p>
-          <a:p>
-            <a:pPr algn="ctr"/>
-            <a:r>
-              <a:rPr lang="en-US" altLang="zh-CN" b="1">
-                <a:solidFill>
-                  <a:schemeClr val="tx1"/>
-                </a:solidFill>
-                <a:latin typeface="微软雅黑" panose="020B0503020204020204" pitchFamily="34" charset="-122"/>
-                <a:ea typeface="微软雅黑" panose="020B0503020204020204" pitchFamily="34" charset="-122"/>
-              </a:rPr>
-              <a:t>FendLog</a:t>
-            </a:r>
-            <a:endParaRPr lang="zh-CN" altLang="en-US" b="1">
-              <a:solidFill>
-                <a:schemeClr val="tx1"/>
-              </a:solidFill>
-              <a:latin typeface="微软雅黑" panose="020B0503020204020204" pitchFamily="34" charset="-122"/>
-              <a:ea typeface="微软雅黑" panose="020B0503020204020204" pitchFamily="34" charset="-122"/>
-            </a:endParaRPr>
-          </a:p>
-        </p:txBody>
-      </p:sp>
-      <p:sp>
-        <p:nvSpPr>
-          <p:cNvPr id="14" name="矩形: 圆角 13">
-            <a:extLst>
-              <a:ext uri="{FF2B5EF4-FFF2-40B4-BE49-F238E27FC236}">
-                <a16:creationId xmlns:a16="http://schemas.microsoft.com/office/drawing/2014/main" id="{994CB801-B87D-4B8F-9A2F-69DBE5FBB147}"/>
-              </a:ext>
-            </a:extLst>
-          </p:cNvPr>
-          <p:cNvSpPr/>
-          <p:nvPr/>
-        </p:nvSpPr>
-        <p:spPr>
-          <a:xfrm>
-            <a:off x="3934549" y="2197467"/>
-            <a:ext cx="1728001" cy="1758713"/>
-          </a:xfrm>
-          <a:prstGeom prst="roundRect">
-            <a:avLst>
-              <a:gd name="adj" fmla="val 5494"/>
-            </a:avLst>
-          </a:prstGeom>
-          <a:noFill/>
-          <a:ln>
-            <a:solidFill>
-              <a:schemeClr val="tx2"/>
-            </a:solidFill>
-            <a:prstDash val="dash"/>
-          </a:ln>
-        </p:spPr>
-        <p:style>
-          <a:lnRef idx="2">
-            <a:schemeClr val="accent1">
-              <a:shade val="50000"/>
-            </a:schemeClr>
-          </a:lnRef>
-          <a:fillRef idx="1">
-            <a:schemeClr val="accent1"/>
-          </a:fillRef>
-          <a:effectRef idx="0">
-            <a:schemeClr val="accent1"/>
-          </a:effectRef>
-          <a:fontRef idx="minor">
-            <a:schemeClr val="lt1"/>
-          </a:fontRef>
-        </p:style>
-        <p:txBody>
-          <a:bodyPr rtlCol="0" anchor="b" anchorCtr="0"/>
-          <a:lstStyle/>
           <a:p>
             <a:r>
               <a:rPr lang="zh-CN" altLang="en-US" sz="1400" b="1">
@@ -5573,18 +5352,15 @@
                 <a:latin typeface="微软雅黑" panose="020B0503020204020204" pitchFamily="34" charset="-122"/>
                 <a:ea typeface="微软雅黑" panose="020B0503020204020204" pitchFamily="34" charset="-122"/>
               </a:rPr>
-              <a:t>供养</a:t>
-            </a:r>
-            <a:r>
-              <a:rPr lang="en-US" altLang="zh-CN" sz="1400" b="1">
-                <a:solidFill>
-                  <a:schemeClr val="tx1"/>
-                </a:solidFill>
-                <a:latin typeface="微软雅黑" panose="020B0503020204020204" pitchFamily="34" charset="-122"/>
-                <a:ea typeface="微软雅黑" panose="020B0503020204020204" pitchFamily="34" charset="-122"/>
-              </a:rPr>
-              <a:t>id</a:t>
-            </a:r>
+              <a:t>演唱者</a:t>
+            </a:r>
+            <a:endParaRPr lang="en-US" altLang="zh-CN" sz="1400" b="1">
+              <a:solidFill>
+                <a:schemeClr val="tx1"/>
+              </a:solidFill>
+              <a:latin typeface="微软雅黑" panose="020B0503020204020204" pitchFamily="34" charset="-122"/>
+              <a:ea typeface="微软雅黑" panose="020B0503020204020204" pitchFamily="34" charset="-122"/>
+            </a:endParaRPr>
           </a:p>
           <a:p>
             <a:r>
@@ -5595,18 +5371,15 @@
                 <a:latin typeface="微软雅黑" panose="020B0503020204020204" pitchFamily="34" charset="-122"/>
                 <a:ea typeface="微软雅黑" panose="020B0503020204020204" pitchFamily="34" charset="-122"/>
               </a:rPr>
-              <a:t>房间</a:t>
-            </a:r>
-            <a:r>
-              <a:rPr lang="en-US" altLang="zh-CN" sz="1400" b="1">
-                <a:solidFill>
-                  <a:schemeClr val="tx1"/>
-                </a:solidFill>
-                <a:latin typeface="微软雅黑" panose="020B0503020204020204" pitchFamily="34" charset="-122"/>
-                <a:ea typeface="微软雅黑" panose="020B0503020204020204" pitchFamily="34" charset="-122"/>
-              </a:rPr>
-              <a:t>id</a:t>
-            </a:r>
+              <a:t>词作者</a:t>
+            </a:r>
+            <a:endParaRPr lang="en-US" altLang="zh-CN" sz="1400" b="1">
+              <a:solidFill>
+                <a:schemeClr val="tx1"/>
+              </a:solidFill>
+              <a:latin typeface="微软雅黑" panose="020B0503020204020204" pitchFamily="34" charset="-122"/>
+              <a:ea typeface="微软雅黑" panose="020B0503020204020204" pitchFamily="34" charset="-122"/>
+            </a:endParaRPr>
           </a:p>
           <a:p>
             <a:r>
@@ -5617,89 +5390,7 @@
                 <a:latin typeface="微软雅黑" panose="020B0503020204020204" pitchFamily="34" charset="-122"/>
                 <a:ea typeface="微软雅黑" panose="020B0503020204020204" pitchFamily="34" charset="-122"/>
               </a:rPr>
-              <a:t>用户</a:t>
-            </a:r>
-            <a:r>
-              <a:rPr lang="en-US" altLang="zh-CN" sz="1400" b="1">
-                <a:solidFill>
-                  <a:schemeClr val="tx1"/>
-                </a:solidFill>
-                <a:latin typeface="微软雅黑" panose="020B0503020204020204" pitchFamily="34" charset="-122"/>
-                <a:ea typeface="微软雅黑" panose="020B0503020204020204" pitchFamily="34" charset="-122"/>
-              </a:rPr>
-              <a:t>id</a:t>
-            </a:r>
-          </a:p>
-          <a:p>
-            <a:r>
-              <a:rPr lang="zh-CN" altLang="en-US" sz="1400" b="1">
-                <a:solidFill>
-                  <a:schemeClr val="tx1"/>
-                </a:solidFill>
-                <a:latin typeface="微软雅黑" panose="020B0503020204020204" pitchFamily="34" charset="-122"/>
-                <a:ea typeface="微软雅黑" panose="020B0503020204020204" pitchFamily="34" charset="-122"/>
-              </a:rPr>
-              <a:t>产品</a:t>
-            </a:r>
-            <a:r>
-              <a:rPr lang="en-US" altLang="zh-CN" sz="1400" b="1">
-                <a:solidFill>
-                  <a:schemeClr val="tx1"/>
-                </a:solidFill>
-                <a:latin typeface="微软雅黑" panose="020B0503020204020204" pitchFamily="34" charset="-122"/>
-                <a:ea typeface="微软雅黑" panose="020B0503020204020204" pitchFamily="34" charset="-122"/>
-              </a:rPr>
-              <a:t>id</a:t>
-            </a:r>
-          </a:p>
-          <a:p>
-            <a:r>
-              <a:rPr lang="zh-CN" altLang="en-US" sz="1400" b="1">
-                <a:solidFill>
-                  <a:schemeClr val="tx1"/>
-                </a:solidFill>
-                <a:latin typeface="微软雅黑" panose="020B0503020204020204" pitchFamily="34" charset="-122"/>
-                <a:ea typeface="微软雅黑" panose="020B0503020204020204" pitchFamily="34" charset="-122"/>
-              </a:rPr>
-              <a:t>产品数量</a:t>
-            </a:r>
-            <a:br>
-              <a:rPr lang="en-US" altLang="zh-CN" sz="1400" b="1">
-                <a:solidFill>
-                  <a:schemeClr val="tx1"/>
-                </a:solidFill>
-                <a:latin typeface="微软雅黑" panose="020B0503020204020204" pitchFamily="34" charset="-122"/>
-                <a:ea typeface="微软雅黑" panose="020B0503020204020204" pitchFamily="34" charset="-122"/>
-              </a:rPr>
-            </a:br>
-            <a:r>
-              <a:rPr lang="zh-CN" altLang="en-US" sz="1400" b="1">
-                <a:solidFill>
-                  <a:schemeClr val="tx1"/>
-                </a:solidFill>
-                <a:latin typeface="微软雅黑" panose="020B0503020204020204" pitchFamily="34" charset="-122"/>
-                <a:ea typeface="微软雅黑" panose="020B0503020204020204" pitchFamily="34" charset="-122"/>
-              </a:rPr>
-              <a:t>供养值</a:t>
-            </a:r>
-            <a:endParaRPr lang="en-US" altLang="zh-CN" sz="1400" b="1">
-              <a:solidFill>
-                <a:schemeClr val="tx1"/>
-              </a:solidFill>
-              <a:latin typeface="微软雅黑" panose="020B0503020204020204" pitchFamily="34" charset="-122"/>
-              <a:ea typeface="微软雅黑" panose="020B0503020204020204" pitchFamily="34" charset="-122"/>
-            </a:endParaRPr>
-          </a:p>
-          <a:p>
-            <a:r>
-              <a:rPr lang="zh-CN" altLang="en-US" sz="1400" b="1">
-                <a:solidFill>
-                  <a:schemeClr val="tx1"/>
-                </a:solidFill>
-                <a:latin typeface="微软雅黑" panose="020B0503020204020204" pitchFamily="34" charset="-122"/>
-                <a:ea typeface="微软雅黑" panose="020B0503020204020204" pitchFamily="34" charset="-122"/>
-              </a:rPr>
-              <a:t>日期</a:t>
+              <a:t>曲作者</a:t>
             </a:r>
             <a:endParaRPr lang="en-US" altLang="zh-CN" sz="1400" b="1">
               <a:solidFill>
@@ -5875,7 +5566,7 @@
                 <a:latin typeface="Consolas" panose="020B0609020204030204" pitchFamily="49" charset="0"/>
                 <a:ea typeface="微软雅黑" panose="020B0503020204020204" pitchFamily="34" charset="-122"/>
               </a:rPr>
-              <a:t>关注</a:t>
+              <a:t>收藏</a:t>
             </a:r>
           </a:p>
         </p:txBody>
@@ -5940,7 +5631,7 @@
                 <a:latin typeface="微软雅黑" panose="020B0503020204020204" pitchFamily="34" charset="-122"/>
                 <a:ea typeface="微软雅黑" panose="020B0503020204020204" pitchFamily="34" charset="-122"/>
               </a:rPr>
-              <a:t>关注表</a:t>
+              <a:t>收藏表</a:t>
             </a:r>
             <a:endParaRPr lang="en-US" altLang="zh-CN" b="1">
               <a:solidFill>
@@ -6030,7 +5721,7 @@
                 <a:latin typeface="微软雅黑" panose="020B0503020204020204" pitchFamily="34" charset="-122"/>
                 <a:ea typeface="微软雅黑" panose="020B0503020204020204" pitchFamily="34" charset="-122"/>
               </a:rPr>
-              <a:t>房间</a:t>
+              <a:t>用户</a:t>
             </a:r>
             <a:r>
               <a:rPr lang="en-US" altLang="zh-CN" sz="1400" b="1">
@@ -6052,7 +5743,7 @@
                 <a:latin typeface="微软雅黑" panose="020B0503020204020204" pitchFamily="34" charset="-122"/>
                 <a:ea typeface="微软雅黑" panose="020B0503020204020204" pitchFamily="34" charset="-122"/>
               </a:rPr>
-              <a:t>用户</a:t>
+              <a:t>专辑</a:t>
             </a:r>
             <a:r>
               <a:rPr lang="en-US" altLang="zh-CN" sz="1400" b="1">
@@ -6250,7 +5941,7 @@
                 <a:latin typeface="Consolas" panose="020B0609020204030204" pitchFamily="49" charset="0"/>
                 <a:ea typeface="微软雅黑" panose="020B0503020204020204" pitchFamily="34" charset="-122"/>
               </a:rPr>
-              <a:t>创建房间</a:t>
+              <a:t>创建音频</a:t>
             </a:r>
           </a:p>
         </p:txBody>
@@ -6313,7 +6004,7 @@
                 <a:latin typeface="微软雅黑" panose="020B0503020204020204" pitchFamily="34" charset="-122"/>
                 <a:ea typeface="微软雅黑" panose="020B0503020204020204" pitchFamily="34" charset="-122"/>
               </a:rPr>
-              <a:t>创建房间</a:t>
+              <a:t>创建音频</a:t>
             </a:r>
             <a:endParaRPr lang="en-US" altLang="zh-CN" sz="1600" b="1">
               <a:solidFill>
@@ -6333,7 +6024,7 @@
                 <a:latin typeface="微软雅黑" panose="020B0503020204020204" pitchFamily="34" charset="-122"/>
                 <a:ea typeface="微软雅黑" panose="020B0503020204020204" pitchFamily="34" charset="-122"/>
               </a:rPr>
-              <a:t>add_room</a:t>
+              <a:t>add_song</a:t>
             </a:r>
             <a:endParaRPr lang="zh-CN" altLang="en-US" sz="1600" b="1">
               <a:solidFill>
@@ -6469,7 +6160,7 @@
                 <a:latin typeface="微软雅黑" panose="020B0503020204020204" pitchFamily="34" charset="-122"/>
                 <a:ea typeface="微软雅黑" panose="020B0503020204020204" pitchFamily="34" charset="-122"/>
               </a:rPr>
-              <a:t>list_room</a:t>
+              <a:t>list_song</a:t>
             </a:r>
             <a:endParaRPr lang="zh-CN" altLang="en-US" sz="1600" b="1">
               <a:solidFill>
@@ -6679,7 +6370,7 @@
                 <a:latin typeface="微软雅黑" panose="020B0503020204020204" pitchFamily="34" charset="-122"/>
                 <a:ea typeface="微软雅黑" panose="020B0503020204020204" pitchFamily="34" charset="-122"/>
               </a:rPr>
-              <a:t>房间表</a:t>
+              <a:t>音频表</a:t>
             </a:r>
           </a:p>
         </p:txBody>
@@ -6744,7 +6435,7 @@
                 <a:latin typeface="微软雅黑" panose="020B0503020204020204" pitchFamily="34" charset="-122"/>
                 <a:ea typeface="微软雅黑" panose="020B0503020204020204" pitchFamily="34" charset="-122"/>
               </a:rPr>
-              <a:t>房间表</a:t>
+              <a:t>音频表</a:t>
             </a:r>
           </a:p>
         </p:txBody>
@@ -6827,7 +6518,7 @@
                 <a:latin typeface="微软雅黑" panose="020B0503020204020204" pitchFamily="34" charset="-122"/>
                 <a:ea typeface="微软雅黑" panose="020B0503020204020204" pitchFamily="34" charset="-122"/>
               </a:rPr>
-              <a:t>list_room</a:t>
+              <a:t>list_song</a:t>
             </a:r>
             <a:endParaRPr lang="zh-CN" altLang="en-US" sz="1600" b="1">
               <a:solidFill>
@@ -7899,17 +7590,17 @@
                 <a:latin typeface="Consolas" panose="020B0609020204030204" pitchFamily="49" charset="0"/>
                 <a:ea typeface="微软雅黑" panose="020B0503020204020204" pitchFamily="34" charset="-122"/>
               </a:rPr>
-              <a:t>供养</a:t>
+              <a:t>专辑</a:t>
             </a:r>
           </a:p>
         </p:txBody>
       </p:sp>
       <p:sp>
         <p:nvSpPr>
-          <p:cNvPr id="24" name="矩形: 圆角 23">
-            <a:extLst>
-              <a:ext uri="{FF2B5EF4-FFF2-40B4-BE49-F238E27FC236}">
-                <a16:creationId xmlns:a16="http://schemas.microsoft.com/office/drawing/2014/main" id="{A25478A8-4FB0-427C-BBD8-232A2989DAF4}"/>
+          <p:cNvPr id="32" name="矩形: 圆角 31">
+            <a:extLst>
+              <a:ext uri="{FF2B5EF4-FFF2-40B4-BE49-F238E27FC236}">
+                <a16:creationId xmlns:a16="http://schemas.microsoft.com/office/drawing/2014/main" id="{5A00DBA1-C53E-4781-9BFA-39C8928CF350}"/>
               </a:ext>
             </a:extLst>
           </p:cNvPr>
@@ -7918,335 +7609,7 @@
         </p:nvSpPr>
         <p:spPr>
           <a:xfrm>
-            <a:off x="2641261" y="3567825"/>
-            <a:ext cx="1476398" cy="648000"/>
-          </a:xfrm>
-          <a:prstGeom prst="roundRect">
-            <a:avLst/>
-          </a:prstGeom>
-          <a:solidFill>
-            <a:srgbClr val="00B050"/>
-          </a:solidFill>
-          <a:ln>
-            <a:solidFill>
-              <a:schemeClr val="tx1"/>
-            </a:solidFill>
-          </a:ln>
-        </p:spPr>
-        <p:style>
-          <a:lnRef idx="2">
-            <a:schemeClr val="accent1">
-              <a:shade val="50000"/>
-            </a:schemeClr>
-          </a:lnRef>
-          <a:fillRef idx="1">
-            <a:schemeClr val="accent1"/>
-          </a:fillRef>
-          <a:effectRef idx="0">
-            <a:schemeClr val="accent1"/>
-          </a:effectRef>
-          <a:fontRef idx="minor">
-            <a:schemeClr val="lt1"/>
-          </a:fontRef>
-        </p:style>
-        <p:txBody>
-          <a:bodyPr wrap="none" lIns="36000" tIns="36000" rIns="36000" bIns="36000" rtlCol="0" anchor="ctr" anchorCtr="0"/>
-          <a:lstStyle/>
-          <a:p>
-            <a:pPr algn="ctr"/>
-            <a:r>
-              <a:rPr lang="zh-CN" altLang="en-US" sz="1600" b="1">
-                <a:solidFill>
-                  <a:schemeClr val="tx1"/>
-                </a:solidFill>
-                <a:latin typeface="微软雅黑" panose="020B0503020204020204" pitchFamily="34" charset="-122"/>
-                <a:ea typeface="微软雅黑" panose="020B0503020204020204" pitchFamily="34" charset="-122"/>
-              </a:rPr>
-              <a:t>供养</a:t>
-            </a:r>
-            <a:endParaRPr lang="en-US" altLang="zh-CN" sz="1600" b="1">
-              <a:solidFill>
-                <a:schemeClr val="tx1"/>
-              </a:solidFill>
-              <a:latin typeface="微软雅黑" panose="020B0503020204020204" pitchFamily="34" charset="-122"/>
-              <a:ea typeface="微软雅黑" panose="020B0503020204020204" pitchFamily="34" charset="-122"/>
-            </a:endParaRPr>
-          </a:p>
-          <a:p>
-            <a:pPr algn="ctr"/>
-            <a:r>
-              <a:rPr lang="en-US" altLang="zh-CN" sz="1600" b="1">
-                <a:solidFill>
-                  <a:schemeClr val="tx1"/>
-                </a:solidFill>
-                <a:latin typeface="微软雅黑" panose="020B0503020204020204" pitchFamily="34" charset="-122"/>
-                <a:ea typeface="微软雅黑" panose="020B0503020204020204" pitchFamily="34" charset="-122"/>
-              </a:rPr>
-              <a:t>do_fend</a:t>
-            </a:r>
-            <a:endParaRPr lang="zh-CN" altLang="en-US" sz="1600" b="1">
-              <a:solidFill>
-                <a:schemeClr val="tx1"/>
-              </a:solidFill>
-              <a:latin typeface="微软雅黑" panose="020B0503020204020204" pitchFamily="34" charset="-122"/>
-              <a:ea typeface="微软雅黑" panose="020B0503020204020204" pitchFamily="34" charset="-122"/>
-            </a:endParaRPr>
-          </a:p>
-        </p:txBody>
-      </p:sp>
-      <p:cxnSp>
-        <p:nvCxnSpPr>
-          <p:cNvPr id="35" name="直接箭头连接符 34">
-            <a:extLst>
-              <a:ext uri="{FF2B5EF4-FFF2-40B4-BE49-F238E27FC236}">
-                <a16:creationId xmlns:a16="http://schemas.microsoft.com/office/drawing/2014/main" id="{F7DECFDB-1D0A-4CD9-8293-8DF3248D40F7}"/>
-              </a:ext>
-            </a:extLst>
-          </p:cNvPr>
-          <p:cNvCxnSpPr>
-            <a:cxnSpLocks/>
-            <a:stCxn id="24" idx="3"/>
-            <a:endCxn id="22" idx="1"/>
-          </p:cNvCxnSpPr>
-          <p:nvPr/>
-        </p:nvCxnSpPr>
-        <p:spPr>
-          <a:xfrm flipV="1">
-            <a:off x="4117659" y="3000882"/>
-            <a:ext cx="1093915" cy="890943"/>
-          </a:xfrm>
-          <a:prstGeom prst="straightConnector1">
-            <a:avLst/>
-          </a:prstGeom>
-          <a:ln w="57150">
-            <a:solidFill>
-              <a:srgbClr val="FFC000"/>
-            </a:solidFill>
-            <a:tailEnd type="triangle"/>
-          </a:ln>
-        </p:spPr>
-        <p:style>
-          <a:lnRef idx="1">
-            <a:schemeClr val="accent1"/>
-          </a:lnRef>
-          <a:fillRef idx="0">
-            <a:schemeClr val="accent1"/>
-          </a:fillRef>
-          <a:effectRef idx="0">
-            <a:schemeClr val="accent1"/>
-          </a:effectRef>
-          <a:fontRef idx="minor">
-            <a:schemeClr val="tx1"/>
-          </a:fontRef>
-        </p:style>
-      </p:cxnSp>
-      <p:sp>
-        <p:nvSpPr>
-          <p:cNvPr id="37" name="矩形: 圆角 36">
-            <a:extLst>
-              <a:ext uri="{FF2B5EF4-FFF2-40B4-BE49-F238E27FC236}">
-                <a16:creationId xmlns:a16="http://schemas.microsoft.com/office/drawing/2014/main" id="{66053BF6-454B-4B61-950A-35850BA4354F}"/>
-              </a:ext>
-            </a:extLst>
-          </p:cNvPr>
-          <p:cNvSpPr/>
-          <p:nvPr/>
-        </p:nvSpPr>
-        <p:spPr>
-          <a:xfrm>
-            <a:off x="2855866" y="1165084"/>
-            <a:ext cx="1728000" cy="576000"/>
-          </a:xfrm>
-          <a:prstGeom prst="roundRect">
-            <a:avLst/>
-          </a:prstGeom>
-          <a:solidFill>
-            <a:schemeClr val="accent2">
-              <a:lumMod val="60000"/>
-              <a:lumOff val="40000"/>
-            </a:schemeClr>
-          </a:solidFill>
-          <a:ln>
-            <a:solidFill>
-              <a:schemeClr val="tx1"/>
-            </a:solidFill>
-          </a:ln>
-        </p:spPr>
-        <p:style>
-          <a:lnRef idx="2">
-            <a:schemeClr val="accent1">
-              <a:shade val="50000"/>
-            </a:schemeClr>
-          </a:lnRef>
-          <a:fillRef idx="1">
-            <a:schemeClr val="accent1"/>
-          </a:fillRef>
-          <a:effectRef idx="0">
-            <a:schemeClr val="accent1"/>
-          </a:effectRef>
-          <a:fontRef idx="minor">
-            <a:schemeClr val="lt1"/>
-          </a:fontRef>
-        </p:style>
-        <p:txBody>
-          <a:bodyPr wrap="none" lIns="36000" tIns="36000" rIns="36000" bIns="36000" rtlCol="0" anchor="ctr" anchorCtr="0"/>
-          <a:lstStyle/>
-          <a:p>
-            <a:pPr algn="ctr"/>
-            <a:r>
-              <a:rPr lang="zh-CN" altLang="en-US" sz="1600" b="1">
-                <a:solidFill>
-                  <a:schemeClr val="tx1"/>
-                </a:solidFill>
-                <a:latin typeface="微软雅黑" panose="020B0503020204020204" pitchFamily="34" charset="-122"/>
-                <a:ea typeface="微软雅黑" panose="020B0503020204020204" pitchFamily="34" charset="-122"/>
-              </a:rPr>
-              <a:t>平台产品合约</a:t>
-            </a:r>
-          </a:p>
-        </p:txBody>
-      </p:sp>
-      <p:sp>
-        <p:nvSpPr>
-          <p:cNvPr id="33" name="矩形: 圆角 32">
-            <a:extLst>
-              <a:ext uri="{FF2B5EF4-FFF2-40B4-BE49-F238E27FC236}">
-                <a16:creationId xmlns:a16="http://schemas.microsoft.com/office/drawing/2014/main" id="{E930D702-FAAF-4C7E-9D9A-00F250AD96D5}"/>
-              </a:ext>
-            </a:extLst>
-          </p:cNvPr>
-          <p:cNvSpPr/>
-          <p:nvPr/>
-        </p:nvSpPr>
-        <p:spPr>
-          <a:xfrm>
-            <a:off x="712379" y="3676523"/>
-            <a:ext cx="1080000" cy="432000"/>
-          </a:xfrm>
-          <a:prstGeom prst="roundRect">
-            <a:avLst/>
-          </a:prstGeom>
-          <a:solidFill>
-            <a:srgbClr val="00B0F0"/>
-          </a:solidFill>
-          <a:ln>
-            <a:solidFill>
-              <a:schemeClr val="tx1"/>
-            </a:solidFill>
-          </a:ln>
-        </p:spPr>
-        <p:style>
-          <a:lnRef idx="2">
-            <a:schemeClr val="accent1">
-              <a:shade val="50000"/>
-            </a:schemeClr>
-          </a:lnRef>
-          <a:fillRef idx="1">
-            <a:schemeClr val="accent1"/>
-          </a:fillRef>
-          <a:effectRef idx="0">
-            <a:schemeClr val="accent1"/>
-          </a:effectRef>
-          <a:fontRef idx="minor">
-            <a:schemeClr val="lt1"/>
-          </a:fontRef>
-        </p:style>
-        <p:txBody>
-          <a:bodyPr wrap="none" lIns="36000" tIns="36000" rIns="36000" bIns="36000" rtlCol="0" anchor="ctr" anchorCtr="0"/>
-          <a:lstStyle/>
-          <a:p>
-            <a:pPr algn="ctr"/>
-            <a:r>
-              <a:rPr lang="zh-CN" altLang="en-US" sz="1600" b="1">
-                <a:solidFill>
-                  <a:schemeClr val="tx1"/>
-                </a:solidFill>
-                <a:latin typeface="微软雅黑" panose="020B0503020204020204" pitchFamily="34" charset="-122"/>
-                <a:ea typeface="微软雅黑" panose="020B0503020204020204" pitchFamily="34" charset="-122"/>
-              </a:rPr>
-              <a:t>用户</a:t>
-            </a:r>
-          </a:p>
-        </p:txBody>
-      </p:sp>
-      <p:sp>
-        <p:nvSpPr>
-          <p:cNvPr id="53" name="矩形: 圆角 52">
-            <a:extLst>
-              <a:ext uri="{FF2B5EF4-FFF2-40B4-BE49-F238E27FC236}">
-                <a16:creationId xmlns:a16="http://schemas.microsoft.com/office/drawing/2014/main" id="{BCE9D24A-64F5-456F-820E-945358AC6E5B}"/>
-              </a:ext>
-            </a:extLst>
-          </p:cNvPr>
-          <p:cNvSpPr/>
-          <p:nvPr/>
-        </p:nvSpPr>
-        <p:spPr>
-          <a:xfrm>
-            <a:off x="712379" y="1237084"/>
-            <a:ext cx="1080000" cy="432000"/>
-          </a:xfrm>
-          <a:prstGeom prst="roundRect">
-            <a:avLst/>
-          </a:prstGeom>
-          <a:solidFill>
-            <a:srgbClr val="00B0F0"/>
-          </a:solidFill>
-          <a:ln>
-            <a:solidFill>
-              <a:schemeClr val="tx1"/>
-            </a:solidFill>
-          </a:ln>
-        </p:spPr>
-        <p:style>
-          <a:lnRef idx="2">
-            <a:schemeClr val="accent1">
-              <a:shade val="50000"/>
-            </a:schemeClr>
-          </a:lnRef>
-          <a:fillRef idx="1">
-            <a:schemeClr val="accent1"/>
-          </a:fillRef>
-          <a:effectRef idx="0">
-            <a:schemeClr val="accent1"/>
-          </a:effectRef>
-          <a:fontRef idx="minor">
-            <a:schemeClr val="lt1"/>
-          </a:fontRef>
-        </p:style>
-        <p:txBody>
-          <a:bodyPr wrap="none" lIns="36000" tIns="36000" rIns="36000" bIns="36000" rtlCol="0" anchor="ctr" anchorCtr="0"/>
-          <a:lstStyle/>
-          <a:p>
-            <a:pPr algn="ctr"/>
-            <a:r>
-              <a:rPr lang="zh-CN" altLang="en-US" sz="1600" b="1">
-                <a:solidFill>
-                  <a:schemeClr val="tx1"/>
-                </a:solidFill>
-                <a:latin typeface="微软雅黑" panose="020B0503020204020204" pitchFamily="34" charset="-122"/>
-                <a:ea typeface="微软雅黑" panose="020B0503020204020204" pitchFamily="34" charset="-122"/>
-              </a:rPr>
-              <a:t>用户</a:t>
-            </a:r>
-          </a:p>
-        </p:txBody>
-      </p:sp>
-      <p:sp>
-        <p:nvSpPr>
-          <p:cNvPr id="54" name="矩形: 圆角 53">
-            <a:extLst>
-              <a:ext uri="{FF2B5EF4-FFF2-40B4-BE49-F238E27FC236}">
-                <a16:creationId xmlns:a16="http://schemas.microsoft.com/office/drawing/2014/main" id="{F45D579C-15FA-4349-85A3-C0E116493C39}"/>
-              </a:ext>
-            </a:extLst>
-          </p:cNvPr>
-          <p:cNvSpPr/>
-          <p:nvPr/>
-        </p:nvSpPr>
-        <p:spPr>
-          <a:xfrm>
-            <a:off x="5647353" y="1129084"/>
+            <a:off x="4577427" y="1567461"/>
             <a:ext cx="2016000" cy="648000"/>
           </a:xfrm>
           <a:prstGeom prst="roundRect">
@@ -8290,7 +7653,7 @@
                 <a:latin typeface="微软雅黑" panose="020B0503020204020204" pitchFamily="34" charset="-122"/>
                 <a:ea typeface="微软雅黑" panose="020B0503020204020204" pitchFamily="34" charset="-122"/>
               </a:rPr>
-              <a:t>查看产品列表</a:t>
+              <a:t>创建专辑</a:t>
             </a:r>
             <a:endParaRPr lang="en-US" altLang="zh-CN" sz="1600" b="1">
               <a:solidFill>
@@ -8310,7 +7673,7 @@
                 <a:latin typeface="微软雅黑" panose="020B0503020204020204" pitchFamily="34" charset="-122"/>
                 <a:ea typeface="微软雅黑" panose="020B0503020204020204" pitchFamily="34" charset="-122"/>
               </a:rPr>
-              <a:t>list_goods</a:t>
+              <a:t>add_album</a:t>
             </a:r>
             <a:endParaRPr lang="zh-CN" altLang="en-US" sz="1600" b="1">
               <a:solidFill>
@@ -8322,12 +7685,58 @@
           </a:p>
         </p:txBody>
       </p:sp>
+      <p:cxnSp>
+        <p:nvCxnSpPr>
+          <p:cNvPr id="36" name="直接箭头连接符 35">
+            <a:extLst>
+              <a:ext uri="{FF2B5EF4-FFF2-40B4-BE49-F238E27FC236}">
+                <a16:creationId xmlns:a16="http://schemas.microsoft.com/office/drawing/2014/main" id="{207FF027-26E8-4176-A113-BCD9FC61B11C}"/>
+              </a:ext>
+            </a:extLst>
+          </p:cNvPr>
+          <p:cNvCxnSpPr>
+            <a:cxnSpLocks/>
+            <a:stCxn id="51" idx="3"/>
+            <a:endCxn id="32" idx="1"/>
+          </p:cNvCxnSpPr>
+          <p:nvPr/>
+        </p:nvCxnSpPr>
+        <p:spPr>
+          <a:xfrm flipV="1">
+            <a:off x="3153747" y="1891461"/>
+            <a:ext cx="1423680" cy="1"/>
+          </a:xfrm>
+          <a:prstGeom prst="straightConnector1">
+            <a:avLst/>
+          </a:prstGeom>
+          <a:ln w="31750">
+            <a:solidFill>
+              <a:schemeClr val="tx1"/>
+            </a:solidFill>
+            <a:tailEnd type="triangle"/>
+          </a:ln>
+        </p:spPr>
+        <p:style>
+          <a:lnRef idx="1">
+            <a:schemeClr val="accent1"/>
+          </a:lnRef>
+          <a:fillRef idx="0">
+            <a:schemeClr val="accent1"/>
+          </a:fillRef>
+          <a:effectRef idx="0">
+            <a:schemeClr val="accent1"/>
+          </a:effectRef>
+          <a:fontRef idx="minor">
+            <a:schemeClr val="tx1"/>
+          </a:fontRef>
+        </p:style>
+      </p:cxnSp>
       <p:sp>
         <p:nvSpPr>
-          <p:cNvPr id="55" name="矩形: 圆角 54">
-            <a:extLst>
-              <a:ext uri="{FF2B5EF4-FFF2-40B4-BE49-F238E27FC236}">
-                <a16:creationId xmlns:a16="http://schemas.microsoft.com/office/drawing/2014/main" id="{45D697BB-533F-40AE-92F8-EFA69D50C2AC}"/>
+          <p:cNvPr id="38" name="矩形: 圆角 37">
+            <a:extLst>
+              <a:ext uri="{FF2B5EF4-FFF2-40B4-BE49-F238E27FC236}">
+                <a16:creationId xmlns:a16="http://schemas.microsoft.com/office/drawing/2014/main" id="{C4573620-6247-4ABF-B30A-344144289C37}"/>
               </a:ext>
             </a:extLst>
           </p:cNvPr>
@@ -8336,7 +7745,235 @@
         </p:nvSpPr>
         <p:spPr>
           <a:xfrm>
-            <a:off x="8726839" y="1237084"/>
+            <a:off x="4577427" y="3682388"/>
+            <a:ext cx="2016000" cy="648000"/>
+          </a:xfrm>
+          <a:prstGeom prst="roundRect">
+            <a:avLst/>
+          </a:prstGeom>
+          <a:solidFill>
+            <a:srgbClr val="00B050"/>
+          </a:solidFill>
+          <a:ln>
+            <a:solidFill>
+              <a:schemeClr val="tx1"/>
+            </a:solidFill>
+          </a:ln>
+        </p:spPr>
+        <p:style>
+          <a:lnRef idx="2">
+            <a:schemeClr val="accent1">
+              <a:shade val="50000"/>
+            </a:schemeClr>
+          </a:lnRef>
+          <a:fillRef idx="1">
+            <a:schemeClr val="accent1"/>
+          </a:fillRef>
+          <a:effectRef idx="0">
+            <a:schemeClr val="accent1"/>
+          </a:effectRef>
+          <a:fontRef idx="minor">
+            <a:schemeClr val="lt1"/>
+          </a:fontRef>
+        </p:style>
+        <p:txBody>
+          <a:bodyPr wrap="none" lIns="36000" tIns="36000" rIns="36000" bIns="36000" rtlCol="0" anchor="ctr" anchorCtr="0"/>
+          <a:lstStyle/>
+          <a:p>
+            <a:pPr algn="ctr"/>
+            <a:r>
+              <a:rPr lang="zh-CN" altLang="en-US" sz="1600" b="1">
+                <a:solidFill>
+                  <a:schemeClr val="tx1"/>
+                </a:solidFill>
+                <a:latin typeface="微软雅黑" panose="020B0503020204020204" pitchFamily="34" charset="-122"/>
+                <a:ea typeface="微软雅黑" panose="020B0503020204020204" pitchFamily="34" charset="-122"/>
+              </a:rPr>
+              <a:t>查看所属</a:t>
+            </a:r>
+            <a:endParaRPr lang="en-US" altLang="zh-CN" sz="1600" b="1">
+              <a:solidFill>
+                <a:schemeClr val="tx1"/>
+              </a:solidFill>
+              <a:latin typeface="微软雅黑" panose="020B0503020204020204" pitchFamily="34" charset="-122"/>
+              <a:ea typeface="微软雅黑" panose="020B0503020204020204" pitchFamily="34" charset="-122"/>
+            </a:endParaRPr>
+          </a:p>
+          <a:p>
+            <a:pPr algn="ctr"/>
+            <a:r>
+              <a:rPr lang="en-US" altLang="zh-CN" sz="1600" b="1">
+                <a:solidFill>
+                  <a:schemeClr val="tx1"/>
+                </a:solidFill>
+                <a:latin typeface="微软雅黑" panose="020B0503020204020204" pitchFamily="34" charset="-122"/>
+                <a:ea typeface="微软雅黑" panose="020B0503020204020204" pitchFamily="34" charset="-122"/>
+              </a:rPr>
+              <a:t>list_album</a:t>
+            </a:r>
+            <a:endParaRPr lang="zh-CN" altLang="en-US" sz="1600" b="1">
+              <a:solidFill>
+                <a:schemeClr val="tx1"/>
+              </a:solidFill>
+              <a:latin typeface="微软雅黑" panose="020B0503020204020204" pitchFamily="34" charset="-122"/>
+              <a:ea typeface="微软雅黑" panose="020B0503020204020204" pitchFamily="34" charset="-122"/>
+            </a:endParaRPr>
+          </a:p>
+        </p:txBody>
+      </p:sp>
+      <p:cxnSp>
+        <p:nvCxnSpPr>
+          <p:cNvPr id="39" name="直接箭头连接符 38">
+            <a:extLst>
+              <a:ext uri="{FF2B5EF4-FFF2-40B4-BE49-F238E27FC236}">
+                <a16:creationId xmlns:a16="http://schemas.microsoft.com/office/drawing/2014/main" id="{7D36B7D1-22B8-4CD6-9AB9-A6BE5357173A}"/>
+              </a:ext>
+            </a:extLst>
+          </p:cNvPr>
+          <p:cNvCxnSpPr>
+            <a:cxnSpLocks/>
+            <a:stCxn id="62" idx="3"/>
+            <a:endCxn id="38" idx="1"/>
+          </p:cNvCxnSpPr>
+          <p:nvPr/>
+        </p:nvCxnSpPr>
+        <p:spPr>
+          <a:xfrm flipV="1">
+            <a:off x="3153747" y="4006388"/>
+            <a:ext cx="1423680" cy="1"/>
+          </a:xfrm>
+          <a:prstGeom prst="straightConnector1">
+            <a:avLst/>
+          </a:prstGeom>
+          <a:ln w="31750">
+            <a:solidFill>
+              <a:schemeClr val="tx1"/>
+            </a:solidFill>
+            <a:tailEnd type="triangle"/>
+          </a:ln>
+        </p:spPr>
+        <p:style>
+          <a:lnRef idx="1">
+            <a:schemeClr val="accent1"/>
+          </a:lnRef>
+          <a:fillRef idx="0">
+            <a:schemeClr val="accent1"/>
+          </a:fillRef>
+          <a:effectRef idx="0">
+            <a:schemeClr val="accent1"/>
+          </a:effectRef>
+          <a:fontRef idx="minor">
+            <a:schemeClr val="tx1"/>
+          </a:fontRef>
+        </p:style>
+      </p:cxnSp>
+      <p:cxnSp>
+        <p:nvCxnSpPr>
+          <p:cNvPr id="40" name="直接箭头连接符 39">
+            <a:extLst>
+              <a:ext uri="{FF2B5EF4-FFF2-40B4-BE49-F238E27FC236}">
+                <a16:creationId xmlns:a16="http://schemas.microsoft.com/office/drawing/2014/main" id="{0E786AEE-54B7-4232-822C-CF0C3F536B0E}"/>
+              </a:ext>
+            </a:extLst>
+          </p:cNvPr>
+          <p:cNvCxnSpPr>
+            <a:cxnSpLocks/>
+            <a:stCxn id="43" idx="1"/>
+            <a:endCxn id="38" idx="3"/>
+          </p:cNvCxnSpPr>
+          <p:nvPr/>
+        </p:nvCxnSpPr>
+        <p:spPr>
+          <a:xfrm flipH="1" flipV="1">
+            <a:off x="6593427" y="4006388"/>
+            <a:ext cx="1672790" cy="565048"/>
+          </a:xfrm>
+          <a:prstGeom prst="straightConnector1">
+            <a:avLst/>
+          </a:prstGeom>
+          <a:ln w="57150">
+            <a:solidFill>
+              <a:srgbClr val="FF0000"/>
+            </a:solidFill>
+            <a:tailEnd type="triangle"/>
+          </a:ln>
+        </p:spPr>
+        <p:style>
+          <a:lnRef idx="1">
+            <a:schemeClr val="accent1"/>
+          </a:lnRef>
+          <a:fillRef idx="0">
+            <a:schemeClr val="accent1"/>
+          </a:fillRef>
+          <a:effectRef idx="0">
+            <a:schemeClr val="accent1"/>
+          </a:effectRef>
+          <a:fontRef idx="minor">
+            <a:schemeClr val="tx1"/>
+          </a:fontRef>
+        </p:style>
+      </p:cxnSp>
+      <p:cxnSp>
+        <p:nvCxnSpPr>
+          <p:cNvPr id="41" name="直接箭头连接符 40">
+            <a:extLst>
+              <a:ext uri="{FF2B5EF4-FFF2-40B4-BE49-F238E27FC236}">
+                <a16:creationId xmlns:a16="http://schemas.microsoft.com/office/drawing/2014/main" id="{4A8102AD-0EA9-48D7-A683-0727559777CF}"/>
+              </a:ext>
+            </a:extLst>
+          </p:cNvPr>
+          <p:cNvCxnSpPr>
+            <a:cxnSpLocks/>
+            <a:stCxn id="32" idx="3"/>
+            <a:endCxn id="42" idx="1"/>
+          </p:cNvCxnSpPr>
+          <p:nvPr/>
+        </p:nvCxnSpPr>
+        <p:spPr>
+          <a:xfrm>
+            <a:off x="6593427" y="1891461"/>
+            <a:ext cx="1672790" cy="0"/>
+          </a:xfrm>
+          <a:prstGeom prst="straightConnector1">
+            <a:avLst/>
+          </a:prstGeom>
+          <a:ln w="57150">
+            <a:solidFill>
+              <a:srgbClr val="FFC000"/>
+            </a:solidFill>
+            <a:tailEnd type="triangle"/>
+          </a:ln>
+        </p:spPr>
+        <p:style>
+          <a:lnRef idx="1">
+            <a:schemeClr val="accent1"/>
+          </a:lnRef>
+          <a:fillRef idx="0">
+            <a:schemeClr val="accent1"/>
+          </a:fillRef>
+          <a:effectRef idx="0">
+            <a:schemeClr val="accent1"/>
+          </a:effectRef>
+          <a:fontRef idx="minor">
+            <a:schemeClr val="tx1"/>
+          </a:fontRef>
+        </p:style>
+      </p:cxnSp>
+      <p:sp>
+        <p:nvSpPr>
+          <p:cNvPr id="42" name="矩形: 圆角 41">
+            <a:extLst>
+              <a:ext uri="{FF2B5EF4-FFF2-40B4-BE49-F238E27FC236}">
+                <a16:creationId xmlns:a16="http://schemas.microsoft.com/office/drawing/2014/main" id="{83C7F451-396B-4CEC-AB8C-A2A55E5BB1EB}"/>
+              </a:ext>
+            </a:extLst>
+          </p:cNvPr>
+          <p:cNvSpPr/>
+          <p:nvPr/>
+        </p:nvSpPr>
+        <p:spPr>
+          <a:xfrm>
+            <a:off x="8266217" y="1675461"/>
             <a:ext cx="1728000" cy="432000"/>
           </a:xfrm>
           <a:prstGeom prst="roundRect">
@@ -8382,201 +8019,17 @@
                 <a:latin typeface="微软雅黑" panose="020B0503020204020204" pitchFamily="34" charset="-122"/>
                 <a:ea typeface="微软雅黑" panose="020B0503020204020204" pitchFamily="34" charset="-122"/>
               </a:rPr>
-              <a:t>平台产品表</a:t>
+              <a:t>专辑表</a:t>
             </a:r>
           </a:p>
         </p:txBody>
       </p:sp>
-      <p:cxnSp>
-        <p:nvCxnSpPr>
-          <p:cNvPr id="56" name="直接箭头连接符 55">
-            <a:extLst>
-              <a:ext uri="{FF2B5EF4-FFF2-40B4-BE49-F238E27FC236}">
-                <a16:creationId xmlns:a16="http://schemas.microsoft.com/office/drawing/2014/main" id="{9DB0A0EF-18A5-4800-96D1-C58BC2B91022}"/>
-              </a:ext>
-            </a:extLst>
-          </p:cNvPr>
-          <p:cNvCxnSpPr>
-            <a:cxnSpLocks/>
-            <a:stCxn id="55" idx="1"/>
-            <a:endCxn id="54" idx="3"/>
-          </p:cNvCxnSpPr>
-          <p:nvPr/>
-        </p:nvCxnSpPr>
-        <p:spPr>
-          <a:xfrm flipH="1">
-            <a:off x="7663353" y="1453084"/>
-            <a:ext cx="1063486" cy="0"/>
-          </a:xfrm>
-          <a:prstGeom prst="straightConnector1">
-            <a:avLst/>
-          </a:prstGeom>
-          <a:ln w="57150">
-            <a:solidFill>
-              <a:srgbClr val="FF0000"/>
-            </a:solidFill>
-            <a:tailEnd type="triangle"/>
-          </a:ln>
-        </p:spPr>
-        <p:style>
-          <a:lnRef idx="1">
-            <a:schemeClr val="accent1"/>
-          </a:lnRef>
-          <a:fillRef idx="0">
-            <a:schemeClr val="accent1"/>
-          </a:fillRef>
-          <a:effectRef idx="0">
-            <a:schemeClr val="accent1"/>
-          </a:effectRef>
-          <a:fontRef idx="minor">
-            <a:schemeClr val="tx1"/>
-          </a:fontRef>
-        </p:style>
-      </p:cxnSp>
-      <p:cxnSp>
-        <p:nvCxnSpPr>
-          <p:cNvPr id="57" name="直接箭头连接符 56">
-            <a:extLst>
-              <a:ext uri="{FF2B5EF4-FFF2-40B4-BE49-F238E27FC236}">
-                <a16:creationId xmlns:a16="http://schemas.microsoft.com/office/drawing/2014/main" id="{5670BB59-BE38-461C-9A58-D4C71793FC57}"/>
-              </a:ext>
-            </a:extLst>
-          </p:cNvPr>
-          <p:cNvCxnSpPr>
-            <a:cxnSpLocks/>
-            <a:stCxn id="53" idx="3"/>
-            <a:endCxn id="37" idx="1"/>
-          </p:cNvCxnSpPr>
-          <p:nvPr/>
-        </p:nvCxnSpPr>
-        <p:spPr>
-          <a:xfrm>
-            <a:off x="1792379" y="1453084"/>
-            <a:ext cx="1063487" cy="0"/>
-          </a:xfrm>
-          <a:prstGeom prst="straightConnector1">
-            <a:avLst/>
-          </a:prstGeom>
-          <a:ln w="31750">
-            <a:solidFill>
-              <a:schemeClr val="tx1"/>
-            </a:solidFill>
-            <a:tailEnd type="triangle"/>
-          </a:ln>
-        </p:spPr>
-        <p:style>
-          <a:lnRef idx="1">
-            <a:schemeClr val="accent1"/>
-          </a:lnRef>
-          <a:fillRef idx="0">
-            <a:schemeClr val="accent1"/>
-          </a:fillRef>
-          <a:effectRef idx="0">
-            <a:schemeClr val="accent1"/>
-          </a:effectRef>
-          <a:fontRef idx="minor">
-            <a:schemeClr val="tx1"/>
-          </a:fontRef>
-        </p:style>
-      </p:cxnSp>
-      <p:cxnSp>
-        <p:nvCxnSpPr>
-          <p:cNvPr id="67" name="直接箭头连接符 66">
-            <a:extLst>
-              <a:ext uri="{FF2B5EF4-FFF2-40B4-BE49-F238E27FC236}">
-                <a16:creationId xmlns:a16="http://schemas.microsoft.com/office/drawing/2014/main" id="{E78DCD2F-5A32-4EFA-ACA0-EE0B96A844CC}"/>
-              </a:ext>
-            </a:extLst>
-          </p:cNvPr>
-          <p:cNvCxnSpPr>
-            <a:cxnSpLocks/>
-            <a:stCxn id="37" idx="3"/>
-            <a:endCxn id="54" idx="1"/>
-          </p:cNvCxnSpPr>
-          <p:nvPr/>
-        </p:nvCxnSpPr>
-        <p:spPr>
-          <a:xfrm>
-            <a:off x="4583866" y="1453084"/>
-            <a:ext cx="1063487" cy="0"/>
-          </a:xfrm>
-          <a:prstGeom prst="straightConnector1">
-            <a:avLst/>
-          </a:prstGeom>
-          <a:ln w="31750">
-            <a:solidFill>
-              <a:schemeClr val="tx1"/>
-            </a:solidFill>
-            <a:tailEnd type="triangle"/>
-          </a:ln>
-        </p:spPr>
-        <p:style>
-          <a:lnRef idx="1">
-            <a:schemeClr val="accent1"/>
-          </a:lnRef>
-          <a:fillRef idx="0">
-            <a:schemeClr val="accent1"/>
-          </a:fillRef>
-          <a:effectRef idx="0">
-            <a:schemeClr val="accent1"/>
-          </a:effectRef>
-          <a:fontRef idx="minor">
-            <a:schemeClr val="tx1"/>
-          </a:fontRef>
-        </p:style>
-      </p:cxnSp>
-      <p:cxnSp>
-        <p:nvCxnSpPr>
-          <p:cNvPr id="78" name="直接箭头连接符 77">
-            <a:extLst>
-              <a:ext uri="{FF2B5EF4-FFF2-40B4-BE49-F238E27FC236}">
-                <a16:creationId xmlns:a16="http://schemas.microsoft.com/office/drawing/2014/main" id="{39F0104D-817F-4C27-AB4D-9B3AC85E9C46}"/>
-              </a:ext>
-            </a:extLst>
-          </p:cNvPr>
-          <p:cNvCxnSpPr>
-            <a:cxnSpLocks/>
-            <a:stCxn id="33" idx="3"/>
-            <a:endCxn id="24" idx="1"/>
-          </p:cNvCxnSpPr>
-          <p:nvPr/>
-        </p:nvCxnSpPr>
-        <p:spPr>
-          <a:xfrm flipV="1">
-            <a:off x="1792379" y="3891825"/>
-            <a:ext cx="848882" cy="698"/>
-          </a:xfrm>
-          <a:prstGeom prst="straightConnector1">
-            <a:avLst/>
-          </a:prstGeom>
-          <a:ln w="31750">
-            <a:solidFill>
-              <a:schemeClr val="tx1"/>
-            </a:solidFill>
-            <a:tailEnd type="triangle"/>
-          </a:ln>
-        </p:spPr>
-        <p:style>
-          <a:lnRef idx="1">
-            <a:schemeClr val="accent1"/>
-          </a:lnRef>
-          <a:fillRef idx="0">
-            <a:schemeClr val="accent1"/>
-          </a:fillRef>
-          <a:effectRef idx="0">
-            <a:schemeClr val="accent1"/>
-          </a:effectRef>
-          <a:fontRef idx="minor">
-            <a:schemeClr val="tx1"/>
-          </a:fontRef>
-        </p:style>
-      </p:cxnSp>
       <p:sp>
         <p:nvSpPr>
-          <p:cNvPr id="84" name="矩形: 圆角 83">
-            <a:extLst>
-              <a:ext uri="{FF2B5EF4-FFF2-40B4-BE49-F238E27FC236}">
-                <a16:creationId xmlns:a16="http://schemas.microsoft.com/office/drawing/2014/main" id="{AE195DA9-42BC-47D3-AB46-8F87A0367DF1}"/>
+          <p:cNvPr id="43" name="矩形: 圆角 42">
+            <a:extLst>
+              <a:ext uri="{FF2B5EF4-FFF2-40B4-BE49-F238E27FC236}">
+                <a16:creationId xmlns:a16="http://schemas.microsoft.com/office/drawing/2014/main" id="{5D7BBEA4-D9FC-43E5-915A-EDDE22A12866}"/>
               </a:ext>
             </a:extLst>
           </p:cNvPr>
@@ -8585,1236 +8038,7 @@
         </p:nvSpPr>
         <p:spPr>
           <a:xfrm>
-            <a:off x="5324271" y="4617252"/>
-            <a:ext cx="1080000" cy="432000"/>
-          </a:xfrm>
-          <a:prstGeom prst="roundRect">
-            <a:avLst/>
-          </a:prstGeom>
-          <a:solidFill>
-            <a:srgbClr val="00B0F0"/>
-          </a:solidFill>
-          <a:ln>
-            <a:solidFill>
-              <a:schemeClr val="tx1"/>
-            </a:solidFill>
-          </a:ln>
-        </p:spPr>
-        <p:style>
-          <a:lnRef idx="2">
-            <a:schemeClr val="accent1">
-              <a:shade val="50000"/>
-            </a:schemeClr>
-          </a:lnRef>
-          <a:fillRef idx="1">
-            <a:schemeClr val="accent1"/>
-          </a:fillRef>
-          <a:effectRef idx="0">
-            <a:schemeClr val="accent1"/>
-          </a:effectRef>
-          <a:fontRef idx="minor">
-            <a:schemeClr val="lt1"/>
-          </a:fontRef>
-        </p:style>
-        <p:txBody>
-          <a:bodyPr wrap="none" lIns="36000" tIns="36000" rIns="36000" bIns="36000" rtlCol="0" anchor="ctr" anchorCtr="0"/>
-          <a:lstStyle/>
-          <a:p>
-            <a:pPr algn="ctr"/>
-            <a:r>
-              <a:rPr lang="zh-CN" altLang="en-US" sz="1600" b="1">
-                <a:solidFill>
-                  <a:schemeClr val="tx1"/>
-                </a:solidFill>
-                <a:latin typeface="微软雅黑" panose="020B0503020204020204" pitchFamily="34" charset="-122"/>
-                <a:ea typeface="微软雅黑" panose="020B0503020204020204" pitchFamily="34" charset="-122"/>
-              </a:rPr>
-              <a:t>合约账户</a:t>
-            </a:r>
-          </a:p>
-        </p:txBody>
-      </p:sp>
-      <p:sp>
-        <p:nvSpPr>
-          <p:cNvPr id="85" name="矩形: 圆角 84">
-            <a:extLst>
-              <a:ext uri="{FF2B5EF4-FFF2-40B4-BE49-F238E27FC236}">
-                <a16:creationId xmlns:a16="http://schemas.microsoft.com/office/drawing/2014/main" id="{B10614BB-A081-4CA5-925F-F60BF0A37F1A}"/>
-              </a:ext>
-            </a:extLst>
-          </p:cNvPr>
-          <p:cNvSpPr/>
-          <p:nvPr/>
-        </p:nvSpPr>
-        <p:spPr>
-          <a:xfrm>
-            <a:off x="7412026" y="4509252"/>
-            <a:ext cx="1512000" cy="648000"/>
-          </a:xfrm>
-          <a:prstGeom prst="roundRect">
-            <a:avLst/>
-          </a:prstGeom>
-          <a:solidFill>
-            <a:srgbClr val="00B050"/>
-          </a:solidFill>
-          <a:ln>
-            <a:solidFill>
-              <a:schemeClr val="tx1"/>
-            </a:solidFill>
-          </a:ln>
-        </p:spPr>
-        <p:style>
-          <a:lnRef idx="2">
-            <a:schemeClr val="accent1">
-              <a:shade val="50000"/>
-            </a:schemeClr>
-          </a:lnRef>
-          <a:fillRef idx="1">
-            <a:schemeClr val="accent1"/>
-          </a:fillRef>
-          <a:effectRef idx="0">
-            <a:schemeClr val="accent1"/>
-          </a:effectRef>
-          <a:fontRef idx="minor">
-            <a:schemeClr val="lt1"/>
-          </a:fontRef>
-        </p:style>
-        <p:txBody>
-          <a:bodyPr wrap="none" lIns="36000" tIns="36000" rIns="36000" bIns="36000" rtlCol="0" anchor="ctr" anchorCtr="0"/>
-          <a:lstStyle/>
-          <a:p>
-            <a:pPr algn="ctr"/>
-            <a:r>
-              <a:rPr lang="zh-CN" altLang="en-US" sz="1600" b="1">
-                <a:solidFill>
-                  <a:schemeClr val="tx1"/>
-                </a:solidFill>
-                <a:latin typeface="微软雅黑" panose="020B0503020204020204" pitchFamily="34" charset="-122"/>
-                <a:ea typeface="微软雅黑" panose="020B0503020204020204" pitchFamily="34" charset="-122"/>
-              </a:rPr>
-              <a:t>分成</a:t>
-            </a:r>
-            <a:endParaRPr lang="en-US" altLang="zh-CN" sz="1600" b="1">
-              <a:solidFill>
-                <a:schemeClr val="tx1"/>
-              </a:solidFill>
-              <a:latin typeface="微软雅黑" panose="020B0503020204020204" pitchFamily="34" charset="-122"/>
-              <a:ea typeface="微软雅黑" panose="020B0503020204020204" pitchFamily="34" charset="-122"/>
-            </a:endParaRPr>
-          </a:p>
-          <a:p>
-            <a:pPr algn="ctr"/>
-            <a:r>
-              <a:rPr lang="en-US" altLang="zh-CN" sz="1600" b="1">
-                <a:solidFill>
-                  <a:schemeClr val="tx1"/>
-                </a:solidFill>
-                <a:latin typeface="微软雅黑" panose="020B0503020204020204" pitchFamily="34" charset="-122"/>
-                <a:ea typeface="微软雅黑" panose="020B0503020204020204" pitchFamily="34" charset="-122"/>
-              </a:rPr>
-              <a:t>transfer</a:t>
-            </a:r>
-            <a:endParaRPr lang="zh-CN" altLang="en-US" sz="1600" b="1">
-              <a:solidFill>
-                <a:schemeClr val="tx1"/>
-              </a:solidFill>
-              <a:latin typeface="微软雅黑" panose="020B0503020204020204" pitchFamily="34" charset="-122"/>
-              <a:ea typeface="微软雅黑" panose="020B0503020204020204" pitchFamily="34" charset="-122"/>
-            </a:endParaRPr>
-          </a:p>
-        </p:txBody>
-      </p:sp>
-      <p:cxnSp>
-        <p:nvCxnSpPr>
-          <p:cNvPr id="86" name="直接箭头连接符 85">
-            <a:extLst>
-              <a:ext uri="{FF2B5EF4-FFF2-40B4-BE49-F238E27FC236}">
-                <a16:creationId xmlns:a16="http://schemas.microsoft.com/office/drawing/2014/main" id="{E226F3AB-1068-4843-BFF1-4EF732237330}"/>
-              </a:ext>
-            </a:extLst>
-          </p:cNvPr>
-          <p:cNvCxnSpPr>
-            <a:cxnSpLocks/>
-            <a:stCxn id="84" idx="3"/>
-            <a:endCxn id="85" idx="1"/>
-          </p:cNvCxnSpPr>
-          <p:nvPr/>
-        </p:nvCxnSpPr>
-        <p:spPr>
-          <a:xfrm>
-            <a:off x="6404271" y="4833252"/>
-            <a:ext cx="1007755" cy="0"/>
-          </a:xfrm>
-          <a:prstGeom prst="straightConnector1">
-            <a:avLst/>
-          </a:prstGeom>
-          <a:ln w="31750">
-            <a:solidFill>
-              <a:schemeClr val="tx1"/>
-            </a:solidFill>
-            <a:tailEnd type="triangle"/>
-          </a:ln>
-        </p:spPr>
-        <p:style>
-          <a:lnRef idx="1">
-            <a:schemeClr val="accent1"/>
-          </a:lnRef>
-          <a:fillRef idx="0">
-            <a:schemeClr val="accent1"/>
-          </a:fillRef>
-          <a:effectRef idx="0">
-            <a:schemeClr val="accent1"/>
-          </a:effectRef>
-          <a:fontRef idx="minor">
-            <a:schemeClr val="tx1"/>
-          </a:fontRef>
-        </p:style>
-      </p:cxnSp>
-      <p:cxnSp>
-        <p:nvCxnSpPr>
-          <p:cNvPr id="87" name="直接箭头连接符 86">
-            <a:extLst>
-              <a:ext uri="{FF2B5EF4-FFF2-40B4-BE49-F238E27FC236}">
-                <a16:creationId xmlns:a16="http://schemas.microsoft.com/office/drawing/2014/main" id="{9970D80D-78AD-4ED4-AC11-CF22D5FEE473}"/>
-              </a:ext>
-            </a:extLst>
-          </p:cNvPr>
-          <p:cNvCxnSpPr>
-            <a:cxnSpLocks/>
-            <a:stCxn id="24" idx="3"/>
-            <a:endCxn id="84" idx="1"/>
-          </p:cNvCxnSpPr>
-          <p:nvPr/>
-        </p:nvCxnSpPr>
-        <p:spPr>
-          <a:xfrm>
-            <a:off x="4117659" y="3891825"/>
-            <a:ext cx="1206612" cy="941427"/>
-          </a:xfrm>
-          <a:prstGeom prst="straightConnector1">
-            <a:avLst/>
-          </a:prstGeom>
-          <a:ln w="31750">
-            <a:solidFill>
-              <a:schemeClr val="tx1"/>
-            </a:solidFill>
-            <a:tailEnd type="triangle"/>
-          </a:ln>
-        </p:spPr>
-        <p:style>
-          <a:lnRef idx="1">
-            <a:schemeClr val="accent1"/>
-          </a:lnRef>
-          <a:fillRef idx="0">
-            <a:schemeClr val="accent1"/>
-          </a:fillRef>
-          <a:effectRef idx="0">
-            <a:schemeClr val="accent1"/>
-          </a:effectRef>
-          <a:fontRef idx="minor">
-            <a:schemeClr val="tx1"/>
-          </a:fontRef>
-        </p:style>
-      </p:cxnSp>
-      <p:sp>
-        <p:nvSpPr>
-          <p:cNvPr id="88" name="矩形: 圆角 87">
-            <a:extLst>
-              <a:ext uri="{FF2B5EF4-FFF2-40B4-BE49-F238E27FC236}">
-                <a16:creationId xmlns:a16="http://schemas.microsoft.com/office/drawing/2014/main" id="{0768B8F2-0AE2-4C5D-AB5A-3F9A498C4BAC}"/>
-              </a:ext>
-            </a:extLst>
-          </p:cNvPr>
-          <p:cNvSpPr/>
-          <p:nvPr/>
-        </p:nvSpPr>
-        <p:spPr>
-          <a:xfrm>
-            <a:off x="9393520" y="3695431"/>
-            <a:ext cx="1728000" cy="396000"/>
-          </a:xfrm>
-          <a:prstGeom prst="roundRect">
-            <a:avLst/>
-          </a:prstGeom>
-          <a:solidFill>
-            <a:schemeClr val="bg1">
-              <a:lumMod val="95000"/>
-            </a:schemeClr>
-          </a:solidFill>
-          <a:ln>
-            <a:solidFill>
-              <a:schemeClr val="tx1"/>
-            </a:solidFill>
-          </a:ln>
-        </p:spPr>
-        <p:style>
-          <a:lnRef idx="2">
-            <a:schemeClr val="accent1">
-              <a:shade val="50000"/>
-            </a:schemeClr>
-          </a:lnRef>
-          <a:fillRef idx="1">
-            <a:schemeClr val="accent1"/>
-          </a:fillRef>
-          <a:effectRef idx="0">
-            <a:schemeClr val="accent1"/>
-          </a:effectRef>
-          <a:fontRef idx="minor">
-            <a:schemeClr val="lt1"/>
-          </a:fontRef>
-        </p:style>
-        <p:txBody>
-          <a:bodyPr wrap="none" lIns="36000" tIns="36000" rIns="36000" bIns="36000" rtlCol="0" anchor="ctr" anchorCtr="0"/>
-          <a:lstStyle/>
-          <a:p>
-            <a:pPr algn="ctr"/>
-            <a:r>
-              <a:rPr lang="zh-CN" altLang="en-US" sz="1600" b="1">
-                <a:solidFill>
-                  <a:schemeClr val="tx1"/>
-                </a:solidFill>
-                <a:latin typeface="微软雅黑" panose="020B0503020204020204" pitchFamily="34" charset="-122"/>
-                <a:ea typeface="微软雅黑" panose="020B0503020204020204" pitchFamily="34" charset="-122"/>
-              </a:rPr>
-              <a:t>提案表</a:t>
-            </a:r>
-          </a:p>
-        </p:txBody>
-      </p:sp>
-      <p:sp>
-        <p:nvSpPr>
-          <p:cNvPr id="89" name="矩形: 圆角 88">
-            <a:extLst>
-              <a:ext uri="{FF2B5EF4-FFF2-40B4-BE49-F238E27FC236}">
-                <a16:creationId xmlns:a16="http://schemas.microsoft.com/office/drawing/2014/main" id="{07E8F874-ADBC-4FFC-B2F1-2BD0B3135D9F}"/>
-              </a:ext>
-            </a:extLst>
-          </p:cNvPr>
-          <p:cNvSpPr/>
-          <p:nvPr/>
-        </p:nvSpPr>
-        <p:spPr>
-          <a:xfrm>
-            <a:off x="5316605" y="3605431"/>
-            <a:ext cx="1728000" cy="576000"/>
-          </a:xfrm>
-          <a:prstGeom prst="roundRect">
-            <a:avLst/>
-          </a:prstGeom>
-          <a:solidFill>
-            <a:schemeClr val="accent2">
-              <a:lumMod val="60000"/>
-              <a:lumOff val="40000"/>
-            </a:schemeClr>
-          </a:solidFill>
-          <a:ln>
-            <a:solidFill>
-              <a:schemeClr val="tx1"/>
-            </a:solidFill>
-          </a:ln>
-        </p:spPr>
-        <p:style>
-          <a:lnRef idx="2">
-            <a:schemeClr val="accent1">
-              <a:shade val="50000"/>
-            </a:schemeClr>
-          </a:lnRef>
-          <a:fillRef idx="1">
-            <a:schemeClr val="accent1"/>
-          </a:fillRef>
-          <a:effectRef idx="0">
-            <a:schemeClr val="accent1"/>
-          </a:effectRef>
-          <a:fontRef idx="minor">
-            <a:schemeClr val="lt1"/>
-          </a:fontRef>
-        </p:style>
-        <p:txBody>
-          <a:bodyPr wrap="none" lIns="36000" tIns="36000" rIns="36000" bIns="36000" rtlCol="0" anchor="ctr" anchorCtr="0"/>
-          <a:lstStyle/>
-          <a:p>
-            <a:pPr algn="ctr"/>
-            <a:r>
-              <a:rPr lang="zh-CN" altLang="en-US" sz="1600" b="1">
-                <a:solidFill>
-                  <a:schemeClr val="tx1"/>
-                </a:solidFill>
-                <a:latin typeface="微软雅黑" panose="020B0503020204020204" pitchFamily="34" charset="-122"/>
-                <a:ea typeface="微软雅黑" panose="020B0503020204020204" pitchFamily="34" charset="-122"/>
-              </a:rPr>
-              <a:t>基金会合约</a:t>
-            </a:r>
-          </a:p>
-        </p:txBody>
-      </p:sp>
-      <p:cxnSp>
-        <p:nvCxnSpPr>
-          <p:cNvPr id="90" name="直接箭头连接符 89">
-            <a:extLst>
-              <a:ext uri="{FF2B5EF4-FFF2-40B4-BE49-F238E27FC236}">
-                <a16:creationId xmlns:a16="http://schemas.microsoft.com/office/drawing/2014/main" id="{4E7AFC9F-D4BB-4A51-A984-12E4AA75E30F}"/>
-              </a:ext>
-            </a:extLst>
-          </p:cNvPr>
-          <p:cNvCxnSpPr>
-            <a:cxnSpLocks/>
-            <a:stCxn id="88" idx="1"/>
-            <a:endCxn id="101" idx="3"/>
-          </p:cNvCxnSpPr>
-          <p:nvPr/>
-        </p:nvCxnSpPr>
-        <p:spPr>
-          <a:xfrm flipH="1">
-            <a:off x="8924026" y="3893431"/>
-            <a:ext cx="469494" cy="0"/>
-          </a:xfrm>
-          <a:prstGeom prst="straightConnector1">
-            <a:avLst/>
-          </a:prstGeom>
-          <a:ln w="57150">
-            <a:solidFill>
-              <a:srgbClr val="FF0000"/>
-            </a:solidFill>
-            <a:tailEnd type="triangle"/>
-          </a:ln>
-        </p:spPr>
-        <p:style>
-          <a:lnRef idx="1">
-            <a:schemeClr val="accent1"/>
-          </a:lnRef>
-          <a:fillRef idx="0">
-            <a:schemeClr val="accent1"/>
-          </a:fillRef>
-          <a:effectRef idx="0">
-            <a:schemeClr val="accent1"/>
-          </a:effectRef>
-          <a:fontRef idx="minor">
-            <a:schemeClr val="tx1"/>
-          </a:fontRef>
-        </p:style>
-      </p:cxnSp>
-      <p:sp>
-        <p:nvSpPr>
-          <p:cNvPr id="101" name="矩形: 圆角 100">
-            <a:extLst>
-              <a:ext uri="{FF2B5EF4-FFF2-40B4-BE49-F238E27FC236}">
-                <a16:creationId xmlns:a16="http://schemas.microsoft.com/office/drawing/2014/main" id="{23D7A7A2-5C06-4F5B-8F1C-20FCFC00BF42}"/>
-              </a:ext>
-            </a:extLst>
-          </p:cNvPr>
-          <p:cNvSpPr/>
-          <p:nvPr/>
-        </p:nvSpPr>
-        <p:spPr>
-          <a:xfrm>
-            <a:off x="7412026" y="3569431"/>
-            <a:ext cx="1512000" cy="648000"/>
-          </a:xfrm>
-          <a:prstGeom prst="roundRect">
-            <a:avLst/>
-          </a:prstGeom>
-          <a:solidFill>
-            <a:srgbClr val="00B050"/>
-          </a:solidFill>
-          <a:ln>
-            <a:solidFill>
-              <a:schemeClr val="tx1"/>
-            </a:solidFill>
-          </a:ln>
-        </p:spPr>
-        <p:style>
-          <a:lnRef idx="2">
-            <a:schemeClr val="accent1">
-              <a:shade val="50000"/>
-            </a:schemeClr>
-          </a:lnRef>
-          <a:fillRef idx="1">
-            <a:schemeClr val="accent1"/>
-          </a:fillRef>
-          <a:effectRef idx="0">
-            <a:schemeClr val="accent1"/>
-          </a:effectRef>
-          <a:fontRef idx="minor">
-            <a:schemeClr val="lt1"/>
-          </a:fontRef>
-        </p:style>
-        <p:txBody>
-          <a:bodyPr wrap="none" lIns="36000" tIns="36000" rIns="36000" bIns="36000" rtlCol="0" anchor="ctr" anchorCtr="0"/>
-          <a:lstStyle/>
-          <a:p>
-            <a:pPr algn="ctr"/>
-            <a:r>
-              <a:rPr lang="zh-CN" altLang="en-US" sz="1600" b="1">
-                <a:solidFill>
-                  <a:schemeClr val="tx1"/>
-                </a:solidFill>
-                <a:latin typeface="微软雅黑" panose="020B0503020204020204" pitchFamily="34" charset="-122"/>
-                <a:ea typeface="微软雅黑" panose="020B0503020204020204" pitchFamily="34" charset="-122"/>
-              </a:rPr>
-              <a:t>查询提案</a:t>
-            </a:r>
-            <a:endParaRPr lang="en-US" altLang="zh-CN" sz="1600" b="1">
-              <a:solidFill>
-                <a:schemeClr val="tx1"/>
-              </a:solidFill>
-              <a:latin typeface="微软雅黑" panose="020B0503020204020204" pitchFamily="34" charset="-122"/>
-              <a:ea typeface="微软雅黑" panose="020B0503020204020204" pitchFamily="34" charset="-122"/>
-            </a:endParaRPr>
-          </a:p>
-          <a:p>
-            <a:pPr algn="ctr"/>
-            <a:r>
-              <a:rPr lang="en-US" altLang="zh-CN" sz="1600" b="1">
-                <a:solidFill>
-                  <a:schemeClr val="tx1"/>
-                </a:solidFill>
-                <a:latin typeface="微软雅黑" panose="020B0503020204020204" pitchFamily="34" charset="-122"/>
-                <a:ea typeface="微软雅黑" panose="020B0503020204020204" pitchFamily="34" charset="-122"/>
-              </a:rPr>
-              <a:t>find_proposal</a:t>
-            </a:r>
-            <a:endParaRPr lang="zh-CN" altLang="en-US" sz="1600" b="1">
-              <a:solidFill>
-                <a:schemeClr val="tx1"/>
-              </a:solidFill>
-              <a:latin typeface="微软雅黑" panose="020B0503020204020204" pitchFamily="34" charset="-122"/>
-              <a:ea typeface="微软雅黑" panose="020B0503020204020204" pitchFamily="34" charset="-122"/>
-            </a:endParaRPr>
-          </a:p>
-        </p:txBody>
-      </p:sp>
-      <p:cxnSp>
-        <p:nvCxnSpPr>
-          <p:cNvPr id="103" name="直接箭头连接符 102">
-            <a:extLst>
-              <a:ext uri="{FF2B5EF4-FFF2-40B4-BE49-F238E27FC236}">
-                <a16:creationId xmlns:a16="http://schemas.microsoft.com/office/drawing/2014/main" id="{7EC45DBC-3055-41AD-B250-039712609EF8}"/>
-              </a:ext>
-            </a:extLst>
-          </p:cNvPr>
-          <p:cNvCxnSpPr>
-            <a:cxnSpLocks/>
-            <a:stCxn id="24" idx="3"/>
-            <a:endCxn id="89" idx="1"/>
-          </p:cNvCxnSpPr>
-          <p:nvPr/>
-        </p:nvCxnSpPr>
-        <p:spPr>
-          <a:xfrm>
-            <a:off x="4117659" y="3891825"/>
-            <a:ext cx="1198946" cy="1606"/>
-          </a:xfrm>
-          <a:prstGeom prst="straightConnector1">
-            <a:avLst/>
-          </a:prstGeom>
-          <a:ln w="31750">
-            <a:solidFill>
-              <a:schemeClr val="tx1"/>
-            </a:solidFill>
-            <a:tailEnd type="triangle"/>
-          </a:ln>
-        </p:spPr>
-        <p:style>
-          <a:lnRef idx="1">
-            <a:schemeClr val="accent1"/>
-          </a:lnRef>
-          <a:fillRef idx="0">
-            <a:schemeClr val="accent1"/>
-          </a:fillRef>
-          <a:effectRef idx="0">
-            <a:schemeClr val="accent1"/>
-          </a:effectRef>
-          <a:fontRef idx="minor">
-            <a:schemeClr val="tx1"/>
-          </a:fontRef>
-        </p:style>
-      </p:cxnSp>
-      <p:cxnSp>
-        <p:nvCxnSpPr>
-          <p:cNvPr id="106" name="直接箭头连接符 105">
-            <a:extLst>
-              <a:ext uri="{FF2B5EF4-FFF2-40B4-BE49-F238E27FC236}">
-                <a16:creationId xmlns:a16="http://schemas.microsoft.com/office/drawing/2014/main" id="{8B97C6A8-4C74-44F3-9B78-672AA7E4796E}"/>
-              </a:ext>
-            </a:extLst>
-          </p:cNvPr>
-          <p:cNvCxnSpPr>
-            <a:cxnSpLocks/>
-            <a:stCxn id="89" idx="3"/>
-            <a:endCxn id="101" idx="1"/>
-          </p:cNvCxnSpPr>
-          <p:nvPr/>
-        </p:nvCxnSpPr>
-        <p:spPr>
-          <a:xfrm>
-            <a:off x="7044605" y="3893431"/>
-            <a:ext cx="367421" cy="0"/>
-          </a:xfrm>
-          <a:prstGeom prst="straightConnector1">
-            <a:avLst/>
-          </a:prstGeom>
-          <a:ln w="31750">
-            <a:solidFill>
-              <a:schemeClr val="tx1"/>
-            </a:solidFill>
-            <a:tailEnd type="triangle"/>
-          </a:ln>
-        </p:spPr>
-        <p:style>
-          <a:lnRef idx="1">
-            <a:schemeClr val="accent1"/>
-          </a:lnRef>
-          <a:fillRef idx="0">
-            <a:schemeClr val="accent1"/>
-          </a:fillRef>
-          <a:effectRef idx="0">
-            <a:schemeClr val="accent1"/>
-          </a:effectRef>
-          <a:fontRef idx="minor">
-            <a:schemeClr val="tx1"/>
-          </a:fontRef>
-        </p:style>
-      </p:cxnSp>
-      <p:grpSp>
-        <p:nvGrpSpPr>
-          <p:cNvPr id="114" name="组合 113">
-            <a:extLst>
-              <a:ext uri="{FF2B5EF4-FFF2-40B4-BE49-F238E27FC236}">
-                <a16:creationId xmlns:a16="http://schemas.microsoft.com/office/drawing/2014/main" id="{8D147FCA-B271-41BD-890D-B019DA8B0416}"/>
-              </a:ext>
-            </a:extLst>
-          </p:cNvPr>
-          <p:cNvGrpSpPr/>
-          <p:nvPr/>
-        </p:nvGrpSpPr>
-        <p:grpSpPr>
-          <a:xfrm>
-            <a:off x="5211574" y="2694399"/>
-            <a:ext cx="5593273" cy="612966"/>
-            <a:chOff x="5575470" y="2538140"/>
-            <a:chExt cx="5593273" cy="612966"/>
-          </a:xfrm>
-        </p:grpSpPr>
-        <p:sp>
-          <p:nvSpPr>
-            <p:cNvPr id="22" name="矩形: 圆角 21">
-              <a:extLst>
-                <a:ext uri="{FF2B5EF4-FFF2-40B4-BE49-F238E27FC236}">
-                  <a16:creationId xmlns:a16="http://schemas.microsoft.com/office/drawing/2014/main" id="{8BFE3668-F479-4254-8692-0367AA9EE00A}"/>
-                </a:ext>
-              </a:extLst>
-            </p:cNvPr>
-            <p:cNvSpPr/>
-            <p:nvPr/>
-          </p:nvSpPr>
-          <p:spPr>
-            <a:xfrm>
-              <a:off x="5575470" y="2538140"/>
-              <a:ext cx="5593273" cy="612966"/>
-            </a:xfrm>
-            <a:prstGeom prst="roundRect">
-              <a:avLst>
-                <a:gd name="adj" fmla="val 5494"/>
-              </a:avLst>
-            </a:prstGeom>
-            <a:noFill/>
-            <a:ln>
-              <a:solidFill>
-                <a:schemeClr val="tx2"/>
-              </a:solidFill>
-              <a:prstDash val="dash"/>
-            </a:ln>
-          </p:spPr>
-          <p:style>
-            <a:lnRef idx="2">
-              <a:schemeClr val="accent1">
-                <a:shade val="50000"/>
-              </a:schemeClr>
-            </a:lnRef>
-            <a:fillRef idx="1">
-              <a:schemeClr val="accent1"/>
-            </a:fillRef>
-            <a:effectRef idx="0">
-              <a:schemeClr val="accent1"/>
-            </a:effectRef>
-            <a:fontRef idx="minor">
-              <a:schemeClr val="lt1"/>
-            </a:fontRef>
-          </p:style>
-          <p:txBody>
-            <a:bodyPr rtlCol="0" anchor="ctr"/>
-            <a:lstStyle/>
-            <a:p>
-              <a:pPr algn="ctr"/>
-              <a:endParaRPr lang="zh-CN" altLang="en-US" sz="1600">
-                <a:latin typeface="微软雅黑" panose="020B0503020204020204" pitchFamily="34" charset="-122"/>
-                <a:ea typeface="微软雅黑" panose="020B0503020204020204" pitchFamily="34" charset="-122"/>
-              </a:endParaRPr>
-            </a:p>
-          </p:txBody>
-        </p:sp>
-        <p:sp>
-          <p:nvSpPr>
-            <p:cNvPr id="28" name="矩形: 圆角 27">
-              <a:extLst>
-                <a:ext uri="{FF2B5EF4-FFF2-40B4-BE49-F238E27FC236}">
-                  <a16:creationId xmlns:a16="http://schemas.microsoft.com/office/drawing/2014/main" id="{A94DE6C3-694C-4325-A74A-F92569960786}"/>
-                </a:ext>
-              </a:extLst>
-            </p:cNvPr>
-            <p:cNvSpPr/>
-            <p:nvPr/>
-          </p:nvSpPr>
-          <p:spPr>
-            <a:xfrm>
-              <a:off x="7513532" y="2640946"/>
-              <a:ext cx="1728000" cy="396000"/>
-            </a:xfrm>
-            <a:prstGeom prst="roundRect">
-              <a:avLst/>
-            </a:prstGeom>
-            <a:solidFill>
-              <a:schemeClr val="bg1">
-                <a:lumMod val="95000"/>
-              </a:schemeClr>
-            </a:solidFill>
-            <a:ln>
-              <a:solidFill>
-                <a:schemeClr val="tx1"/>
-              </a:solidFill>
-            </a:ln>
-          </p:spPr>
-          <p:style>
-            <a:lnRef idx="2">
-              <a:schemeClr val="accent1">
-                <a:shade val="50000"/>
-              </a:schemeClr>
-            </a:lnRef>
-            <a:fillRef idx="1">
-              <a:schemeClr val="accent1"/>
-            </a:fillRef>
-            <a:effectRef idx="0">
-              <a:schemeClr val="accent1"/>
-            </a:effectRef>
-            <a:fontRef idx="minor">
-              <a:schemeClr val="lt1"/>
-            </a:fontRef>
-          </p:style>
-          <p:txBody>
-            <a:bodyPr wrap="none" lIns="36000" tIns="36000" rIns="36000" bIns="36000" rtlCol="0" anchor="ctr" anchorCtr="0"/>
-            <a:lstStyle/>
-            <a:p>
-              <a:pPr algn="ctr"/>
-              <a:r>
-                <a:rPr lang="zh-CN" altLang="en-US" sz="1600" b="1">
-                  <a:solidFill>
-                    <a:schemeClr val="tx1"/>
-                  </a:solidFill>
-                  <a:latin typeface="微软雅黑" panose="020B0503020204020204" pitchFamily="34" charset="-122"/>
-                  <a:ea typeface="微软雅黑" panose="020B0503020204020204" pitchFamily="34" charset="-122"/>
-                </a:rPr>
-                <a:t>供养表</a:t>
-              </a:r>
-            </a:p>
-          </p:txBody>
-        </p:sp>
-        <p:sp>
-          <p:nvSpPr>
-            <p:cNvPr id="31" name="矩形: 圆角 30">
-              <a:extLst>
-                <a:ext uri="{FF2B5EF4-FFF2-40B4-BE49-F238E27FC236}">
-                  <a16:creationId xmlns:a16="http://schemas.microsoft.com/office/drawing/2014/main" id="{084D6881-0A6D-4ACA-A1AF-5073C16577F2}"/>
-                </a:ext>
-              </a:extLst>
-            </p:cNvPr>
-            <p:cNvSpPr/>
-            <p:nvPr/>
-          </p:nvSpPr>
-          <p:spPr>
-            <a:xfrm>
-              <a:off x="9346563" y="2640946"/>
-              <a:ext cx="1728000" cy="396000"/>
-            </a:xfrm>
-            <a:prstGeom prst="roundRect">
-              <a:avLst/>
-            </a:prstGeom>
-            <a:solidFill>
-              <a:schemeClr val="bg1">
-                <a:lumMod val="95000"/>
-              </a:schemeClr>
-            </a:solidFill>
-            <a:ln>
-              <a:solidFill>
-                <a:schemeClr val="tx1"/>
-              </a:solidFill>
-            </a:ln>
-          </p:spPr>
-          <p:style>
-            <a:lnRef idx="2">
-              <a:schemeClr val="accent1">
-                <a:shade val="50000"/>
-              </a:schemeClr>
-            </a:lnRef>
-            <a:fillRef idx="1">
-              <a:schemeClr val="accent1"/>
-            </a:fillRef>
-            <a:effectRef idx="0">
-              <a:schemeClr val="accent1"/>
-            </a:effectRef>
-            <a:fontRef idx="minor">
-              <a:schemeClr val="lt1"/>
-            </a:fontRef>
-          </p:style>
-          <p:txBody>
-            <a:bodyPr wrap="none" lIns="36000" tIns="36000" rIns="36000" bIns="36000" rtlCol="0" anchor="ctr" anchorCtr="0"/>
-            <a:lstStyle/>
-            <a:p>
-              <a:pPr algn="ctr"/>
-              <a:r>
-                <a:rPr lang="zh-CN" altLang="en-US" sz="1600" b="1">
-                  <a:solidFill>
-                    <a:schemeClr val="tx1"/>
-                  </a:solidFill>
-                  <a:latin typeface="微软雅黑" panose="020B0503020204020204" pitchFamily="34" charset="-122"/>
-                  <a:ea typeface="微软雅黑" panose="020B0503020204020204" pitchFamily="34" charset="-122"/>
-                </a:rPr>
-                <a:t>供养日志表</a:t>
-              </a:r>
-            </a:p>
-          </p:txBody>
-        </p:sp>
-        <p:sp>
-          <p:nvSpPr>
-            <p:cNvPr id="34" name="矩形: 圆角 33">
-              <a:extLst>
-                <a:ext uri="{FF2B5EF4-FFF2-40B4-BE49-F238E27FC236}">
-                  <a16:creationId xmlns:a16="http://schemas.microsoft.com/office/drawing/2014/main" id="{05FCFCE4-9AA2-4DDF-9808-B43AE74FFC92}"/>
-                </a:ext>
-              </a:extLst>
-            </p:cNvPr>
-            <p:cNvSpPr/>
-            <p:nvPr/>
-          </p:nvSpPr>
-          <p:spPr>
-            <a:xfrm>
-              <a:off x="5680501" y="2640946"/>
-              <a:ext cx="1728000" cy="396000"/>
-            </a:xfrm>
-            <a:prstGeom prst="roundRect">
-              <a:avLst/>
-            </a:prstGeom>
-            <a:solidFill>
-              <a:schemeClr val="bg1">
-                <a:lumMod val="95000"/>
-              </a:schemeClr>
-            </a:solidFill>
-            <a:ln>
-              <a:solidFill>
-                <a:schemeClr val="tx1"/>
-              </a:solidFill>
-            </a:ln>
-          </p:spPr>
-          <p:style>
-            <a:lnRef idx="2">
-              <a:schemeClr val="accent1">
-                <a:shade val="50000"/>
-              </a:schemeClr>
-            </a:lnRef>
-            <a:fillRef idx="1">
-              <a:schemeClr val="accent1"/>
-            </a:fillRef>
-            <a:effectRef idx="0">
-              <a:schemeClr val="accent1"/>
-            </a:effectRef>
-            <a:fontRef idx="minor">
-              <a:schemeClr val="lt1"/>
-            </a:fontRef>
-          </p:style>
-          <p:txBody>
-            <a:bodyPr wrap="none" lIns="36000" tIns="36000" rIns="36000" bIns="36000" rtlCol="0" anchor="ctr" anchorCtr="0"/>
-            <a:lstStyle/>
-            <a:p>
-              <a:pPr algn="ctr"/>
-              <a:r>
-                <a:rPr lang="zh-CN" altLang="en-US" sz="1600" b="1">
-                  <a:solidFill>
-                    <a:schemeClr val="tx1"/>
-                  </a:solidFill>
-                  <a:latin typeface="微软雅黑" panose="020B0503020204020204" pitchFamily="34" charset="-122"/>
-                  <a:ea typeface="微软雅黑" panose="020B0503020204020204" pitchFamily="34" charset="-122"/>
-                </a:rPr>
-                <a:t>房间表</a:t>
-              </a:r>
-            </a:p>
-          </p:txBody>
-        </p:sp>
-      </p:grpSp>
-    </p:spTree>
-    <p:extLst>
-      <p:ext uri="{BB962C8B-B14F-4D97-AF65-F5344CB8AC3E}">
-        <p14:creationId xmlns:p14="http://schemas.microsoft.com/office/powerpoint/2010/main" val="1439815563"/>
-      </p:ext>
-    </p:extLst>
-  </p:cSld>
-  <p:clrMapOvr>
-    <a:masterClrMapping/>
-  </p:clrMapOvr>
-</p:sld>
-</file>
-
-<file path=ppt/slides/slide7.xml><?xml version="1.0" encoding="utf-8"?>
-<p:sld xmlns:a="http://schemas.openxmlformats.org/drawingml/2006/main" xmlns:r="http://schemas.openxmlformats.org/officeDocument/2006/relationships" xmlns:p="http://schemas.openxmlformats.org/presentationml/2006/main">
-  <p:cSld>
-    <p:spTree>
-      <p:nvGrpSpPr>
-        <p:cNvPr id="1" name=""/>
-        <p:cNvGrpSpPr/>
-        <p:nvPr/>
-      </p:nvGrpSpPr>
-      <p:grpSpPr>
-        <a:xfrm>
-          <a:off x="0" y="0"/>
-          <a:ext cx="0" cy="0"/>
-          <a:chOff x="0" y="0"/>
-          <a:chExt cx="0" cy="0"/>
-        </a:xfrm>
-      </p:grpSpPr>
-      <p:cxnSp>
-        <p:nvCxnSpPr>
-          <p:cNvPr id="239" name="直接连接符 238">
-            <a:extLst>
-              <a:ext uri="{FF2B5EF4-FFF2-40B4-BE49-F238E27FC236}">
-                <a16:creationId xmlns:a16="http://schemas.microsoft.com/office/drawing/2014/main" id="{05CC9636-A076-48A7-9A94-4E0212BA0C59}"/>
-              </a:ext>
-            </a:extLst>
-          </p:cNvPr>
-          <p:cNvCxnSpPr>
-            <a:cxnSpLocks/>
-          </p:cNvCxnSpPr>
-          <p:nvPr/>
-        </p:nvCxnSpPr>
-        <p:spPr>
-          <a:xfrm flipH="1">
-            <a:off x="433388" y="866051"/>
-            <a:ext cx="11325225" cy="1"/>
-          </a:xfrm>
-          <a:prstGeom prst="line">
-            <a:avLst/>
-          </a:prstGeom>
-          <a:ln w="19050">
-            <a:solidFill>
-              <a:srgbClr val="00576E"/>
-            </a:solidFill>
-          </a:ln>
-          <a:effectLst>
-            <a:outerShdw blurRad="50800" dist="12700" dir="5400000" algn="t" rotWithShape="0">
-              <a:prstClr val="black">
-                <a:alpha val="40000"/>
-              </a:prstClr>
-            </a:outerShdw>
-          </a:effectLst>
-        </p:spPr>
-        <p:style>
-          <a:lnRef idx="2">
-            <a:schemeClr val="accent1"/>
-          </a:lnRef>
-          <a:fillRef idx="0">
-            <a:schemeClr val="accent1"/>
-          </a:fillRef>
-          <a:effectRef idx="1">
-            <a:schemeClr val="accent1"/>
-          </a:effectRef>
-          <a:fontRef idx="minor">
-            <a:schemeClr val="tx1"/>
-          </a:fontRef>
-        </p:style>
-      </p:cxnSp>
-      <p:sp>
-        <p:nvSpPr>
-          <p:cNvPr id="240" name="矩形 239">
-            <a:extLst>
-              <a:ext uri="{FF2B5EF4-FFF2-40B4-BE49-F238E27FC236}">
-                <a16:creationId xmlns:a16="http://schemas.microsoft.com/office/drawing/2014/main" id="{CE6D800A-2E58-40A9-AF4D-2C92406102BA}"/>
-              </a:ext>
-            </a:extLst>
-          </p:cNvPr>
-          <p:cNvSpPr/>
-          <p:nvPr/>
-        </p:nvSpPr>
-        <p:spPr>
-          <a:xfrm>
-            <a:off x="471489" y="209549"/>
-            <a:ext cx="119062" cy="513626"/>
-          </a:xfrm>
-          <a:prstGeom prst="rect">
-            <a:avLst/>
-          </a:prstGeom>
-          <a:solidFill>
-            <a:srgbClr val="00576E"/>
-          </a:solidFill>
-        </p:spPr>
-        <p:style>
-          <a:lnRef idx="2">
-            <a:schemeClr val="accent1">
-              <a:shade val="50000"/>
-            </a:schemeClr>
-          </a:lnRef>
-          <a:fillRef idx="1">
-            <a:schemeClr val="accent1"/>
-          </a:fillRef>
-          <a:effectRef idx="0">
-            <a:schemeClr val="accent1"/>
-          </a:effectRef>
-          <a:fontRef idx="minor">
-            <a:schemeClr val="lt1"/>
-          </a:fontRef>
-        </p:style>
-        <p:txBody>
-          <a:bodyPr rtlCol="0" anchor="ctr"/>
-          <a:lstStyle/>
-          <a:p>
-            <a:pPr algn="ctr"/>
-            <a:endParaRPr lang="zh-CN" altLang="en-US">
-              <a:latin typeface="Consolas" panose="020B0609020204030204" pitchFamily="49" charset="0"/>
-            </a:endParaRPr>
-          </a:p>
-        </p:txBody>
-      </p:sp>
-      <p:sp>
-        <p:nvSpPr>
-          <p:cNvPr id="241" name="文本框 240">
-            <a:extLst>
-              <a:ext uri="{FF2B5EF4-FFF2-40B4-BE49-F238E27FC236}">
-                <a16:creationId xmlns:a16="http://schemas.microsoft.com/office/drawing/2014/main" id="{90ABBAE7-6707-4A6F-819E-32C1CFD4250B}"/>
-              </a:ext>
-            </a:extLst>
-          </p:cNvPr>
-          <p:cNvSpPr txBox="1"/>
-          <p:nvPr/>
-        </p:nvSpPr>
-        <p:spPr>
-          <a:xfrm>
-            <a:off x="712379" y="173975"/>
-            <a:ext cx="1826141" cy="584775"/>
-          </a:xfrm>
-          <a:prstGeom prst="rect">
-            <a:avLst/>
-          </a:prstGeom>
-          <a:noFill/>
-        </p:spPr>
-        <p:txBody>
-          <a:bodyPr wrap="none" rtlCol="0">
-            <a:spAutoFit/>
-          </a:bodyPr>
-          <a:lstStyle/>
-          <a:p>
-            <a:r>
-              <a:rPr lang="zh-CN" altLang="en-US" sz="3200" b="1">
-                <a:latin typeface="Consolas" panose="020B0609020204030204" pitchFamily="49" charset="0"/>
-                <a:ea typeface="微软雅黑" panose="020B0503020204020204" pitchFamily="34" charset="-122"/>
-              </a:rPr>
-              <a:t>查看供养</a:t>
-            </a:r>
-          </a:p>
-        </p:txBody>
-      </p:sp>
-      <p:sp>
-        <p:nvSpPr>
-          <p:cNvPr id="31" name="矩形: 圆角 30">
-            <a:extLst>
-              <a:ext uri="{FF2B5EF4-FFF2-40B4-BE49-F238E27FC236}">
-                <a16:creationId xmlns:a16="http://schemas.microsoft.com/office/drawing/2014/main" id="{660A2151-C6CF-4160-BFCC-2EC5CE7AEA66}"/>
-              </a:ext>
-            </a:extLst>
-          </p:cNvPr>
-          <p:cNvSpPr/>
-          <p:nvPr/>
-        </p:nvSpPr>
-        <p:spPr>
-          <a:xfrm>
-            <a:off x="4577427" y="1517922"/>
-            <a:ext cx="2016000" cy="648000"/>
-          </a:xfrm>
-          <a:prstGeom prst="roundRect">
-            <a:avLst/>
-          </a:prstGeom>
-          <a:solidFill>
-            <a:srgbClr val="00B050"/>
-          </a:solidFill>
-          <a:ln>
-            <a:solidFill>
-              <a:schemeClr val="tx1"/>
-            </a:solidFill>
-          </a:ln>
-        </p:spPr>
-        <p:style>
-          <a:lnRef idx="2">
-            <a:schemeClr val="accent1">
-              <a:shade val="50000"/>
-            </a:schemeClr>
-          </a:lnRef>
-          <a:fillRef idx="1">
-            <a:schemeClr val="accent1"/>
-          </a:fillRef>
-          <a:effectRef idx="0">
-            <a:schemeClr val="accent1"/>
-          </a:effectRef>
-          <a:fontRef idx="minor">
-            <a:schemeClr val="lt1"/>
-          </a:fontRef>
-        </p:style>
-        <p:txBody>
-          <a:bodyPr wrap="none" lIns="36000" tIns="36000" rIns="36000" bIns="36000" rtlCol="0" anchor="ctr" anchorCtr="0"/>
-          <a:lstStyle/>
-          <a:p>
-            <a:pPr algn="ctr"/>
-            <a:r>
-              <a:rPr lang="zh-CN" altLang="en-US" sz="1600" b="1">
-                <a:solidFill>
-                  <a:schemeClr val="tx1"/>
-                </a:solidFill>
-                <a:latin typeface="微软雅黑" panose="020B0503020204020204" pitchFamily="34" charset="-122"/>
-                <a:ea typeface="微软雅黑" panose="020B0503020204020204" pitchFamily="34" charset="-122"/>
-              </a:rPr>
-              <a:t>查看所属</a:t>
-            </a:r>
-            <a:endParaRPr lang="en-US" altLang="zh-CN" sz="1600" b="1">
-              <a:solidFill>
-                <a:schemeClr val="tx1"/>
-              </a:solidFill>
-              <a:latin typeface="微软雅黑" panose="020B0503020204020204" pitchFamily="34" charset="-122"/>
-              <a:ea typeface="微软雅黑" panose="020B0503020204020204" pitchFamily="34" charset="-122"/>
-            </a:endParaRPr>
-          </a:p>
-          <a:p>
-            <a:pPr algn="ctr"/>
-            <a:r>
-              <a:rPr lang="en-US" altLang="zh-CN" sz="1600" b="1">
-                <a:solidFill>
-                  <a:schemeClr val="tx1"/>
-                </a:solidFill>
-                <a:latin typeface="微软雅黑" panose="020B0503020204020204" pitchFamily="34" charset="-122"/>
-                <a:ea typeface="微软雅黑" panose="020B0503020204020204" pitchFamily="34" charset="-122"/>
-              </a:rPr>
-              <a:t>list_fend</a:t>
-            </a:r>
-            <a:endParaRPr lang="zh-CN" altLang="en-US" sz="1600" b="1">
-              <a:solidFill>
-                <a:schemeClr val="tx1"/>
-              </a:solidFill>
-              <a:latin typeface="微软雅黑" panose="020B0503020204020204" pitchFamily="34" charset="-122"/>
-              <a:ea typeface="微软雅黑" panose="020B0503020204020204" pitchFamily="34" charset="-122"/>
-            </a:endParaRPr>
-          </a:p>
-        </p:txBody>
-      </p:sp>
-      <p:cxnSp>
-        <p:nvCxnSpPr>
-          <p:cNvPr id="32" name="直接箭头连接符 31">
-            <a:extLst>
-              <a:ext uri="{FF2B5EF4-FFF2-40B4-BE49-F238E27FC236}">
-                <a16:creationId xmlns:a16="http://schemas.microsoft.com/office/drawing/2014/main" id="{B82C067B-7374-4701-9A79-6EA63A8CA017}"/>
-              </a:ext>
-            </a:extLst>
-          </p:cNvPr>
-          <p:cNvCxnSpPr>
-            <a:cxnSpLocks/>
-            <a:stCxn id="54" idx="3"/>
-            <a:endCxn id="31" idx="1"/>
-          </p:cNvCxnSpPr>
-          <p:nvPr/>
-        </p:nvCxnSpPr>
-        <p:spPr>
-          <a:xfrm flipV="1">
-            <a:off x="3153747" y="1841922"/>
-            <a:ext cx="1423680" cy="1"/>
-          </a:xfrm>
-          <a:prstGeom prst="straightConnector1">
-            <a:avLst/>
-          </a:prstGeom>
-          <a:ln w="31750">
-            <a:solidFill>
-              <a:schemeClr val="tx1"/>
-            </a:solidFill>
-            <a:tailEnd type="triangle"/>
-          </a:ln>
-        </p:spPr>
-        <p:style>
-          <a:lnRef idx="1">
-            <a:schemeClr val="accent1"/>
-          </a:lnRef>
-          <a:fillRef idx="0">
-            <a:schemeClr val="accent1"/>
-          </a:fillRef>
-          <a:effectRef idx="0">
-            <a:schemeClr val="accent1"/>
-          </a:effectRef>
-          <a:fontRef idx="minor">
-            <a:schemeClr val="tx1"/>
-          </a:fontRef>
-        </p:style>
-      </p:cxnSp>
-      <p:cxnSp>
-        <p:nvCxnSpPr>
-          <p:cNvPr id="33" name="直接箭头连接符 32">
-            <a:extLst>
-              <a:ext uri="{FF2B5EF4-FFF2-40B4-BE49-F238E27FC236}">
-                <a16:creationId xmlns:a16="http://schemas.microsoft.com/office/drawing/2014/main" id="{58E08BC5-EE84-4408-A98A-E6E7AF69211F}"/>
-              </a:ext>
-            </a:extLst>
-          </p:cNvPr>
-          <p:cNvCxnSpPr>
-            <a:cxnSpLocks/>
-            <a:stCxn id="34" idx="1"/>
-            <a:endCxn id="31" idx="3"/>
-          </p:cNvCxnSpPr>
-          <p:nvPr/>
-        </p:nvCxnSpPr>
-        <p:spPr>
-          <a:xfrm flipH="1" flipV="1">
-            <a:off x="6593427" y="1841922"/>
-            <a:ext cx="1672790" cy="565048"/>
-          </a:xfrm>
-          <a:prstGeom prst="straightConnector1">
-            <a:avLst/>
-          </a:prstGeom>
-          <a:ln w="57150">
-            <a:solidFill>
-              <a:srgbClr val="FF0000"/>
-            </a:solidFill>
-            <a:tailEnd type="triangle"/>
-          </a:ln>
-        </p:spPr>
-        <p:style>
-          <a:lnRef idx="1">
-            <a:schemeClr val="accent1"/>
-          </a:lnRef>
-          <a:fillRef idx="0">
-            <a:schemeClr val="accent1"/>
-          </a:fillRef>
-          <a:effectRef idx="0">
-            <a:schemeClr val="accent1"/>
-          </a:effectRef>
-          <a:fontRef idx="minor">
-            <a:schemeClr val="tx1"/>
-          </a:fontRef>
-        </p:style>
-      </p:cxnSp>
-      <p:sp>
-        <p:nvSpPr>
-          <p:cNvPr id="34" name="矩形: 圆角 33">
-            <a:extLst>
-              <a:ext uri="{FF2B5EF4-FFF2-40B4-BE49-F238E27FC236}">
-                <a16:creationId xmlns:a16="http://schemas.microsoft.com/office/drawing/2014/main" id="{FDEB67CB-24DC-4E9D-A268-110868ACA519}"/>
-              </a:ext>
-            </a:extLst>
-          </p:cNvPr>
-          <p:cNvSpPr/>
-          <p:nvPr/>
-        </p:nvSpPr>
-        <p:spPr>
-          <a:xfrm>
-            <a:off x="8266217" y="2190970"/>
+            <a:off x="8266217" y="4355436"/>
             <a:ext cx="1728000" cy="432000"/>
           </a:xfrm>
           <a:prstGeom prst="roundRect">
@@ -9860,17 +8084,17 @@
                 <a:latin typeface="微软雅黑" panose="020B0503020204020204" pitchFamily="34" charset="-122"/>
                 <a:ea typeface="微软雅黑" panose="020B0503020204020204" pitchFamily="34" charset="-122"/>
               </a:rPr>
-              <a:t>供养表</a:t>
+              <a:t>专辑表</a:t>
             </a:r>
           </a:p>
         </p:txBody>
       </p:sp>
       <p:sp>
         <p:nvSpPr>
-          <p:cNvPr id="35" name="矩形: 圆角 34">
-            <a:extLst>
-              <a:ext uri="{FF2B5EF4-FFF2-40B4-BE49-F238E27FC236}">
-                <a16:creationId xmlns:a16="http://schemas.microsoft.com/office/drawing/2014/main" id="{85691717-49F8-4DCD-A73E-DE7ED8ED8C1D}"/>
+          <p:cNvPr id="44" name="矩形: 圆角 43">
+            <a:extLst>
+              <a:ext uri="{FF2B5EF4-FFF2-40B4-BE49-F238E27FC236}">
+                <a16:creationId xmlns:a16="http://schemas.microsoft.com/office/drawing/2014/main" id="{C809D448-1885-49B0-A837-7285742D2987}"/>
               </a:ext>
             </a:extLst>
           </p:cNvPr>
@@ -9879,7 +8103,7 @@
         </p:nvSpPr>
         <p:spPr>
           <a:xfrm>
-            <a:off x="4577427" y="2553996"/>
+            <a:off x="4577427" y="4718462"/>
             <a:ext cx="2016000" cy="648000"/>
           </a:xfrm>
           <a:prstGeom prst="roundRect">
@@ -9943,7 +8167,7 @@
                 <a:latin typeface="微软雅黑" panose="020B0503020204020204" pitchFamily="34" charset="-122"/>
                 <a:ea typeface="微软雅黑" panose="020B0503020204020204" pitchFamily="34" charset="-122"/>
               </a:rPr>
-              <a:t>list_fend</a:t>
+              <a:t>list_album</a:t>
             </a:r>
             <a:endParaRPr lang="zh-CN" altLang="en-US" sz="1600" b="1">
               <a:solidFill>
@@ -9957,23 +8181,23 @@
       </p:sp>
       <p:cxnSp>
         <p:nvCxnSpPr>
-          <p:cNvPr id="36" name="直接箭头连接符 35">
-            <a:extLst>
-              <a:ext uri="{FF2B5EF4-FFF2-40B4-BE49-F238E27FC236}">
-                <a16:creationId xmlns:a16="http://schemas.microsoft.com/office/drawing/2014/main" id="{B96120E3-9832-49C9-BB43-AD826A7CB0DB}"/>
+          <p:cNvPr id="45" name="直接箭头连接符 44">
+            <a:extLst>
+              <a:ext uri="{FF2B5EF4-FFF2-40B4-BE49-F238E27FC236}">
+                <a16:creationId xmlns:a16="http://schemas.microsoft.com/office/drawing/2014/main" id="{B8A010D7-7214-4441-9011-8BF8A292DAF7}"/>
               </a:ext>
             </a:extLst>
           </p:cNvPr>
           <p:cNvCxnSpPr>
             <a:cxnSpLocks/>
-            <a:stCxn id="59" idx="3"/>
-            <a:endCxn id="35" idx="1"/>
+            <a:stCxn id="66" idx="3"/>
+            <a:endCxn id="44" idx="1"/>
           </p:cNvCxnSpPr>
           <p:nvPr/>
         </p:nvCxnSpPr>
         <p:spPr>
           <a:xfrm>
-            <a:off x="3153747" y="2877996"/>
+            <a:off x="3153747" y="5042462"/>
             <a:ext cx="1423680" cy="0"/>
           </a:xfrm>
           <a:prstGeom prst="straightConnector1">
@@ -10003,23 +8227,23 @@
       </p:cxnSp>
       <p:cxnSp>
         <p:nvCxnSpPr>
-          <p:cNvPr id="37" name="直接箭头连接符 36">
-            <a:extLst>
-              <a:ext uri="{FF2B5EF4-FFF2-40B4-BE49-F238E27FC236}">
-                <a16:creationId xmlns:a16="http://schemas.microsoft.com/office/drawing/2014/main" id="{49EC6BC8-5FEF-4DF2-93B8-4CE5063D2B07}"/>
+          <p:cNvPr id="46" name="直接箭头连接符 45">
+            <a:extLst>
+              <a:ext uri="{FF2B5EF4-FFF2-40B4-BE49-F238E27FC236}">
+                <a16:creationId xmlns:a16="http://schemas.microsoft.com/office/drawing/2014/main" id="{90902F97-1F8C-4123-A6F5-F5542E47C41B}"/>
               </a:ext>
             </a:extLst>
           </p:cNvPr>
           <p:cNvCxnSpPr>
             <a:cxnSpLocks/>
-            <a:stCxn id="34" idx="1"/>
-            <a:endCxn id="35" idx="3"/>
+            <a:stCxn id="43" idx="1"/>
+            <a:endCxn id="44" idx="3"/>
           </p:cNvCxnSpPr>
           <p:nvPr/>
         </p:nvCxnSpPr>
         <p:spPr>
           <a:xfrm flipH="1">
-            <a:off x="6593427" y="2406970"/>
+            <a:off x="6593427" y="4571436"/>
             <a:ext cx="1672790" cy="471026"/>
           </a:xfrm>
           <a:prstGeom prst="straightConnector1">
@@ -10049,10 +8273,10 @@
       </p:cxnSp>
       <p:grpSp>
         <p:nvGrpSpPr>
-          <p:cNvPr id="41" name="组合 40">
-            <a:extLst>
-              <a:ext uri="{FF2B5EF4-FFF2-40B4-BE49-F238E27FC236}">
-                <a16:creationId xmlns:a16="http://schemas.microsoft.com/office/drawing/2014/main" id="{5F4FB86C-B9F9-4699-AEBD-5D6A399EFF85}"/>
+          <p:cNvPr id="47" name="组合 46">
+            <a:extLst>
+              <a:ext uri="{FF2B5EF4-FFF2-40B4-BE49-F238E27FC236}">
+                <a16:creationId xmlns:a16="http://schemas.microsoft.com/office/drawing/2014/main" id="{A7BD0021-6EB3-464D-8FA1-6E954E6E7DA2}"/>
               </a:ext>
             </a:extLst>
           </p:cNvPr>
@@ -10061,7 +8285,7 @@
         </p:nvGrpSpPr>
         <p:grpSpPr>
           <a:xfrm>
-            <a:off x="698519" y="1287072"/>
+            <a:off x="698519" y="1336611"/>
             <a:ext cx="2455228" cy="1109701"/>
             <a:chOff x="698519" y="1336611"/>
             <a:chExt cx="2455228" cy="1109701"/>
@@ -10069,10 +8293,10 @@
         </p:grpSpPr>
         <p:sp>
           <p:nvSpPr>
-            <p:cNvPr id="43" name="矩形: 圆角 42">
+            <p:cNvPr id="48" name="矩形: 圆角 47">
               <a:extLst>
                 <a:ext uri="{FF2B5EF4-FFF2-40B4-BE49-F238E27FC236}">
-                  <a16:creationId xmlns:a16="http://schemas.microsoft.com/office/drawing/2014/main" id="{AEA499BE-9B89-4058-82E1-F66F3D958178}"/>
+                  <a16:creationId xmlns:a16="http://schemas.microsoft.com/office/drawing/2014/main" id="{3F7F14EC-36EF-45B1-A21D-8FF54BDAC845}"/>
                 </a:ext>
               </a:extLst>
             </p:cNvPr>
@@ -10132,10 +8356,10 @@
         </p:sp>
         <p:sp>
           <p:nvSpPr>
-            <p:cNvPr id="47" name="矩形: 圆角 46">
+            <p:cNvPr id="49" name="矩形: 圆角 48">
               <a:extLst>
                 <a:ext uri="{FF2B5EF4-FFF2-40B4-BE49-F238E27FC236}">
-                  <a16:creationId xmlns:a16="http://schemas.microsoft.com/office/drawing/2014/main" id="{25C11813-5237-418A-AB86-7A8760C336BB}"/>
+                  <a16:creationId xmlns:a16="http://schemas.microsoft.com/office/drawing/2014/main" id="{77EF38F4-6F2C-4E67-AF71-C992FB799014}"/>
                 </a:ext>
               </a:extLst>
             </p:cNvPr>
@@ -10195,10 +8419,10 @@
         </p:sp>
         <p:sp>
           <p:nvSpPr>
-            <p:cNvPr id="53" name="矩形: 圆角 52">
+            <p:cNvPr id="50" name="矩形: 圆角 49">
               <a:extLst>
                 <a:ext uri="{FF2B5EF4-FFF2-40B4-BE49-F238E27FC236}">
-                  <a16:creationId xmlns:a16="http://schemas.microsoft.com/office/drawing/2014/main" id="{E56C7496-4EEF-4BB6-AB59-5E0C39C7866A}"/>
+                  <a16:creationId xmlns:a16="http://schemas.microsoft.com/office/drawing/2014/main" id="{8601656A-D56A-48D0-BCA1-231D2CC52386}"/>
                 </a:ext>
               </a:extLst>
             </p:cNvPr>
@@ -10258,10 +8482,341 @@
         </p:sp>
         <p:sp>
           <p:nvSpPr>
-            <p:cNvPr id="54" name="矩形: 圆角 53">
+            <p:cNvPr id="51" name="矩形: 圆角 50">
               <a:extLst>
                 <a:ext uri="{FF2B5EF4-FFF2-40B4-BE49-F238E27FC236}">
-                  <a16:creationId xmlns:a16="http://schemas.microsoft.com/office/drawing/2014/main" id="{0D769322-6190-49EA-906C-0971646533D7}"/>
+                  <a16:creationId xmlns:a16="http://schemas.microsoft.com/office/drawing/2014/main" id="{7C30700D-75DB-446A-B241-E65387FC6ACD}"/>
+                </a:ext>
+              </a:extLst>
+            </p:cNvPr>
+            <p:cNvSpPr/>
+            <p:nvPr/>
+          </p:nvSpPr>
+          <p:spPr>
+            <a:xfrm>
+              <a:off x="698519" y="1336611"/>
+              <a:ext cx="2455228" cy="1109701"/>
+            </a:xfrm>
+            <a:prstGeom prst="roundRect">
+              <a:avLst>
+                <a:gd name="adj" fmla="val 5494"/>
+              </a:avLst>
+            </a:prstGeom>
+            <a:noFill/>
+            <a:ln>
+              <a:solidFill>
+                <a:schemeClr val="tx2"/>
+              </a:solidFill>
+              <a:prstDash val="dash"/>
+            </a:ln>
+          </p:spPr>
+          <p:style>
+            <a:lnRef idx="2">
+              <a:schemeClr val="accent1">
+                <a:shade val="50000"/>
+              </a:schemeClr>
+            </a:lnRef>
+            <a:fillRef idx="1">
+              <a:schemeClr val="accent1"/>
+            </a:fillRef>
+            <a:effectRef idx="0">
+              <a:schemeClr val="accent1"/>
+            </a:effectRef>
+            <a:fontRef idx="minor">
+              <a:schemeClr val="lt1"/>
+            </a:fontRef>
+          </p:style>
+          <p:txBody>
+            <a:bodyPr rtlCol="0" anchor="ctr"/>
+            <a:lstStyle/>
+            <a:p>
+              <a:pPr algn="ctr"/>
+              <a:endParaRPr lang="zh-CN" altLang="en-US" sz="1600">
+                <a:latin typeface="微软雅黑" panose="020B0503020204020204" pitchFamily="34" charset="-122"/>
+                <a:ea typeface="微软雅黑" panose="020B0503020204020204" pitchFamily="34" charset="-122"/>
+              </a:endParaRPr>
+            </a:p>
+          </p:txBody>
+        </p:sp>
+        <p:sp>
+          <p:nvSpPr>
+            <p:cNvPr id="52" name="矩形: 圆角 51">
+              <a:extLst>
+                <a:ext uri="{FF2B5EF4-FFF2-40B4-BE49-F238E27FC236}">
+                  <a16:creationId xmlns:a16="http://schemas.microsoft.com/office/drawing/2014/main" id="{5427BB70-D8A7-485C-8199-73C8EB104098}"/>
+                </a:ext>
+              </a:extLst>
+            </p:cNvPr>
+            <p:cNvSpPr/>
+            <p:nvPr/>
+          </p:nvSpPr>
+          <p:spPr>
+            <a:xfrm>
+              <a:off x="1993026" y="1924988"/>
+              <a:ext cx="1080000" cy="432000"/>
+            </a:xfrm>
+            <a:prstGeom prst="roundRect">
+              <a:avLst/>
+            </a:prstGeom>
+            <a:solidFill>
+              <a:srgbClr val="00B0F0"/>
+            </a:solidFill>
+            <a:ln>
+              <a:solidFill>
+                <a:schemeClr val="tx1"/>
+              </a:solidFill>
+            </a:ln>
+          </p:spPr>
+          <p:style>
+            <a:lnRef idx="2">
+              <a:schemeClr val="accent1">
+                <a:shade val="50000"/>
+              </a:schemeClr>
+            </a:lnRef>
+            <a:fillRef idx="1">
+              <a:schemeClr val="accent1"/>
+            </a:fillRef>
+            <a:effectRef idx="0">
+              <a:schemeClr val="accent1"/>
+            </a:effectRef>
+            <a:fontRef idx="minor">
+              <a:schemeClr val="lt1"/>
+            </a:fontRef>
+          </p:style>
+          <p:txBody>
+            <a:bodyPr wrap="none" lIns="36000" tIns="36000" rIns="36000" bIns="36000" rtlCol="0" anchor="ctr" anchorCtr="0"/>
+            <a:lstStyle/>
+            <a:p>
+              <a:pPr algn="ctr"/>
+              <a:r>
+                <a:rPr lang="zh-CN" altLang="en-US" sz="1600" b="1">
+                  <a:solidFill>
+                    <a:schemeClr val="tx1"/>
+                  </a:solidFill>
+                  <a:latin typeface="微软雅黑" panose="020B0503020204020204" pitchFamily="34" charset="-122"/>
+                  <a:ea typeface="微软雅黑" panose="020B0503020204020204" pitchFamily="34" charset="-122"/>
+                </a:rPr>
+                <a:t>基金会会员</a:t>
+              </a:r>
+            </a:p>
+          </p:txBody>
+        </p:sp>
+      </p:grpSp>
+      <p:grpSp>
+        <p:nvGrpSpPr>
+          <p:cNvPr id="58" name="组合 57">
+            <a:extLst>
+              <a:ext uri="{FF2B5EF4-FFF2-40B4-BE49-F238E27FC236}">
+                <a16:creationId xmlns:a16="http://schemas.microsoft.com/office/drawing/2014/main" id="{A728BAC6-86AD-4A6B-9462-F0FDA894B740}"/>
+              </a:ext>
+            </a:extLst>
+          </p:cNvPr>
+          <p:cNvGrpSpPr/>
+          <p:nvPr/>
+        </p:nvGrpSpPr>
+        <p:grpSpPr>
+          <a:xfrm>
+            <a:off x="698519" y="3451538"/>
+            <a:ext cx="2455228" cy="1109701"/>
+            <a:chOff x="698519" y="1336611"/>
+            <a:chExt cx="2455228" cy="1109701"/>
+          </a:xfrm>
+        </p:grpSpPr>
+        <p:sp>
+          <p:nvSpPr>
+            <p:cNvPr id="59" name="矩形: 圆角 58">
+              <a:extLst>
+                <a:ext uri="{FF2B5EF4-FFF2-40B4-BE49-F238E27FC236}">
+                  <a16:creationId xmlns:a16="http://schemas.microsoft.com/office/drawing/2014/main" id="{2C72697F-3EDA-427F-9535-7C0B9C3E733E}"/>
+                </a:ext>
+              </a:extLst>
+            </p:cNvPr>
+            <p:cNvSpPr/>
+            <p:nvPr/>
+          </p:nvSpPr>
+          <p:spPr>
+            <a:xfrm>
+              <a:off x="807142" y="1414209"/>
+              <a:ext cx="1080000" cy="432000"/>
+            </a:xfrm>
+            <a:prstGeom prst="roundRect">
+              <a:avLst/>
+            </a:prstGeom>
+            <a:solidFill>
+              <a:srgbClr val="00B0F0"/>
+            </a:solidFill>
+            <a:ln>
+              <a:solidFill>
+                <a:schemeClr val="tx1"/>
+              </a:solidFill>
+            </a:ln>
+          </p:spPr>
+          <p:style>
+            <a:lnRef idx="2">
+              <a:schemeClr val="accent1">
+                <a:shade val="50000"/>
+              </a:schemeClr>
+            </a:lnRef>
+            <a:fillRef idx="1">
+              <a:schemeClr val="accent1"/>
+            </a:fillRef>
+            <a:effectRef idx="0">
+              <a:schemeClr val="accent1"/>
+            </a:effectRef>
+            <a:fontRef idx="minor">
+              <a:schemeClr val="lt1"/>
+            </a:fontRef>
+          </p:style>
+          <p:txBody>
+            <a:bodyPr wrap="none" lIns="36000" tIns="36000" rIns="36000" bIns="36000" rtlCol="0" anchor="ctr" anchorCtr="0"/>
+            <a:lstStyle/>
+            <a:p>
+              <a:pPr algn="ctr"/>
+              <a:r>
+                <a:rPr lang="zh-CN" altLang="en-US" sz="1600" b="1">
+                  <a:solidFill>
+                    <a:schemeClr val="tx1"/>
+                  </a:solidFill>
+                  <a:latin typeface="微软雅黑" panose="020B0503020204020204" pitchFamily="34" charset="-122"/>
+                  <a:ea typeface="微软雅黑" panose="020B0503020204020204" pitchFamily="34" charset="-122"/>
+                </a:rPr>
+                <a:t>法师</a:t>
+              </a:r>
+            </a:p>
+          </p:txBody>
+        </p:sp>
+        <p:sp>
+          <p:nvSpPr>
+            <p:cNvPr id="60" name="矩形: 圆角 59">
+              <a:extLst>
+                <a:ext uri="{FF2B5EF4-FFF2-40B4-BE49-F238E27FC236}">
+                  <a16:creationId xmlns:a16="http://schemas.microsoft.com/office/drawing/2014/main" id="{3F7A6C10-3C5D-40A3-BBCF-1FFA4E02DEE8}"/>
+                </a:ext>
+              </a:extLst>
+            </p:cNvPr>
+            <p:cNvSpPr/>
+            <p:nvPr/>
+          </p:nvSpPr>
+          <p:spPr>
+            <a:xfrm>
+              <a:off x="1993026" y="1414209"/>
+              <a:ext cx="1080000" cy="432000"/>
+            </a:xfrm>
+            <a:prstGeom prst="roundRect">
+              <a:avLst/>
+            </a:prstGeom>
+            <a:solidFill>
+              <a:srgbClr val="00B0F0"/>
+            </a:solidFill>
+            <a:ln>
+              <a:solidFill>
+                <a:schemeClr val="tx1"/>
+              </a:solidFill>
+            </a:ln>
+          </p:spPr>
+          <p:style>
+            <a:lnRef idx="2">
+              <a:schemeClr val="accent1">
+                <a:shade val="50000"/>
+              </a:schemeClr>
+            </a:lnRef>
+            <a:fillRef idx="1">
+              <a:schemeClr val="accent1"/>
+            </a:fillRef>
+            <a:effectRef idx="0">
+              <a:schemeClr val="accent1"/>
+            </a:effectRef>
+            <a:fontRef idx="minor">
+              <a:schemeClr val="lt1"/>
+            </a:fontRef>
+          </p:style>
+          <p:txBody>
+            <a:bodyPr wrap="none" lIns="36000" tIns="36000" rIns="36000" bIns="36000" rtlCol="0" anchor="ctr" anchorCtr="0"/>
+            <a:lstStyle/>
+            <a:p>
+              <a:pPr algn="ctr"/>
+              <a:r>
+                <a:rPr lang="zh-CN" altLang="en-US" sz="1600" b="1">
+                  <a:solidFill>
+                    <a:schemeClr val="tx1"/>
+                  </a:solidFill>
+                  <a:latin typeface="微软雅黑" panose="020B0503020204020204" pitchFamily="34" charset="-122"/>
+                  <a:ea typeface="微软雅黑" panose="020B0503020204020204" pitchFamily="34" charset="-122"/>
+                </a:rPr>
+                <a:t>寺院</a:t>
+              </a:r>
+            </a:p>
+          </p:txBody>
+        </p:sp>
+        <p:sp>
+          <p:nvSpPr>
+            <p:cNvPr id="61" name="矩形: 圆角 60">
+              <a:extLst>
+                <a:ext uri="{FF2B5EF4-FFF2-40B4-BE49-F238E27FC236}">
+                  <a16:creationId xmlns:a16="http://schemas.microsoft.com/office/drawing/2014/main" id="{473EDE29-DA1E-4A62-B111-950035E065D7}"/>
+                </a:ext>
+              </a:extLst>
+            </p:cNvPr>
+            <p:cNvSpPr/>
+            <p:nvPr/>
+          </p:nvSpPr>
+          <p:spPr>
+            <a:xfrm>
+              <a:off x="807142" y="1924988"/>
+              <a:ext cx="1080000" cy="432000"/>
+            </a:xfrm>
+            <a:prstGeom prst="roundRect">
+              <a:avLst/>
+            </a:prstGeom>
+            <a:solidFill>
+              <a:srgbClr val="00B0F0"/>
+            </a:solidFill>
+            <a:ln>
+              <a:solidFill>
+                <a:schemeClr val="tx1"/>
+              </a:solidFill>
+            </a:ln>
+          </p:spPr>
+          <p:style>
+            <a:lnRef idx="2">
+              <a:schemeClr val="accent1">
+                <a:shade val="50000"/>
+              </a:schemeClr>
+            </a:lnRef>
+            <a:fillRef idx="1">
+              <a:schemeClr val="accent1"/>
+            </a:fillRef>
+            <a:effectRef idx="0">
+              <a:schemeClr val="accent1"/>
+            </a:effectRef>
+            <a:fontRef idx="minor">
+              <a:schemeClr val="lt1"/>
+            </a:fontRef>
+          </p:style>
+          <p:txBody>
+            <a:bodyPr wrap="none" lIns="36000" tIns="36000" rIns="36000" bIns="36000" rtlCol="0" anchor="ctr" anchorCtr="0"/>
+            <a:lstStyle/>
+            <a:p>
+              <a:pPr algn="ctr"/>
+              <a:r>
+                <a:rPr lang="zh-CN" altLang="en-US" sz="1600" b="1">
+                  <a:solidFill>
+                    <a:schemeClr val="tx1"/>
+                  </a:solidFill>
+                  <a:latin typeface="微软雅黑" panose="020B0503020204020204" pitchFamily="34" charset="-122"/>
+                  <a:ea typeface="微软雅黑" panose="020B0503020204020204" pitchFamily="34" charset="-122"/>
+                </a:rPr>
+                <a:t>认证用户</a:t>
+              </a:r>
+            </a:p>
+          </p:txBody>
+        </p:sp>
+        <p:sp>
+          <p:nvSpPr>
+            <p:cNvPr id="62" name="矩形: 圆角 61">
+              <a:extLst>
+                <a:ext uri="{FF2B5EF4-FFF2-40B4-BE49-F238E27FC236}">
+                  <a16:creationId xmlns:a16="http://schemas.microsoft.com/office/drawing/2014/main" id="{8E3F59B0-BCFB-43F0-A194-C08507213650}"/>
                 </a:ext>
               </a:extLst>
             </p:cNvPr>
@@ -10317,10 +8872,10 @@
       </p:grpSp>
       <p:grpSp>
         <p:nvGrpSpPr>
-          <p:cNvPr id="55" name="组合 54">
-            <a:extLst>
-              <a:ext uri="{FF2B5EF4-FFF2-40B4-BE49-F238E27FC236}">
-                <a16:creationId xmlns:a16="http://schemas.microsoft.com/office/drawing/2014/main" id="{126FB507-DAE9-4EA8-9F91-DE2AD29AD66E}"/>
+          <p:cNvPr id="63" name="组合 62">
+            <a:extLst>
+              <a:ext uri="{FF2B5EF4-FFF2-40B4-BE49-F238E27FC236}">
+                <a16:creationId xmlns:a16="http://schemas.microsoft.com/office/drawing/2014/main" id="{E0E3DE36-8DF7-4CB0-B5FE-AD7C63532CE0}"/>
               </a:ext>
             </a:extLst>
           </p:cNvPr>
@@ -10329,7 +8884,7 @@
         </p:nvGrpSpPr>
         <p:grpSpPr>
           <a:xfrm>
-            <a:off x="698519" y="2586414"/>
+            <a:off x="698519" y="4750880"/>
             <a:ext cx="2455228" cy="583164"/>
             <a:chOff x="838244" y="4426880"/>
             <a:chExt cx="2455228" cy="583164"/>
@@ -10337,10 +8892,10 @@
         </p:grpSpPr>
         <p:sp>
           <p:nvSpPr>
-            <p:cNvPr id="56" name="矩形: 圆角 55">
+            <p:cNvPr id="64" name="矩形: 圆角 63">
               <a:extLst>
                 <a:ext uri="{FF2B5EF4-FFF2-40B4-BE49-F238E27FC236}">
-                  <a16:creationId xmlns:a16="http://schemas.microsoft.com/office/drawing/2014/main" id="{C619C35B-22ED-4A11-9311-4A778D3D296C}"/>
+                  <a16:creationId xmlns:a16="http://schemas.microsoft.com/office/drawing/2014/main" id="{1BDDAAE4-8F29-4BEB-A31E-1E60E68B90A9}"/>
                 </a:ext>
               </a:extLst>
             </p:cNvPr>
@@ -10400,10 +8955,10 @@
         </p:sp>
         <p:sp>
           <p:nvSpPr>
-            <p:cNvPr id="57" name="矩形: 圆角 56">
+            <p:cNvPr id="65" name="矩形: 圆角 64">
               <a:extLst>
                 <a:ext uri="{FF2B5EF4-FFF2-40B4-BE49-F238E27FC236}">
-                  <a16:creationId xmlns:a16="http://schemas.microsoft.com/office/drawing/2014/main" id="{CCEEA80E-CE9D-4984-B6B8-DEAD36A1AD29}"/>
+                  <a16:creationId xmlns:a16="http://schemas.microsoft.com/office/drawing/2014/main" id="{1CC76CB4-B398-4098-AA0A-37C91291149A}"/>
                 </a:ext>
               </a:extLst>
             </p:cNvPr>
@@ -10463,912 +9018,10 @@
         </p:sp>
         <p:sp>
           <p:nvSpPr>
-            <p:cNvPr id="59" name="矩形: 圆角 58">
+            <p:cNvPr id="66" name="矩形: 圆角 65">
               <a:extLst>
                 <a:ext uri="{FF2B5EF4-FFF2-40B4-BE49-F238E27FC236}">
-                  <a16:creationId xmlns:a16="http://schemas.microsoft.com/office/drawing/2014/main" id="{DE17C4B4-CA12-420C-8214-6710B02CDF4C}"/>
-                </a:ext>
-              </a:extLst>
-            </p:cNvPr>
-            <p:cNvSpPr/>
-            <p:nvPr/>
-          </p:nvSpPr>
-          <p:spPr>
-            <a:xfrm>
-              <a:off x="838244" y="4426880"/>
-              <a:ext cx="2455228" cy="583164"/>
-            </a:xfrm>
-            <a:prstGeom prst="roundRect">
-              <a:avLst>
-                <a:gd name="adj" fmla="val 5494"/>
-              </a:avLst>
-            </a:prstGeom>
-            <a:noFill/>
-            <a:ln>
-              <a:solidFill>
-                <a:schemeClr val="tx2"/>
-              </a:solidFill>
-              <a:prstDash val="dash"/>
-            </a:ln>
-          </p:spPr>
-          <p:style>
-            <a:lnRef idx="2">
-              <a:schemeClr val="accent1">
-                <a:shade val="50000"/>
-              </a:schemeClr>
-            </a:lnRef>
-            <a:fillRef idx="1">
-              <a:schemeClr val="accent1"/>
-            </a:fillRef>
-            <a:effectRef idx="0">
-              <a:schemeClr val="accent1"/>
-            </a:effectRef>
-            <a:fontRef idx="minor">
-              <a:schemeClr val="lt1"/>
-            </a:fontRef>
-          </p:style>
-          <p:txBody>
-            <a:bodyPr rtlCol="0" anchor="ctr"/>
-            <a:lstStyle/>
-            <a:p>
-              <a:pPr algn="ctr"/>
-              <a:endParaRPr lang="zh-CN" altLang="en-US" sz="1600">
-                <a:latin typeface="微软雅黑" panose="020B0503020204020204" pitchFamily="34" charset="-122"/>
-                <a:ea typeface="微软雅黑" panose="020B0503020204020204" pitchFamily="34" charset="-122"/>
-              </a:endParaRPr>
-            </a:p>
-          </p:txBody>
-        </p:sp>
-      </p:grpSp>
-      <p:sp>
-        <p:nvSpPr>
-          <p:cNvPr id="105" name="矩形: 圆角 104">
-            <a:extLst>
-              <a:ext uri="{FF2B5EF4-FFF2-40B4-BE49-F238E27FC236}">
-                <a16:creationId xmlns:a16="http://schemas.microsoft.com/office/drawing/2014/main" id="{6B36EFC8-FC0D-4DCC-A62C-018AEE452084}"/>
-              </a:ext>
-            </a:extLst>
-          </p:cNvPr>
-          <p:cNvSpPr/>
-          <p:nvPr/>
-        </p:nvSpPr>
-        <p:spPr>
-          <a:xfrm>
-            <a:off x="4567777" y="4170453"/>
-            <a:ext cx="2016000" cy="648000"/>
-          </a:xfrm>
-          <a:prstGeom prst="roundRect">
-            <a:avLst/>
-          </a:prstGeom>
-          <a:solidFill>
-            <a:srgbClr val="00B050"/>
-          </a:solidFill>
-          <a:ln>
-            <a:solidFill>
-              <a:schemeClr val="tx1"/>
-            </a:solidFill>
-          </a:ln>
-        </p:spPr>
-        <p:style>
-          <a:lnRef idx="2">
-            <a:schemeClr val="accent1">
-              <a:shade val="50000"/>
-            </a:schemeClr>
-          </a:lnRef>
-          <a:fillRef idx="1">
-            <a:schemeClr val="accent1"/>
-          </a:fillRef>
-          <a:effectRef idx="0">
-            <a:schemeClr val="accent1"/>
-          </a:effectRef>
-          <a:fontRef idx="minor">
-            <a:schemeClr val="lt1"/>
-          </a:fontRef>
-        </p:style>
-        <p:txBody>
-          <a:bodyPr wrap="none" lIns="36000" tIns="36000" rIns="36000" bIns="36000" rtlCol="0" anchor="ctr" anchorCtr="0"/>
-          <a:lstStyle/>
-          <a:p>
-            <a:pPr algn="ctr"/>
-            <a:r>
-              <a:rPr lang="zh-CN" altLang="en-US" sz="1600" b="1">
-                <a:solidFill>
-                  <a:schemeClr val="tx1"/>
-                </a:solidFill>
-                <a:latin typeface="微软雅黑" panose="020B0503020204020204" pitchFamily="34" charset="-122"/>
-                <a:ea typeface="微软雅黑" panose="020B0503020204020204" pitchFamily="34" charset="-122"/>
-              </a:rPr>
-              <a:t>查看所属</a:t>
-            </a:r>
-            <a:endParaRPr lang="en-US" altLang="zh-CN" sz="1600" b="1">
-              <a:solidFill>
-                <a:schemeClr val="tx1"/>
-              </a:solidFill>
-              <a:latin typeface="微软雅黑" panose="020B0503020204020204" pitchFamily="34" charset="-122"/>
-              <a:ea typeface="微软雅黑" panose="020B0503020204020204" pitchFamily="34" charset="-122"/>
-            </a:endParaRPr>
-          </a:p>
-          <a:p>
-            <a:pPr algn="ctr"/>
-            <a:r>
-              <a:rPr lang="en-US" altLang="zh-CN" sz="1600" b="1">
-                <a:solidFill>
-                  <a:schemeClr val="tx1"/>
-                </a:solidFill>
-                <a:latin typeface="微软雅黑" panose="020B0503020204020204" pitchFamily="34" charset="-122"/>
-                <a:ea typeface="微软雅黑" panose="020B0503020204020204" pitchFamily="34" charset="-122"/>
-              </a:rPr>
-              <a:t>list_fendlog</a:t>
-            </a:r>
-            <a:endParaRPr lang="zh-CN" altLang="en-US" sz="1600" b="1">
-              <a:solidFill>
-                <a:schemeClr val="tx1"/>
-              </a:solidFill>
-              <a:latin typeface="微软雅黑" panose="020B0503020204020204" pitchFamily="34" charset="-122"/>
-              <a:ea typeface="微软雅黑" panose="020B0503020204020204" pitchFamily="34" charset="-122"/>
-            </a:endParaRPr>
-          </a:p>
-        </p:txBody>
-      </p:sp>
-      <p:cxnSp>
-        <p:nvCxnSpPr>
-          <p:cNvPr id="106" name="直接箭头连接符 105">
-            <a:extLst>
-              <a:ext uri="{FF2B5EF4-FFF2-40B4-BE49-F238E27FC236}">
-                <a16:creationId xmlns:a16="http://schemas.microsoft.com/office/drawing/2014/main" id="{F420F5B3-5E0E-4FFD-BF5E-0A51999502D9}"/>
-              </a:ext>
-            </a:extLst>
-          </p:cNvPr>
-          <p:cNvCxnSpPr>
-            <a:cxnSpLocks/>
-            <a:stCxn id="116" idx="3"/>
-            <a:endCxn id="105" idx="1"/>
-          </p:cNvCxnSpPr>
-          <p:nvPr/>
-        </p:nvCxnSpPr>
-        <p:spPr>
-          <a:xfrm flipV="1">
-            <a:off x="3144097" y="4494453"/>
-            <a:ext cx="1423680" cy="1"/>
-          </a:xfrm>
-          <a:prstGeom prst="straightConnector1">
-            <a:avLst/>
-          </a:prstGeom>
-          <a:ln w="31750">
-            <a:solidFill>
-              <a:schemeClr val="tx1"/>
-            </a:solidFill>
-            <a:tailEnd type="triangle"/>
-          </a:ln>
-        </p:spPr>
-        <p:style>
-          <a:lnRef idx="1">
-            <a:schemeClr val="accent1"/>
-          </a:lnRef>
-          <a:fillRef idx="0">
-            <a:schemeClr val="accent1"/>
-          </a:fillRef>
-          <a:effectRef idx="0">
-            <a:schemeClr val="accent1"/>
-          </a:effectRef>
-          <a:fontRef idx="minor">
-            <a:schemeClr val="tx1"/>
-          </a:fontRef>
-        </p:style>
-      </p:cxnSp>
-      <p:cxnSp>
-        <p:nvCxnSpPr>
-          <p:cNvPr id="107" name="直接箭头连接符 106">
-            <a:extLst>
-              <a:ext uri="{FF2B5EF4-FFF2-40B4-BE49-F238E27FC236}">
-                <a16:creationId xmlns:a16="http://schemas.microsoft.com/office/drawing/2014/main" id="{BABF13E3-5A74-466D-84C5-7DF7FDDE080A}"/>
-              </a:ext>
-            </a:extLst>
-          </p:cNvPr>
-          <p:cNvCxnSpPr>
-            <a:cxnSpLocks/>
-            <a:stCxn id="108" idx="1"/>
-            <a:endCxn id="105" idx="3"/>
-          </p:cNvCxnSpPr>
-          <p:nvPr/>
-        </p:nvCxnSpPr>
-        <p:spPr>
-          <a:xfrm flipH="1" flipV="1">
-            <a:off x="6583777" y="4494453"/>
-            <a:ext cx="1672790" cy="565048"/>
-          </a:xfrm>
-          <a:prstGeom prst="straightConnector1">
-            <a:avLst/>
-          </a:prstGeom>
-          <a:ln w="57150">
-            <a:solidFill>
-              <a:srgbClr val="FF0000"/>
-            </a:solidFill>
-            <a:tailEnd type="triangle"/>
-          </a:ln>
-        </p:spPr>
-        <p:style>
-          <a:lnRef idx="1">
-            <a:schemeClr val="accent1"/>
-          </a:lnRef>
-          <a:fillRef idx="0">
-            <a:schemeClr val="accent1"/>
-          </a:fillRef>
-          <a:effectRef idx="0">
-            <a:schemeClr val="accent1"/>
-          </a:effectRef>
-          <a:fontRef idx="minor">
-            <a:schemeClr val="tx1"/>
-          </a:fontRef>
-        </p:style>
-      </p:cxnSp>
-      <p:sp>
-        <p:nvSpPr>
-          <p:cNvPr id="108" name="矩形: 圆角 107">
-            <a:extLst>
-              <a:ext uri="{FF2B5EF4-FFF2-40B4-BE49-F238E27FC236}">
-                <a16:creationId xmlns:a16="http://schemas.microsoft.com/office/drawing/2014/main" id="{2B0F59E7-2CA0-4926-8900-4CD045C651C7}"/>
-              </a:ext>
-            </a:extLst>
-          </p:cNvPr>
-          <p:cNvSpPr/>
-          <p:nvPr/>
-        </p:nvSpPr>
-        <p:spPr>
-          <a:xfrm>
-            <a:off x="8256567" y="4843501"/>
-            <a:ext cx="1728000" cy="432000"/>
-          </a:xfrm>
-          <a:prstGeom prst="roundRect">
-            <a:avLst/>
-          </a:prstGeom>
-          <a:solidFill>
-            <a:schemeClr val="bg1">
-              <a:lumMod val="95000"/>
-            </a:schemeClr>
-          </a:solidFill>
-          <a:ln>
-            <a:solidFill>
-              <a:schemeClr val="tx1"/>
-            </a:solidFill>
-          </a:ln>
-        </p:spPr>
-        <p:style>
-          <a:lnRef idx="2">
-            <a:schemeClr val="accent1">
-              <a:shade val="50000"/>
-            </a:schemeClr>
-          </a:lnRef>
-          <a:fillRef idx="1">
-            <a:schemeClr val="accent1"/>
-          </a:fillRef>
-          <a:effectRef idx="0">
-            <a:schemeClr val="accent1"/>
-          </a:effectRef>
-          <a:fontRef idx="minor">
-            <a:schemeClr val="lt1"/>
-          </a:fontRef>
-        </p:style>
-        <p:txBody>
-          <a:bodyPr wrap="none" lIns="36000" tIns="36000" rIns="36000" bIns="36000" rtlCol="0" anchor="ctr" anchorCtr="0"/>
-          <a:lstStyle/>
-          <a:p>
-            <a:pPr algn="ctr"/>
-            <a:r>
-              <a:rPr lang="zh-CN" altLang="en-US" sz="1600" b="1">
-                <a:solidFill>
-                  <a:schemeClr val="tx1"/>
-                </a:solidFill>
-                <a:latin typeface="微软雅黑" panose="020B0503020204020204" pitchFamily="34" charset="-122"/>
-                <a:ea typeface="微软雅黑" panose="020B0503020204020204" pitchFamily="34" charset="-122"/>
-              </a:rPr>
-              <a:t>供养日志表</a:t>
-            </a:r>
-          </a:p>
-        </p:txBody>
-      </p:sp>
-      <p:sp>
-        <p:nvSpPr>
-          <p:cNvPr id="109" name="矩形: 圆角 108">
-            <a:extLst>
-              <a:ext uri="{FF2B5EF4-FFF2-40B4-BE49-F238E27FC236}">
-                <a16:creationId xmlns:a16="http://schemas.microsoft.com/office/drawing/2014/main" id="{25E8F302-AA23-4BF2-B11B-B6E703756E17}"/>
-              </a:ext>
-            </a:extLst>
-          </p:cNvPr>
-          <p:cNvSpPr/>
-          <p:nvPr/>
-        </p:nvSpPr>
-        <p:spPr>
-          <a:xfrm>
-            <a:off x="4567777" y="5206527"/>
-            <a:ext cx="2016000" cy="648000"/>
-          </a:xfrm>
-          <a:prstGeom prst="roundRect">
-            <a:avLst/>
-          </a:prstGeom>
-          <a:solidFill>
-            <a:srgbClr val="00B050"/>
-          </a:solidFill>
-          <a:ln>
-            <a:solidFill>
-              <a:schemeClr val="tx1"/>
-            </a:solidFill>
-          </a:ln>
-        </p:spPr>
-        <p:style>
-          <a:lnRef idx="2">
-            <a:schemeClr val="accent1">
-              <a:shade val="50000"/>
-            </a:schemeClr>
-          </a:lnRef>
-          <a:fillRef idx="1">
-            <a:schemeClr val="accent1"/>
-          </a:fillRef>
-          <a:effectRef idx="0">
-            <a:schemeClr val="accent1"/>
-          </a:effectRef>
-          <a:fontRef idx="minor">
-            <a:schemeClr val="lt1"/>
-          </a:fontRef>
-        </p:style>
-        <p:txBody>
-          <a:bodyPr wrap="none" lIns="36000" tIns="36000" rIns="36000" bIns="36000" rtlCol="0" anchor="ctr" anchorCtr="0"/>
-          <a:lstStyle/>
-          <a:p>
-            <a:pPr algn="ctr"/>
-            <a:r>
-              <a:rPr lang="zh-CN" altLang="en-US" sz="1600" b="1">
-                <a:solidFill>
-                  <a:schemeClr val="tx1"/>
-                </a:solidFill>
-                <a:latin typeface="微软雅黑" panose="020B0503020204020204" pitchFamily="34" charset="-122"/>
-                <a:ea typeface="微软雅黑" panose="020B0503020204020204" pitchFamily="34" charset="-122"/>
-              </a:rPr>
-              <a:t>查看条件</a:t>
-            </a:r>
-            <a:endParaRPr lang="en-US" altLang="zh-CN" sz="1600" b="1">
-              <a:solidFill>
-                <a:schemeClr val="tx1"/>
-              </a:solidFill>
-              <a:latin typeface="微软雅黑" panose="020B0503020204020204" pitchFamily="34" charset="-122"/>
-              <a:ea typeface="微软雅黑" panose="020B0503020204020204" pitchFamily="34" charset="-122"/>
-            </a:endParaRPr>
-          </a:p>
-          <a:p>
-            <a:pPr algn="ctr"/>
-            <a:r>
-              <a:rPr lang="en-US" altLang="zh-CN" sz="1600" b="1">
-                <a:solidFill>
-                  <a:schemeClr val="tx1"/>
-                </a:solidFill>
-                <a:latin typeface="微软雅黑" panose="020B0503020204020204" pitchFamily="34" charset="-122"/>
-                <a:ea typeface="微软雅黑" panose="020B0503020204020204" pitchFamily="34" charset="-122"/>
-              </a:rPr>
-              <a:t>list_fendlog</a:t>
-            </a:r>
-            <a:endParaRPr lang="zh-CN" altLang="en-US" sz="1600" b="1">
-              <a:solidFill>
-                <a:schemeClr val="tx1"/>
-              </a:solidFill>
-              <a:latin typeface="微软雅黑" panose="020B0503020204020204" pitchFamily="34" charset="-122"/>
-              <a:ea typeface="微软雅黑" panose="020B0503020204020204" pitchFamily="34" charset="-122"/>
-            </a:endParaRPr>
-          </a:p>
-        </p:txBody>
-      </p:sp>
-      <p:cxnSp>
-        <p:nvCxnSpPr>
-          <p:cNvPr id="110" name="直接箭头连接符 109">
-            <a:extLst>
-              <a:ext uri="{FF2B5EF4-FFF2-40B4-BE49-F238E27FC236}">
-                <a16:creationId xmlns:a16="http://schemas.microsoft.com/office/drawing/2014/main" id="{A5D2EA7D-7FF9-491C-B076-70DE16906BA8}"/>
-              </a:ext>
-            </a:extLst>
-          </p:cNvPr>
-          <p:cNvCxnSpPr>
-            <a:cxnSpLocks/>
-            <a:stCxn id="120" idx="3"/>
-            <a:endCxn id="109" idx="1"/>
-          </p:cNvCxnSpPr>
-          <p:nvPr/>
-        </p:nvCxnSpPr>
-        <p:spPr>
-          <a:xfrm>
-            <a:off x="3144097" y="5530527"/>
-            <a:ext cx="1423680" cy="0"/>
-          </a:xfrm>
-          <a:prstGeom prst="straightConnector1">
-            <a:avLst/>
-          </a:prstGeom>
-          <a:ln w="31750">
-            <a:solidFill>
-              <a:schemeClr val="tx1"/>
-            </a:solidFill>
-            <a:tailEnd type="triangle"/>
-          </a:ln>
-        </p:spPr>
-        <p:style>
-          <a:lnRef idx="1">
-            <a:schemeClr val="accent1"/>
-          </a:lnRef>
-          <a:fillRef idx="0">
-            <a:schemeClr val="accent1"/>
-          </a:fillRef>
-          <a:effectRef idx="0">
-            <a:schemeClr val="accent1"/>
-          </a:effectRef>
-          <a:fontRef idx="minor">
-            <a:schemeClr val="tx1"/>
-          </a:fontRef>
-        </p:style>
-      </p:cxnSp>
-      <p:cxnSp>
-        <p:nvCxnSpPr>
-          <p:cNvPr id="111" name="直接箭头连接符 110">
-            <a:extLst>
-              <a:ext uri="{FF2B5EF4-FFF2-40B4-BE49-F238E27FC236}">
-                <a16:creationId xmlns:a16="http://schemas.microsoft.com/office/drawing/2014/main" id="{745C5E4B-8CC8-415F-A644-AACE99342CE7}"/>
-              </a:ext>
-            </a:extLst>
-          </p:cNvPr>
-          <p:cNvCxnSpPr>
-            <a:cxnSpLocks/>
-            <a:stCxn id="108" idx="1"/>
-            <a:endCxn id="109" idx="3"/>
-          </p:cNvCxnSpPr>
-          <p:nvPr/>
-        </p:nvCxnSpPr>
-        <p:spPr>
-          <a:xfrm flipH="1">
-            <a:off x="6583777" y="5059501"/>
-            <a:ext cx="1672790" cy="471026"/>
-          </a:xfrm>
-          <a:prstGeom prst="straightConnector1">
-            <a:avLst/>
-          </a:prstGeom>
-          <a:ln w="57150">
-            <a:solidFill>
-              <a:srgbClr val="FF0000"/>
-            </a:solidFill>
-            <a:tailEnd type="triangle"/>
-          </a:ln>
-        </p:spPr>
-        <p:style>
-          <a:lnRef idx="1">
-            <a:schemeClr val="accent1"/>
-          </a:lnRef>
-          <a:fillRef idx="0">
-            <a:schemeClr val="accent1"/>
-          </a:fillRef>
-          <a:effectRef idx="0">
-            <a:schemeClr val="accent1"/>
-          </a:effectRef>
-          <a:fontRef idx="minor">
-            <a:schemeClr val="tx1"/>
-          </a:fontRef>
-        </p:style>
-      </p:cxnSp>
-      <p:grpSp>
-        <p:nvGrpSpPr>
-          <p:cNvPr id="112" name="组合 111">
-            <a:extLst>
-              <a:ext uri="{FF2B5EF4-FFF2-40B4-BE49-F238E27FC236}">
-                <a16:creationId xmlns:a16="http://schemas.microsoft.com/office/drawing/2014/main" id="{BB9840F6-859D-4087-B055-53A692D18076}"/>
-              </a:ext>
-            </a:extLst>
-          </p:cNvPr>
-          <p:cNvGrpSpPr/>
-          <p:nvPr/>
-        </p:nvGrpSpPr>
-        <p:grpSpPr>
-          <a:xfrm>
-            <a:off x="688869" y="3939603"/>
-            <a:ext cx="2455228" cy="1109701"/>
-            <a:chOff x="698519" y="1336611"/>
-            <a:chExt cx="2455228" cy="1109701"/>
-          </a:xfrm>
-        </p:grpSpPr>
-        <p:sp>
-          <p:nvSpPr>
-            <p:cNvPr id="113" name="矩形: 圆角 112">
-              <a:extLst>
-                <a:ext uri="{FF2B5EF4-FFF2-40B4-BE49-F238E27FC236}">
-                  <a16:creationId xmlns:a16="http://schemas.microsoft.com/office/drawing/2014/main" id="{B78E4409-4E4D-44C6-BC2E-6BC2DA596CCF}"/>
-                </a:ext>
-              </a:extLst>
-            </p:cNvPr>
-            <p:cNvSpPr/>
-            <p:nvPr/>
-          </p:nvSpPr>
-          <p:spPr>
-            <a:xfrm>
-              <a:off x="807142" y="1414209"/>
-              <a:ext cx="1080000" cy="432000"/>
-            </a:xfrm>
-            <a:prstGeom prst="roundRect">
-              <a:avLst/>
-            </a:prstGeom>
-            <a:solidFill>
-              <a:srgbClr val="00B0F0"/>
-            </a:solidFill>
-            <a:ln>
-              <a:solidFill>
-                <a:schemeClr val="tx1"/>
-              </a:solidFill>
-            </a:ln>
-          </p:spPr>
-          <p:style>
-            <a:lnRef idx="2">
-              <a:schemeClr val="accent1">
-                <a:shade val="50000"/>
-              </a:schemeClr>
-            </a:lnRef>
-            <a:fillRef idx="1">
-              <a:schemeClr val="accent1"/>
-            </a:fillRef>
-            <a:effectRef idx="0">
-              <a:schemeClr val="accent1"/>
-            </a:effectRef>
-            <a:fontRef idx="minor">
-              <a:schemeClr val="lt1"/>
-            </a:fontRef>
-          </p:style>
-          <p:txBody>
-            <a:bodyPr wrap="none" lIns="36000" tIns="36000" rIns="36000" bIns="36000" rtlCol="0" anchor="ctr" anchorCtr="0"/>
-            <a:lstStyle/>
-            <a:p>
-              <a:pPr algn="ctr"/>
-              <a:r>
-                <a:rPr lang="zh-CN" altLang="en-US" sz="1600" b="1">
-                  <a:solidFill>
-                    <a:schemeClr val="tx1"/>
-                  </a:solidFill>
-                  <a:latin typeface="微软雅黑" panose="020B0503020204020204" pitchFamily="34" charset="-122"/>
-                  <a:ea typeface="微软雅黑" panose="020B0503020204020204" pitchFamily="34" charset="-122"/>
-                </a:rPr>
-                <a:t>法师</a:t>
-              </a:r>
-            </a:p>
-          </p:txBody>
-        </p:sp>
-        <p:sp>
-          <p:nvSpPr>
-            <p:cNvPr id="114" name="矩形: 圆角 113">
-              <a:extLst>
-                <a:ext uri="{FF2B5EF4-FFF2-40B4-BE49-F238E27FC236}">
-                  <a16:creationId xmlns:a16="http://schemas.microsoft.com/office/drawing/2014/main" id="{AE54A18F-7888-4114-8A0B-B6C38B62F75B}"/>
-                </a:ext>
-              </a:extLst>
-            </p:cNvPr>
-            <p:cNvSpPr/>
-            <p:nvPr/>
-          </p:nvSpPr>
-          <p:spPr>
-            <a:xfrm>
-              <a:off x="1993026" y="1414209"/>
-              <a:ext cx="1080000" cy="432000"/>
-            </a:xfrm>
-            <a:prstGeom prst="roundRect">
-              <a:avLst/>
-            </a:prstGeom>
-            <a:solidFill>
-              <a:srgbClr val="00B0F0"/>
-            </a:solidFill>
-            <a:ln>
-              <a:solidFill>
-                <a:schemeClr val="tx1"/>
-              </a:solidFill>
-            </a:ln>
-          </p:spPr>
-          <p:style>
-            <a:lnRef idx="2">
-              <a:schemeClr val="accent1">
-                <a:shade val="50000"/>
-              </a:schemeClr>
-            </a:lnRef>
-            <a:fillRef idx="1">
-              <a:schemeClr val="accent1"/>
-            </a:fillRef>
-            <a:effectRef idx="0">
-              <a:schemeClr val="accent1"/>
-            </a:effectRef>
-            <a:fontRef idx="minor">
-              <a:schemeClr val="lt1"/>
-            </a:fontRef>
-          </p:style>
-          <p:txBody>
-            <a:bodyPr wrap="none" lIns="36000" tIns="36000" rIns="36000" bIns="36000" rtlCol="0" anchor="ctr" anchorCtr="0"/>
-            <a:lstStyle/>
-            <a:p>
-              <a:pPr algn="ctr"/>
-              <a:r>
-                <a:rPr lang="zh-CN" altLang="en-US" sz="1600" b="1">
-                  <a:solidFill>
-                    <a:schemeClr val="tx1"/>
-                  </a:solidFill>
-                  <a:latin typeface="微软雅黑" panose="020B0503020204020204" pitchFamily="34" charset="-122"/>
-                  <a:ea typeface="微软雅黑" panose="020B0503020204020204" pitchFamily="34" charset="-122"/>
-                </a:rPr>
-                <a:t>寺院</a:t>
-              </a:r>
-            </a:p>
-          </p:txBody>
-        </p:sp>
-        <p:sp>
-          <p:nvSpPr>
-            <p:cNvPr id="115" name="矩形: 圆角 114">
-              <a:extLst>
-                <a:ext uri="{FF2B5EF4-FFF2-40B4-BE49-F238E27FC236}">
-                  <a16:creationId xmlns:a16="http://schemas.microsoft.com/office/drawing/2014/main" id="{28904CD5-CAE7-4D49-8D62-D8169422FE45}"/>
-                </a:ext>
-              </a:extLst>
-            </p:cNvPr>
-            <p:cNvSpPr/>
-            <p:nvPr/>
-          </p:nvSpPr>
-          <p:spPr>
-            <a:xfrm>
-              <a:off x="807142" y="1924988"/>
-              <a:ext cx="1080000" cy="432000"/>
-            </a:xfrm>
-            <a:prstGeom prst="roundRect">
-              <a:avLst/>
-            </a:prstGeom>
-            <a:solidFill>
-              <a:srgbClr val="00B0F0"/>
-            </a:solidFill>
-            <a:ln>
-              <a:solidFill>
-                <a:schemeClr val="tx1"/>
-              </a:solidFill>
-            </a:ln>
-          </p:spPr>
-          <p:style>
-            <a:lnRef idx="2">
-              <a:schemeClr val="accent1">
-                <a:shade val="50000"/>
-              </a:schemeClr>
-            </a:lnRef>
-            <a:fillRef idx="1">
-              <a:schemeClr val="accent1"/>
-            </a:fillRef>
-            <a:effectRef idx="0">
-              <a:schemeClr val="accent1"/>
-            </a:effectRef>
-            <a:fontRef idx="minor">
-              <a:schemeClr val="lt1"/>
-            </a:fontRef>
-          </p:style>
-          <p:txBody>
-            <a:bodyPr wrap="none" lIns="36000" tIns="36000" rIns="36000" bIns="36000" rtlCol="0" anchor="ctr" anchorCtr="0"/>
-            <a:lstStyle/>
-            <a:p>
-              <a:pPr algn="ctr"/>
-              <a:r>
-                <a:rPr lang="zh-CN" altLang="en-US" sz="1600" b="1">
-                  <a:solidFill>
-                    <a:schemeClr val="tx1"/>
-                  </a:solidFill>
-                  <a:latin typeface="微软雅黑" panose="020B0503020204020204" pitchFamily="34" charset="-122"/>
-                  <a:ea typeface="微软雅黑" panose="020B0503020204020204" pitchFamily="34" charset="-122"/>
-                </a:rPr>
-                <a:t>认证用户</a:t>
-              </a:r>
-            </a:p>
-          </p:txBody>
-        </p:sp>
-        <p:sp>
-          <p:nvSpPr>
-            <p:cNvPr id="116" name="矩形: 圆角 115">
-              <a:extLst>
-                <a:ext uri="{FF2B5EF4-FFF2-40B4-BE49-F238E27FC236}">
-                  <a16:creationId xmlns:a16="http://schemas.microsoft.com/office/drawing/2014/main" id="{966D2EA7-B928-4F92-8954-2560D714C01C}"/>
-                </a:ext>
-              </a:extLst>
-            </p:cNvPr>
-            <p:cNvSpPr/>
-            <p:nvPr/>
-          </p:nvSpPr>
-          <p:spPr>
-            <a:xfrm>
-              <a:off x="698519" y="1336611"/>
-              <a:ext cx="2455228" cy="1109701"/>
-            </a:xfrm>
-            <a:prstGeom prst="roundRect">
-              <a:avLst>
-                <a:gd name="adj" fmla="val 5494"/>
-              </a:avLst>
-            </a:prstGeom>
-            <a:noFill/>
-            <a:ln>
-              <a:solidFill>
-                <a:schemeClr val="tx2"/>
-              </a:solidFill>
-              <a:prstDash val="dash"/>
-            </a:ln>
-          </p:spPr>
-          <p:style>
-            <a:lnRef idx="2">
-              <a:schemeClr val="accent1">
-                <a:shade val="50000"/>
-              </a:schemeClr>
-            </a:lnRef>
-            <a:fillRef idx="1">
-              <a:schemeClr val="accent1"/>
-            </a:fillRef>
-            <a:effectRef idx="0">
-              <a:schemeClr val="accent1"/>
-            </a:effectRef>
-            <a:fontRef idx="minor">
-              <a:schemeClr val="lt1"/>
-            </a:fontRef>
-          </p:style>
-          <p:txBody>
-            <a:bodyPr rtlCol="0" anchor="ctr"/>
-            <a:lstStyle/>
-            <a:p>
-              <a:pPr algn="ctr"/>
-              <a:endParaRPr lang="zh-CN" altLang="en-US" sz="1600">
-                <a:latin typeface="微软雅黑" panose="020B0503020204020204" pitchFamily="34" charset="-122"/>
-                <a:ea typeface="微软雅黑" panose="020B0503020204020204" pitchFamily="34" charset="-122"/>
-              </a:endParaRPr>
-            </a:p>
-          </p:txBody>
-        </p:sp>
-      </p:grpSp>
-      <p:grpSp>
-        <p:nvGrpSpPr>
-          <p:cNvPr id="117" name="组合 116">
-            <a:extLst>
-              <a:ext uri="{FF2B5EF4-FFF2-40B4-BE49-F238E27FC236}">
-                <a16:creationId xmlns:a16="http://schemas.microsoft.com/office/drawing/2014/main" id="{6153C657-0A9B-48BC-8888-34098F5FA834}"/>
-              </a:ext>
-            </a:extLst>
-          </p:cNvPr>
-          <p:cNvGrpSpPr/>
-          <p:nvPr/>
-        </p:nvGrpSpPr>
-        <p:grpSpPr>
-          <a:xfrm>
-            <a:off x="688869" y="5238945"/>
-            <a:ext cx="2455228" cy="583164"/>
-            <a:chOff x="838244" y="4426880"/>
-            <a:chExt cx="2455228" cy="583164"/>
-          </a:xfrm>
-        </p:grpSpPr>
-        <p:sp>
-          <p:nvSpPr>
-            <p:cNvPr id="118" name="矩形: 圆角 117">
-              <a:extLst>
-                <a:ext uri="{FF2B5EF4-FFF2-40B4-BE49-F238E27FC236}">
-                  <a16:creationId xmlns:a16="http://schemas.microsoft.com/office/drawing/2014/main" id="{6D57DA89-BD31-40FA-9311-60C493048CAB}"/>
-                </a:ext>
-              </a:extLst>
-            </p:cNvPr>
-            <p:cNvSpPr/>
-            <p:nvPr/>
-          </p:nvSpPr>
-          <p:spPr>
-            <a:xfrm>
-              <a:off x="946867" y="4504477"/>
-              <a:ext cx="1080000" cy="432000"/>
-            </a:xfrm>
-            <a:prstGeom prst="roundRect">
-              <a:avLst/>
-            </a:prstGeom>
-            <a:solidFill>
-              <a:srgbClr val="00B0F0"/>
-            </a:solidFill>
-            <a:ln>
-              <a:solidFill>
-                <a:schemeClr val="tx1"/>
-              </a:solidFill>
-            </a:ln>
-          </p:spPr>
-          <p:style>
-            <a:lnRef idx="2">
-              <a:schemeClr val="accent1">
-                <a:shade val="50000"/>
-              </a:schemeClr>
-            </a:lnRef>
-            <a:fillRef idx="1">
-              <a:schemeClr val="accent1"/>
-            </a:fillRef>
-            <a:effectRef idx="0">
-              <a:schemeClr val="accent1"/>
-            </a:effectRef>
-            <a:fontRef idx="minor">
-              <a:schemeClr val="lt1"/>
-            </a:fontRef>
-          </p:style>
-          <p:txBody>
-            <a:bodyPr wrap="none" lIns="36000" tIns="36000" rIns="36000" bIns="36000" rtlCol="0" anchor="ctr" anchorCtr="0"/>
-            <a:lstStyle/>
-            <a:p>
-              <a:pPr algn="ctr"/>
-              <a:r>
-                <a:rPr lang="zh-CN" altLang="en-US" sz="1600" b="1">
-                  <a:solidFill>
-                    <a:schemeClr val="tx1"/>
-                  </a:solidFill>
-                  <a:latin typeface="微软雅黑" panose="020B0503020204020204" pitchFamily="34" charset="-122"/>
-                  <a:ea typeface="微软雅黑" panose="020B0503020204020204" pitchFamily="34" charset="-122"/>
-                </a:rPr>
-                <a:t>基金会成员</a:t>
-              </a:r>
-            </a:p>
-          </p:txBody>
-        </p:sp>
-        <p:sp>
-          <p:nvSpPr>
-            <p:cNvPr id="119" name="矩形: 圆角 118">
-              <a:extLst>
-                <a:ext uri="{FF2B5EF4-FFF2-40B4-BE49-F238E27FC236}">
-                  <a16:creationId xmlns:a16="http://schemas.microsoft.com/office/drawing/2014/main" id="{3E844B36-1CCB-400F-8D3B-FF3C83E86F3E}"/>
-                </a:ext>
-              </a:extLst>
-            </p:cNvPr>
-            <p:cNvSpPr/>
-            <p:nvPr/>
-          </p:nvSpPr>
-          <p:spPr>
-            <a:xfrm>
-              <a:off x="2132751" y="4504477"/>
-              <a:ext cx="1080000" cy="432000"/>
-            </a:xfrm>
-            <a:prstGeom prst="roundRect">
-              <a:avLst/>
-            </a:prstGeom>
-            <a:solidFill>
-              <a:srgbClr val="00B0F0"/>
-            </a:solidFill>
-            <a:ln>
-              <a:solidFill>
-                <a:schemeClr val="tx1"/>
-              </a:solidFill>
-            </a:ln>
-          </p:spPr>
-          <p:style>
-            <a:lnRef idx="2">
-              <a:schemeClr val="accent1">
-                <a:shade val="50000"/>
-              </a:schemeClr>
-            </a:lnRef>
-            <a:fillRef idx="1">
-              <a:schemeClr val="accent1"/>
-            </a:fillRef>
-            <a:effectRef idx="0">
-              <a:schemeClr val="accent1"/>
-            </a:effectRef>
-            <a:fontRef idx="minor">
-              <a:schemeClr val="lt1"/>
-            </a:fontRef>
-          </p:style>
-          <p:txBody>
-            <a:bodyPr wrap="none" lIns="36000" tIns="36000" rIns="36000" bIns="36000" rtlCol="0" anchor="ctr" anchorCtr="0"/>
-            <a:lstStyle/>
-            <a:p>
-              <a:pPr algn="ctr"/>
-              <a:r>
-                <a:rPr lang="zh-CN" altLang="en-US" sz="1600" b="1">
-                  <a:solidFill>
-                    <a:schemeClr val="tx1"/>
-                  </a:solidFill>
-                  <a:latin typeface="微软雅黑" panose="020B0503020204020204" pitchFamily="34" charset="-122"/>
-                  <a:ea typeface="微软雅黑" panose="020B0503020204020204" pitchFamily="34" charset="-122"/>
-                </a:rPr>
-                <a:t>用户</a:t>
-              </a:r>
-            </a:p>
-          </p:txBody>
-        </p:sp>
-        <p:sp>
-          <p:nvSpPr>
-            <p:cNvPr id="120" name="矩形: 圆角 119">
-              <a:extLst>
-                <a:ext uri="{FF2B5EF4-FFF2-40B4-BE49-F238E27FC236}">
-                  <a16:creationId xmlns:a16="http://schemas.microsoft.com/office/drawing/2014/main" id="{EB5A0420-3620-4DAA-A51A-080CE70B6B4A}"/>
+                  <a16:creationId xmlns:a16="http://schemas.microsoft.com/office/drawing/2014/main" id="{CA905BF6-37C5-4393-87FD-7CEA6DCF0F1D}"/>
                 </a:ext>
               </a:extLst>
             </p:cNvPr>
@@ -11425,7 +9078,7 @@
     </p:spTree>
     <p:extLst>
       <p:ext uri="{BB962C8B-B14F-4D97-AF65-F5344CB8AC3E}">
-        <p14:creationId xmlns:p14="http://schemas.microsoft.com/office/powerpoint/2010/main" val="2502283077"/>
+        <p14:creationId xmlns:p14="http://schemas.microsoft.com/office/powerpoint/2010/main" val="1439815563"/>
       </p:ext>
     </p:extLst>
   </p:cSld>
@@ -11435,7 +9088,7 @@
 </p:sld>
 </file>
 
-<file path=ppt/slides/slide8.xml><?xml version="1.0" encoding="utf-8"?>
+<file path=ppt/slides/slide7.xml><?xml version="1.0" encoding="utf-8"?>
 <p:sld xmlns:a="http://schemas.openxmlformats.org/drawingml/2006/main" xmlns:r="http://schemas.openxmlformats.org/officeDocument/2006/relationships" xmlns:p="http://schemas.openxmlformats.org/presentationml/2006/main">
   <p:cSld>
     <p:spTree>
@@ -11586,7 +9239,7 @@
                 <a:latin typeface="Consolas" panose="020B0609020204030204" pitchFamily="49" charset="0"/>
                 <a:ea typeface="微软雅黑" panose="020B0503020204020204" pitchFamily="34" charset="-122"/>
               </a:rPr>
-              <a:t>创建关注</a:t>
+              <a:t>创建收藏</a:t>
             </a:r>
           </a:p>
         </p:txBody>
@@ -11649,7 +9302,7 @@
                 <a:latin typeface="微软雅黑" panose="020B0503020204020204" pitchFamily="34" charset="-122"/>
                 <a:ea typeface="微软雅黑" panose="020B0503020204020204" pitchFamily="34" charset="-122"/>
               </a:rPr>
-              <a:t>创建关注</a:t>
+              <a:t>创建收藏</a:t>
             </a:r>
             <a:endParaRPr lang="en-US" altLang="zh-CN" sz="1600" b="1">
               <a:solidFill>
@@ -11896,7 +9549,7 @@
                 <a:latin typeface="微软雅黑" panose="020B0503020204020204" pitchFamily="34" charset="-122"/>
                 <a:ea typeface="微软雅黑" panose="020B0503020204020204" pitchFamily="34" charset="-122"/>
               </a:rPr>
-              <a:t>关注表</a:t>
+              <a:t>收藏表</a:t>
             </a:r>
           </a:p>
         </p:txBody>
@@ -11959,7 +9612,7 @@
                 <a:latin typeface="微软雅黑" panose="020B0503020204020204" pitchFamily="34" charset="-122"/>
                 <a:ea typeface="微软雅黑" panose="020B0503020204020204" pitchFamily="34" charset="-122"/>
               </a:rPr>
-              <a:t>查找关注</a:t>
+              <a:t>查找收藏</a:t>
             </a:r>
             <a:endParaRPr lang="en-US" altLang="zh-CN" sz="1600" b="1">
               <a:solidFill>
@@ -12388,7 +10041,7 @@
                 <a:latin typeface="微软雅黑" panose="020B0503020204020204" pitchFamily="34" charset="-122"/>
                 <a:ea typeface="微软雅黑" panose="020B0503020204020204" pitchFamily="34" charset="-122"/>
               </a:rPr>
-              <a:t>关注表</a:t>
+              <a:t>收藏表</a:t>
             </a:r>
           </a:p>
         </p:txBody>

--- a/doc/05.梵音.pptx
+++ b/doc/05.梵音.pptx
@@ -4189,9 +4189,14 @@
                 <a:rPr lang="zh-CN" altLang="en-US" sz="1800" b="1">
                   <a:latin typeface="Consolas" panose="020B0609020204030204" pitchFamily="49" charset="0"/>
                   <a:ea typeface="微软雅黑" panose="020B0503020204020204" pitchFamily="34" charset="-122"/>
+                  <a:hlinkClick r:id="rId6" action="ppaction://hlinksldjump"/>
                 </a:rPr>
                 <a:t>创建专辑</a:t>
               </a:r>
+              <a:endParaRPr lang="zh-CN" altLang="en-US" sz="1800" b="1">
+                <a:latin typeface="Consolas" panose="020B0609020204030204" pitchFamily="49" charset="0"/>
+                <a:ea typeface="微软雅黑" panose="020B0503020204020204" pitchFamily="34" charset="-122"/>
+              </a:endParaRPr>
             </a:p>
           </p:txBody>
         </p:sp>
@@ -4294,112 +4299,7 @@
                 <a:rPr lang="zh-CN" altLang="en-US" sz="1800" b="1">
                   <a:latin typeface="Consolas" panose="020B0609020204030204" pitchFamily="49" charset="0"/>
                   <a:ea typeface="微软雅黑" panose="020B0503020204020204" pitchFamily="34" charset="-122"/>
-                </a:rPr>
-                <a:t>收藏</a:t>
-              </a:r>
-            </a:p>
-          </p:txBody>
-        </p:sp>
-        <p:sp>
-          <p:nvSpPr>
-            <p:cNvPr id="100" name="菱形 99">
-              <a:extLst>
-                <a:ext uri="{FF2B5EF4-FFF2-40B4-BE49-F238E27FC236}">
-                  <a16:creationId xmlns:a16="http://schemas.microsoft.com/office/drawing/2014/main" id="{B5A9643E-23CA-4A83-A438-BFD0A9FC20FF}"/>
-                </a:ext>
-              </a:extLst>
-            </p:cNvPr>
-            <p:cNvSpPr/>
-            <p:nvPr/>
-          </p:nvSpPr>
-          <p:spPr>
-            <a:xfrm>
-              <a:off x="1628272" y="4171796"/>
-              <a:ext cx="216000" cy="216000"/>
-            </a:xfrm>
-            <a:prstGeom prst="diamond">
-              <a:avLst/>
-            </a:prstGeom>
-          </p:spPr>
-          <p:style>
-            <a:lnRef idx="2">
-              <a:schemeClr val="accent1">
-                <a:shade val="50000"/>
-              </a:schemeClr>
-            </a:lnRef>
-            <a:fillRef idx="1">
-              <a:schemeClr val="accent1"/>
-            </a:fillRef>
-            <a:effectRef idx="0">
-              <a:schemeClr val="accent1"/>
-            </a:effectRef>
-            <a:fontRef idx="minor">
-              <a:schemeClr val="lt1"/>
-            </a:fontRef>
-          </p:style>
-          <p:txBody>
-            <a:bodyPr rtlCol="0" anchor="ctr"/>
-            <a:lstStyle/>
-            <a:p>
-              <a:pPr algn="ctr"/>
-              <a:endParaRPr lang="zh-CN" altLang="en-US"/>
-            </a:p>
-          </p:txBody>
-        </p:sp>
-      </p:grpSp>
-      <p:grpSp>
-        <p:nvGrpSpPr>
-          <p:cNvPr id="41" name="组合 40">
-            <a:extLst>
-              <a:ext uri="{FF2B5EF4-FFF2-40B4-BE49-F238E27FC236}">
-                <a16:creationId xmlns:a16="http://schemas.microsoft.com/office/drawing/2014/main" id="{EF82DC6B-B04D-4AC2-8882-EFC3B740D367}"/>
-              </a:ext>
-            </a:extLst>
-          </p:cNvPr>
-          <p:cNvGrpSpPr/>
-          <p:nvPr/>
-        </p:nvGrpSpPr>
-        <p:grpSpPr>
-          <a:xfrm>
-            <a:off x="1628272" y="4729652"/>
-            <a:ext cx="6485472" cy="369332"/>
-            <a:chOff x="1628272" y="4095130"/>
-            <a:chExt cx="6485472" cy="369332"/>
-          </a:xfrm>
-        </p:grpSpPr>
-        <p:sp>
-          <p:nvSpPr>
-            <p:cNvPr id="42" name="文本框 41">
-              <a:extLst>
-                <a:ext uri="{FF2B5EF4-FFF2-40B4-BE49-F238E27FC236}">
-                  <a16:creationId xmlns:a16="http://schemas.microsoft.com/office/drawing/2014/main" id="{AA2719A1-D609-4D19-99BC-846DB9C38ACC}"/>
-                </a:ext>
-              </a:extLst>
-            </p:cNvPr>
-            <p:cNvSpPr txBox="1"/>
-            <p:nvPr/>
-          </p:nvSpPr>
-          <p:spPr>
-            <a:xfrm>
-              <a:off x="2016190" y="4095130"/>
-              <a:ext cx="6097554" cy="369332"/>
-            </a:xfrm>
-            <a:prstGeom prst="rect">
-              <a:avLst/>
-            </a:prstGeom>
-            <a:noFill/>
-          </p:spPr>
-          <p:txBody>
-            <a:bodyPr wrap="square">
-              <a:spAutoFit/>
-            </a:bodyPr>
-            <a:lstStyle/>
-            <a:p>
-              <a:r>
-                <a:rPr lang="zh-CN" altLang="en-US" sz="1800" b="1">
-                  <a:latin typeface="Consolas" panose="020B0609020204030204" pitchFamily="49" charset="0"/>
-                  <a:ea typeface="微软雅黑" panose="020B0503020204020204" pitchFamily="34" charset="-122"/>
-                  <a:hlinkClick r:id="rId6" action="ppaction://hlinksldjump"/>
+                  <a:hlinkClick r:id="rId7" action="ppaction://hlinksldjump"/>
                 </a:rPr>
                 <a:t>收藏</a:t>
               </a:r>
@@ -4412,10 +4312,10 @@
         </p:sp>
         <p:sp>
           <p:nvSpPr>
-            <p:cNvPr id="43" name="菱形 42">
+            <p:cNvPr id="100" name="菱形 99">
               <a:extLst>
                 <a:ext uri="{FF2B5EF4-FFF2-40B4-BE49-F238E27FC236}">
-                  <a16:creationId xmlns:a16="http://schemas.microsoft.com/office/drawing/2014/main" id="{660B9148-313C-4828-8A62-2BEA5D62467F}"/>
+                  <a16:creationId xmlns:a16="http://schemas.microsoft.com/office/drawing/2014/main" id="{B5A9643E-23CA-4A83-A438-BFD0A9FC20FF}"/>
                 </a:ext>
               </a:extLst>
             </p:cNvPr>
@@ -6498,7 +6398,7 @@
                 <a:latin typeface="微软雅黑" panose="020B0503020204020204" pitchFamily="34" charset="-122"/>
                 <a:ea typeface="微软雅黑" panose="020B0503020204020204" pitchFamily="34" charset="-122"/>
               </a:rPr>
-              <a:t>查看条件</a:t>
+              <a:t>按条件查看</a:t>
             </a:r>
             <a:endParaRPr lang="en-US" altLang="zh-CN" sz="1600" b="1">
               <a:solidFill>
@@ -8147,7 +8047,7 @@
                 <a:latin typeface="微软雅黑" panose="020B0503020204020204" pitchFamily="34" charset="-122"/>
                 <a:ea typeface="微软雅黑" panose="020B0503020204020204" pitchFamily="34" charset="-122"/>
               </a:rPr>
-              <a:t>查看条件</a:t>
+              <a:t>按条件查看</a:t>
             </a:r>
             <a:endParaRPr lang="en-US" altLang="zh-CN" sz="1600" b="1">
               <a:solidFill>
@@ -9221,7 +9121,7 @@
         <p:spPr>
           <a:xfrm>
             <a:off x="712379" y="173975"/>
-            <a:ext cx="1826141" cy="584775"/>
+            <a:ext cx="1005403" cy="584775"/>
           </a:xfrm>
           <a:prstGeom prst="rect">
             <a:avLst/>
@@ -9239,7 +9139,7 @@
                 <a:latin typeface="Consolas" panose="020B0609020204030204" pitchFamily="49" charset="0"/>
                 <a:ea typeface="微软雅黑" panose="020B0503020204020204" pitchFamily="34" charset="-122"/>
               </a:rPr>
-              <a:t>创建收藏</a:t>
+              <a:t>收藏</a:t>
             </a:r>
           </a:p>
         </p:txBody>
@@ -10104,7 +10004,7 @@
                 <a:latin typeface="微软雅黑" panose="020B0503020204020204" pitchFamily="34" charset="-122"/>
                 <a:ea typeface="微软雅黑" panose="020B0503020204020204" pitchFamily="34" charset="-122"/>
               </a:rPr>
-              <a:t>查看条件</a:t>
+              <a:t>按条件查看</a:t>
             </a:r>
             <a:endParaRPr lang="en-US" altLang="zh-CN" sz="1600" b="1">
               <a:solidFill>
